--- a/일싹이 소개.pptx
+++ b/일싹이 소개.pptx
@@ -40,9 +40,11 @@
     <p:sldId id="368" r:id="rId34"/>
     <p:sldId id="369" r:id="rId35"/>
     <p:sldId id="370" r:id="rId36"/>
-    <p:sldId id="358" r:id="rId37"/>
-    <p:sldId id="373" r:id="rId38"/>
-    <p:sldId id="259" r:id="rId39"/>
+    <p:sldId id="374" r:id="rId37"/>
+    <p:sldId id="375" r:id="rId38"/>
+    <p:sldId id="358" r:id="rId39"/>
+    <p:sldId id="373" r:id="rId40"/>
+    <p:sldId id="259" r:id="rId41"/>
   </p:sldIdLst>
   <p:sldSz cx="12192000" cy="6858000"/>
   <p:notesSz cx="6858000" cy="9144000"/>
@@ -309,7 +311,7 @@
           <a:p>
             <a:fld id="{81B8F32D-D8B6-4B9E-9CBF-DCAC30B7B93D}" type="datetimeFigureOut">
               <a:rPr lang="en-US" smtClean="0"/>
-              <a:t>4/28/2024</a:t>
+              <a:t>5/1/2024</a:t>
             </a:fld>
             <a:endParaRPr lang="en-US"/>
           </a:p>
@@ -625,7 +627,7 @@
           <a:p>
             <a:fld id="{81B8F32D-D8B6-4B9E-9CBF-DCAC30B7B93D}" type="datetimeFigureOut">
               <a:rPr lang="en-US" smtClean="0"/>
-              <a:t>4/28/2024</a:t>
+              <a:t>5/1/2024</a:t>
             </a:fld>
             <a:endParaRPr lang="en-US"/>
           </a:p>
@@ -930,7 +932,7 @@
           <a:p>
             <a:fld id="{81B8F32D-D8B6-4B9E-9CBF-DCAC30B7B93D}" type="datetimeFigureOut">
               <a:rPr lang="en-US" smtClean="0"/>
-              <a:t>4/28/2024</a:t>
+              <a:t>5/1/2024</a:t>
             </a:fld>
             <a:endParaRPr lang="en-US"/>
           </a:p>
@@ -1137,7 +1139,7 @@
           <a:p>
             <a:fld id="{81B8F32D-D8B6-4B9E-9CBF-DCAC30B7B93D}" type="datetimeFigureOut">
               <a:rPr lang="en-US" smtClean="0"/>
-              <a:t>4/28/2024</a:t>
+              <a:t>5/1/2024</a:t>
             </a:fld>
             <a:endParaRPr lang="en-US"/>
           </a:p>
@@ -1485,7 +1487,7 @@
           <a:p>
             <a:fld id="{81B8F32D-D8B6-4B9E-9CBF-DCAC30B7B93D}" type="datetimeFigureOut">
               <a:rPr lang="en-US" smtClean="0"/>
-              <a:t>4/28/2024</a:t>
+              <a:t>5/1/2024</a:t>
             </a:fld>
             <a:endParaRPr lang="en-US"/>
           </a:p>
@@ -1956,7 +1958,7 @@
           <a:p>
             <a:fld id="{81B8F32D-D8B6-4B9E-9CBF-DCAC30B7B93D}" type="datetimeFigureOut">
               <a:rPr lang="en-US" smtClean="0"/>
-              <a:t>4/28/2024</a:t>
+              <a:t>5/1/2024</a:t>
             </a:fld>
             <a:endParaRPr lang="en-US"/>
           </a:p>
@@ -2491,7 +2493,7 @@
           <a:p>
             <a:fld id="{81B8F32D-D8B6-4B9E-9CBF-DCAC30B7B93D}" type="datetimeFigureOut">
               <a:rPr lang="en-US" smtClean="0"/>
-              <a:t>4/28/2024</a:t>
+              <a:t>5/1/2024</a:t>
             </a:fld>
             <a:endParaRPr lang="en-US"/>
           </a:p>
@@ -2708,7 +2710,7 @@
           <a:p>
             <a:fld id="{81B8F32D-D8B6-4B9E-9CBF-DCAC30B7B93D}" type="datetimeFigureOut">
               <a:rPr lang="en-US" smtClean="0"/>
-              <a:t>4/28/2024</a:t>
+              <a:t>5/1/2024</a:t>
             </a:fld>
             <a:endParaRPr lang="en-US"/>
           </a:p>
@@ -2913,7 +2915,7 @@
           <a:p>
             <a:fld id="{81B8F32D-D8B6-4B9E-9CBF-DCAC30B7B93D}" type="datetimeFigureOut">
               <a:rPr lang="en-US" smtClean="0"/>
-              <a:t>4/28/2024</a:t>
+              <a:t>5/1/2024</a:t>
             </a:fld>
             <a:endParaRPr lang="en-US"/>
           </a:p>
@@ -3243,7 +3245,7 @@
           <a:p>
             <a:fld id="{81B8F32D-D8B6-4B9E-9CBF-DCAC30B7B93D}" type="datetimeFigureOut">
               <a:rPr lang="en-US" smtClean="0"/>
-              <a:t>4/28/2024</a:t>
+              <a:t>5/1/2024</a:t>
             </a:fld>
             <a:endParaRPr lang="en-US"/>
           </a:p>
@@ -3553,7 +3555,7 @@
           <a:p>
             <a:fld id="{81B8F32D-D8B6-4B9E-9CBF-DCAC30B7B93D}" type="datetimeFigureOut">
               <a:rPr lang="en-US" smtClean="0"/>
-              <a:t>4/28/2024</a:t>
+              <a:t>5/1/2024</a:t>
             </a:fld>
             <a:endParaRPr lang="en-US"/>
           </a:p>
@@ -3790,7 +3792,7 @@
             <a:fld id="{81B8F32D-D8B6-4B9E-9CBF-DCAC30B7B93D}" type="datetimeFigureOut">
               <a:rPr lang="en-US" smtClean="0"/>
               <a:pPr/>
-              <a:t>4/28/2024</a:t>
+              <a:t>5/1/2024</a:t>
             </a:fld>
             <a:endParaRPr lang="en-US" dirty="0"/>
           </a:p>
@@ -16128,7 +16130,7 @@
         <p:spPr>
           <a:xfrm>
             <a:off x="2703286" y="3397631"/>
-            <a:ext cx="8971284" cy="2585323"/>
+            <a:ext cx="8971284" cy="2031325"/>
           </a:xfrm>
           <a:prstGeom prst="rect">
             <a:avLst/>
@@ -16490,87 +16492,6 @@
                 <a:cs typeface="Malgun Gothic Semilight" panose="020B0502040204020203" pitchFamily="50" charset="-127"/>
               </a:rPr>
               <a:t> 출석체크가 가능해요</a:t>
-            </a:r>
-            <a:endParaRPr lang="en-US" altLang="ko-KR" dirty="0">
-              <a:solidFill>
-                <a:srgbClr val="19633E">
-                  <a:alpha val="50000"/>
-                </a:srgbClr>
-              </a:solidFill>
-              <a:latin typeface="맑은 고딕" panose="020B0503020000020004" pitchFamily="50" charset="-127"/>
-              <a:ea typeface="맑은 고딕" panose="020B0503020000020004" pitchFamily="50" charset="-127"/>
-              <a:cs typeface="Malgun Gothic Semilight" panose="020B0502040204020203" pitchFamily="50" charset="-127"/>
-            </a:endParaRPr>
-          </a:p>
-          <a:p>
-            <a:endParaRPr lang="en-US" altLang="ko-KR" dirty="0">
-              <a:solidFill>
-                <a:srgbClr val="19633E">
-                  <a:alpha val="50000"/>
-                </a:srgbClr>
-              </a:solidFill>
-              <a:latin typeface="맑은 고딕" panose="020B0503020000020004" pitchFamily="50" charset="-127"/>
-              <a:ea typeface="맑은 고딕" panose="020B0503020000020004" pitchFamily="50" charset="-127"/>
-              <a:cs typeface="Malgun Gothic Semilight" panose="020B0502040204020203" pitchFamily="50" charset="-127"/>
-            </a:endParaRPr>
-          </a:p>
-          <a:p>
-            <a:r>
-              <a:rPr lang="ko-KR" altLang="en-US" dirty="0">
-                <a:solidFill>
-                  <a:srgbClr val="19643D"/>
-                </a:solidFill>
-                <a:latin typeface="맑은 고딕" panose="020B0503020000020004" pitchFamily="50" charset="-127"/>
-                <a:ea typeface="맑은 고딕" panose="020B0503020000020004" pitchFamily="50" charset="-127"/>
-                <a:cs typeface="Malgun Gothic Semilight" panose="020B0502040204020203" pitchFamily="50" charset="-127"/>
-              </a:rPr>
-              <a:t>✔ </a:t>
-            </a:r>
-            <a:r>
-              <a:rPr lang="ko-KR" altLang="en-US" dirty="0">
-                <a:solidFill>
-                  <a:srgbClr val="19633E">
-                    <a:alpha val="50000"/>
-                  </a:srgbClr>
-                </a:solidFill>
-                <a:latin typeface="맑은 고딕" panose="020B0503020000020004" pitchFamily="50" charset="-127"/>
-                <a:ea typeface="맑은 고딕" panose="020B0503020000020004" pitchFamily="50" charset="-127"/>
-                <a:cs typeface="Malgun Gothic Semilight" panose="020B0502040204020203" pitchFamily="50" charset="-127"/>
-              </a:rPr>
-              <a:t>기존 </a:t>
-            </a:r>
-            <a:r>
-              <a:rPr lang="ko-KR" altLang="en-US" dirty="0" err="1">
-                <a:solidFill>
-                  <a:srgbClr val="1D633F"/>
-                </a:solidFill>
-                <a:latin typeface="맑은 고딕" panose="020B0503020000020004" pitchFamily="50" charset="-127"/>
-                <a:ea typeface="맑은 고딕" panose="020B0503020000020004" pitchFamily="50" charset="-127"/>
-                <a:cs typeface="Malgun Gothic Semilight" panose="020B0502040204020203" pitchFamily="50" charset="-127"/>
-              </a:rPr>
-              <a:t>빵덕이의</a:t>
-            </a:r>
-            <a:r>
-              <a:rPr lang="ko-KR" altLang="en-US" dirty="0">
-                <a:solidFill>
-                  <a:srgbClr val="1D633F"/>
-                </a:solidFill>
-                <a:latin typeface="맑은 고딕" panose="020B0503020000020004" pitchFamily="50" charset="-127"/>
-                <a:ea typeface="맑은 고딕" panose="020B0503020000020004" pitchFamily="50" charset="-127"/>
-                <a:cs typeface="Malgun Gothic Semilight" panose="020B0502040204020203" pitchFamily="50" charset="-127"/>
-              </a:rPr>
-              <a:t> 출석체크 기능과는 완전 </a:t>
-            </a:r>
-            <a:r>
-              <a:rPr lang="ko-KR" altLang="en-US" dirty="0" err="1">
-                <a:solidFill>
-                  <a:srgbClr val="1D633F"/>
-                </a:solidFill>
-                <a:latin typeface="맑은 고딕" panose="020B0503020000020004" pitchFamily="50" charset="-127"/>
-                <a:ea typeface="맑은 고딕" panose="020B0503020000020004" pitchFamily="50" charset="-127"/>
-                <a:cs typeface="Malgun Gothic Semilight" panose="020B0502040204020203" pitchFamily="50" charset="-127"/>
-              </a:rPr>
-              <a:t>별개에요</a:t>
             </a:r>
             <a:endParaRPr lang="en-US" altLang="ko-KR" dirty="0">
               <a:solidFill>
@@ -16836,7 +16757,7 @@
                 <a:ea typeface="HY견고딕" panose="02030600000101010101" pitchFamily="18" charset="-127"/>
                 <a:cs typeface="Malgun Gothic Semilight" panose="020B0502040204020203" pitchFamily="50" charset="-127"/>
               </a:rPr>
-              <a:t>베팅</a:t>
+              <a:t>응원</a:t>
             </a:r>
           </a:p>
         </p:txBody>
@@ -16893,7 +16814,33 @@
                 <a:ea typeface="휴먼둥근헤드라인" panose="02030504000101010101" pitchFamily="18" charset="-127"/>
                 <a:cs typeface="Malgun Gothic Semilight" panose="020B0502040204020203" pitchFamily="50" charset="-127"/>
               </a:rPr>
-              <a:t>베팅 설하 </a:t>
+              <a:t>응원 </a:t>
+            </a:r>
+            <a:r>
+              <a:rPr lang="en-US" altLang="ko-KR" sz="2400" b="1" dirty="0">
+                <a:solidFill>
+                  <a:srgbClr val="19633E">
+                    <a:alpha val="50000"/>
+                  </a:srgbClr>
+                </a:solidFill>
+                <a:latin typeface="휴먼둥근헤드라인" panose="02030504000101010101" pitchFamily="18" charset="-127"/>
+                <a:ea typeface="휴먼둥근헤드라인" panose="02030504000101010101" pitchFamily="18" charset="-127"/>
+                <a:cs typeface="Malgun Gothic Semilight" panose="020B0502040204020203" pitchFamily="50" charset="-127"/>
+              </a:rPr>
+              <a:t>1</a:t>
+            </a:r>
+            <a:r>
+              <a:rPr lang="ko-KR" altLang="en-US" sz="2400" b="1" dirty="0">
+                <a:solidFill>
+                  <a:srgbClr val="19633E">
+                    <a:alpha val="50000"/>
+                  </a:srgbClr>
+                </a:solidFill>
+                <a:latin typeface="휴먼둥근헤드라인" panose="02030504000101010101" pitchFamily="18" charset="-127"/>
+                <a:ea typeface="휴먼둥근헤드라인" panose="02030504000101010101" pitchFamily="18" charset="-127"/>
+                <a:cs typeface="Malgun Gothic Semilight" panose="020B0502040204020203" pitchFamily="50" charset="-127"/>
+              </a:rPr>
+              <a:t> </a:t>
             </a:r>
             <a:r>
               <a:rPr lang="en-US" altLang="ko-KR" sz="2400" b="1" dirty="0">
@@ -17115,7 +17062,7 @@
         </p:nvSpPr>
         <p:spPr>
           <a:xfrm>
-            <a:off x="672193" y="2562560"/>
+            <a:off x="247106" y="2562560"/>
             <a:ext cx="2449286" cy="369332"/>
           </a:xfrm>
           <a:prstGeom prst="rect">
@@ -17144,7 +17091,7 @@
               <a:t>(</a:t>
             </a:r>
             <a:r>
-              <a:rPr lang="ko-KR" altLang="en-US" dirty="0" err="1">
+              <a:rPr lang="ko-KR" altLang="en-US" dirty="0">
                 <a:solidFill>
                   <a:srgbClr val="19633E">
                     <a:alpha val="50000"/>
@@ -17154,7 +17101,7 @@
                 <a:ea typeface="HY견고딕" panose="02030600000101010101" pitchFamily="18" charset="-127"/>
                 <a:cs typeface="Malgun Gothic Semilight" panose="020B0502040204020203" pitchFamily="50" charset="-127"/>
               </a:rPr>
-              <a:t>선수명</a:t>
+              <a:t>선수번호</a:t>
             </a:r>
             <a:r>
               <a:rPr lang="en-US" altLang="ko-KR" dirty="0">
@@ -17193,7 +17140,7 @@
         <p:spPr>
           <a:xfrm>
             <a:off x="1564278" y="2527724"/>
-            <a:ext cx="665116" cy="0"/>
+            <a:ext cx="283572" cy="0"/>
           </a:xfrm>
           <a:prstGeom prst="line">
             <a:avLst/>
@@ -17237,8 +17184,8 @@
         </p:nvCxnSpPr>
         <p:spPr>
           <a:xfrm>
-            <a:off x="2378530" y="2534317"/>
-            <a:ext cx="843641" cy="0"/>
+            <a:off x="1971675" y="2534317"/>
+            <a:ext cx="871538" cy="0"/>
           </a:xfrm>
           <a:prstGeom prst="line">
             <a:avLst/>
@@ -17280,8 +17227,8 @@
         </p:nvSpPr>
         <p:spPr>
           <a:xfrm>
-            <a:off x="1575707" y="2567934"/>
-            <a:ext cx="2449286" cy="369332"/>
+            <a:off x="1886766" y="2567934"/>
+            <a:ext cx="1125039" cy="369332"/>
           </a:xfrm>
           <a:prstGeom prst="rect">
             <a:avLst/>
@@ -17343,10 +17290,10 @@
       </p:sp>
       <p:pic>
         <p:nvPicPr>
-          <p:cNvPr id="18" name="그림 17">
-            <a:extLst>
-              <a:ext uri="{FF2B5EF4-FFF2-40B4-BE49-F238E27FC236}">
-                <a16:creationId xmlns:a16="http://schemas.microsoft.com/office/drawing/2014/main" id="{7FA64F1A-BAB4-3CF1-479D-8DEEA3CFDB85}"/>
+          <p:cNvPr id="16" name="그림 15">
+            <a:extLst>
+              <a:ext uri="{FF2B5EF4-FFF2-40B4-BE49-F238E27FC236}">
+                <a16:creationId xmlns:a16="http://schemas.microsoft.com/office/drawing/2014/main" id="{62BD748D-F8B9-E018-563D-3049C7163A8E}"/>
               </a:ext>
             </a:extLst>
           </p:cNvPr>
@@ -17363,8 +17310,8 @@
         </p:blipFill>
         <p:spPr>
           <a:xfrm>
-            <a:off x="6724286" y="4823147"/>
-            <a:ext cx="3191320" cy="590632"/>
+            <a:off x="6695707" y="4781085"/>
+            <a:ext cx="3248478" cy="657317"/>
           </a:xfrm>
           <a:prstGeom prst="rect">
             <a:avLst/>
@@ -17508,7 +17455,7 @@
         <p:spPr>
           <a:xfrm>
             <a:off x="2703286" y="3397631"/>
-            <a:ext cx="8971284" cy="923330"/>
+            <a:ext cx="8971284" cy="1477328"/>
           </a:xfrm>
           <a:prstGeom prst="rect">
             <a:avLst/>
@@ -17692,14 +17639,169 @@
               <a:cs typeface="Malgun Gothic Semilight" panose="020B0502040204020203" pitchFamily="50" charset="-127"/>
             </a:endParaRPr>
           </a:p>
+          <a:p>
+            <a:endParaRPr lang="en-US" altLang="ko-KR" dirty="0">
+              <a:solidFill>
+                <a:srgbClr val="19633E">
+                  <a:alpha val="50000"/>
+                </a:srgbClr>
+              </a:solidFill>
+              <a:latin typeface="맑은 고딕" panose="020B0503020000020004" pitchFamily="50" charset="-127"/>
+              <a:ea typeface="맑은 고딕" panose="020B0503020000020004" pitchFamily="50" charset="-127"/>
+              <a:cs typeface="Malgun Gothic Semilight" panose="020B0502040204020203" pitchFamily="50" charset="-127"/>
+            </a:endParaRPr>
+          </a:p>
+          <a:p>
+            <a:r>
+              <a:rPr lang="ko-KR" altLang="en-US" dirty="0">
+                <a:solidFill>
+                  <a:srgbClr val="19643D"/>
+                </a:solidFill>
+                <a:latin typeface="맑은 고딕" panose="020B0503020000020004" pitchFamily="50" charset="-127"/>
+                <a:ea typeface="맑은 고딕" panose="020B0503020000020004" pitchFamily="50" charset="-127"/>
+                <a:cs typeface="Malgun Gothic Semilight" panose="020B0502040204020203" pitchFamily="50" charset="-127"/>
+              </a:rPr>
+              <a:t>✔</a:t>
+            </a:r>
+            <a:r>
+              <a:rPr lang="ko-KR" altLang="en-US" dirty="0">
+                <a:solidFill>
+                  <a:srgbClr val="19633E">
+                    <a:alpha val="50000"/>
+                  </a:srgbClr>
+                </a:solidFill>
+                <a:latin typeface="맑은 고딕" panose="020B0503020000020004" pitchFamily="50" charset="-127"/>
+                <a:ea typeface="맑은 고딕" panose="020B0503020000020004" pitchFamily="50" charset="-127"/>
+                <a:cs typeface="Malgun Gothic Semilight" panose="020B0502040204020203" pitchFamily="50" charset="-127"/>
+              </a:rPr>
+              <a:t> 대회 진행 전</a:t>
+            </a:r>
+            <a:r>
+              <a:rPr lang="en-US" altLang="ko-KR" dirty="0">
+                <a:solidFill>
+                  <a:srgbClr val="19633E">
+                    <a:alpha val="50000"/>
+                  </a:srgbClr>
+                </a:solidFill>
+                <a:latin typeface="맑은 고딕" panose="020B0503020000020004" pitchFamily="50" charset="-127"/>
+                <a:ea typeface="맑은 고딕" panose="020B0503020000020004" pitchFamily="50" charset="-127"/>
+                <a:cs typeface="Malgun Gothic Semilight" panose="020B0502040204020203" pitchFamily="50" charset="-127"/>
+              </a:rPr>
+              <a:t>,</a:t>
+            </a:r>
+            <a:r>
+              <a:rPr lang="ko-KR" altLang="en-US" dirty="0">
+                <a:solidFill>
+                  <a:srgbClr val="19633E">
+                    <a:alpha val="50000"/>
+                  </a:srgbClr>
+                </a:solidFill>
+                <a:latin typeface="맑은 고딕" panose="020B0503020000020004" pitchFamily="50" charset="-127"/>
+                <a:ea typeface="맑은 고딕" panose="020B0503020000020004" pitchFamily="50" charset="-127"/>
+                <a:cs typeface="Malgun Gothic Semilight" panose="020B0502040204020203" pitchFamily="50" charset="-127"/>
+              </a:rPr>
+              <a:t> </a:t>
+            </a:r>
+            <a:r>
+              <a:rPr lang="en-US" altLang="ko-KR" dirty="0">
+                <a:solidFill>
+                  <a:srgbClr val="19633E"/>
+                </a:solidFill>
+                <a:latin typeface="맑은 고딕" panose="020B0503020000020004" pitchFamily="50" charset="-127"/>
+                <a:ea typeface="맑은 고딕" panose="020B0503020000020004" pitchFamily="50" charset="-127"/>
+                <a:cs typeface="Malgun Gothic Semilight" panose="020B0502040204020203" pitchFamily="50" charset="-127"/>
+              </a:rPr>
+              <a:t>!</a:t>
+            </a:r>
+            <a:r>
+              <a:rPr lang="ko-KR" altLang="en-US" dirty="0">
+                <a:solidFill>
+                  <a:srgbClr val="19633E"/>
+                </a:solidFill>
+                <a:latin typeface="맑은 고딕" panose="020B0503020000020004" pitchFamily="50" charset="-127"/>
+                <a:ea typeface="맑은 고딕" panose="020B0503020000020004" pitchFamily="50" charset="-127"/>
+                <a:cs typeface="Malgun Gothic Semilight" panose="020B0502040204020203" pitchFamily="50" charset="-127"/>
+              </a:rPr>
+              <a:t>응원시작 </a:t>
+            </a:r>
+            <a:r>
+              <a:rPr lang="en-US" altLang="ko-KR" dirty="0">
+                <a:solidFill>
+                  <a:srgbClr val="19633E"/>
+                </a:solidFill>
+                <a:latin typeface="맑은 고딕" panose="020B0503020000020004" pitchFamily="50" charset="-127"/>
+                <a:ea typeface="맑은 고딕" panose="020B0503020000020004" pitchFamily="50" charset="-127"/>
+                <a:cs typeface="Malgun Gothic Semilight" panose="020B0502040204020203" pitchFamily="50" charset="-127"/>
+              </a:rPr>
+              <a:t>~</a:t>
+            </a:r>
+            <a:r>
+              <a:rPr lang="ko-KR" altLang="en-US" dirty="0">
+                <a:solidFill>
+                  <a:srgbClr val="19633E">
+                    <a:alpha val="50000"/>
+                  </a:srgbClr>
+                </a:solidFill>
+                <a:latin typeface="맑은 고딕" panose="020B0503020000020004" pitchFamily="50" charset="-127"/>
+                <a:ea typeface="맑은 고딕" panose="020B0503020000020004" pitchFamily="50" charset="-127"/>
+                <a:cs typeface="Malgun Gothic Semilight" panose="020B0502040204020203" pitchFamily="50" charset="-127"/>
+              </a:rPr>
+              <a:t> </a:t>
+            </a:r>
+            <a:r>
+              <a:rPr lang="en-US" altLang="ko-KR" dirty="0">
+                <a:solidFill>
+                  <a:srgbClr val="19633E"/>
+                </a:solidFill>
+                <a:latin typeface="맑은 고딕" panose="020B0503020000020004" pitchFamily="50" charset="-127"/>
+                <a:ea typeface="맑은 고딕" panose="020B0503020000020004" pitchFamily="50" charset="-127"/>
+                <a:cs typeface="Malgun Gothic Semilight" panose="020B0502040204020203" pitchFamily="50" charset="-127"/>
+              </a:rPr>
+              <a:t>!</a:t>
+            </a:r>
+            <a:r>
+              <a:rPr lang="ko-KR" altLang="en-US" dirty="0">
+                <a:solidFill>
+                  <a:srgbClr val="19633E"/>
+                </a:solidFill>
+                <a:latin typeface="맑은 고딕" panose="020B0503020000020004" pitchFamily="50" charset="-127"/>
+                <a:ea typeface="맑은 고딕" panose="020B0503020000020004" pitchFamily="50" charset="-127"/>
+                <a:cs typeface="Malgun Gothic Semilight" panose="020B0502040204020203" pitchFamily="50" charset="-127"/>
+              </a:rPr>
+              <a:t>응원종료</a:t>
+            </a:r>
+            <a:r>
+              <a:rPr lang="ko-KR" altLang="en-US" dirty="0">
+                <a:solidFill>
+                  <a:srgbClr val="19633E">
+                    <a:alpha val="50000"/>
+                  </a:srgbClr>
+                </a:solidFill>
+                <a:latin typeface="맑은 고딕" panose="020B0503020000020004" pitchFamily="50" charset="-127"/>
+                <a:ea typeface="맑은 고딕" panose="020B0503020000020004" pitchFamily="50" charset="-127"/>
+                <a:cs typeface="Malgun Gothic Semilight" panose="020B0502040204020203" pitchFamily="50" charset="-127"/>
+              </a:rPr>
+              <a:t>까지 응원을 할 수 있어요</a:t>
+            </a:r>
+            <a:endParaRPr lang="en-US" altLang="ko-KR" dirty="0">
+              <a:solidFill>
+                <a:srgbClr val="19633E">
+                  <a:alpha val="50000"/>
+                </a:srgbClr>
+              </a:solidFill>
+              <a:latin typeface="맑은 고딕" panose="020B0503020000020004" pitchFamily="50" charset="-127"/>
+              <a:ea typeface="맑은 고딕" panose="020B0503020000020004" pitchFamily="50" charset="-127"/>
+              <a:cs typeface="Malgun Gothic Semilight" panose="020B0502040204020203" pitchFamily="50" charset="-127"/>
+            </a:endParaRPr>
+          </a:p>
         </p:txBody>
       </p:sp>
       <p:sp>
         <p:nvSpPr>
-          <p:cNvPr id="2" name="TextBox 1">
-            <a:extLst>
-              <a:ext uri="{FF2B5EF4-FFF2-40B4-BE49-F238E27FC236}">
-                <a16:creationId xmlns:a16="http://schemas.microsoft.com/office/drawing/2014/main" id="{EBD66164-2075-7EE7-C62A-D18EBD93F274}"/>
+          <p:cNvPr id="7" name="TextBox 6">
+            <a:extLst>
+              <a:ext uri="{FF2B5EF4-FFF2-40B4-BE49-F238E27FC236}">
+                <a16:creationId xmlns:a16="http://schemas.microsoft.com/office/drawing/2014/main" id="{BA697597-E22A-9F3D-CBE7-B8B7F7CBF1D2}"/>
               </a:ext>
             </a:extLst>
           </p:cNvPr>
@@ -17746,17 +17848,17 @@
                 <a:ea typeface="HY견고딕" panose="02030600000101010101" pitchFamily="18" charset="-127"/>
                 <a:cs typeface="Malgun Gothic Semilight" panose="020B0502040204020203" pitchFamily="50" charset="-127"/>
               </a:rPr>
-              <a:t>베팅</a:t>
+              <a:t>응원</a:t>
             </a:r>
           </a:p>
         </p:txBody>
       </p:sp>
       <p:sp>
         <p:nvSpPr>
-          <p:cNvPr id="5" name="TextBox 4">
-            <a:extLst>
-              <a:ext uri="{FF2B5EF4-FFF2-40B4-BE49-F238E27FC236}">
-                <a16:creationId xmlns:a16="http://schemas.microsoft.com/office/drawing/2014/main" id="{41414839-272D-0C09-F41E-3BFCA28F0E97}"/>
+          <p:cNvPr id="8" name="TextBox 7">
+            <a:extLst>
+              <a:ext uri="{FF2B5EF4-FFF2-40B4-BE49-F238E27FC236}">
+                <a16:creationId xmlns:a16="http://schemas.microsoft.com/office/drawing/2014/main" id="{4771BACD-7943-7BA6-AFA1-434A4CCAC25E}"/>
               </a:ext>
             </a:extLst>
           </p:cNvPr>
@@ -17803,7 +17905,33 @@
                 <a:ea typeface="휴먼둥근헤드라인" panose="02030504000101010101" pitchFamily="18" charset="-127"/>
                 <a:cs typeface="Malgun Gothic Semilight" panose="020B0502040204020203" pitchFamily="50" charset="-127"/>
               </a:rPr>
-              <a:t>베팅 설하 </a:t>
+              <a:t>응원 </a:t>
+            </a:r>
+            <a:r>
+              <a:rPr lang="en-US" altLang="ko-KR" sz="2400" b="1" dirty="0">
+                <a:solidFill>
+                  <a:srgbClr val="19633E">
+                    <a:alpha val="50000"/>
+                  </a:srgbClr>
+                </a:solidFill>
+                <a:latin typeface="휴먼둥근헤드라인" panose="02030504000101010101" pitchFamily="18" charset="-127"/>
+                <a:ea typeface="휴먼둥근헤드라인" panose="02030504000101010101" pitchFamily="18" charset="-127"/>
+                <a:cs typeface="Malgun Gothic Semilight" panose="020B0502040204020203" pitchFamily="50" charset="-127"/>
+              </a:rPr>
+              <a:t>1</a:t>
+            </a:r>
+            <a:r>
+              <a:rPr lang="ko-KR" altLang="en-US" sz="2400" b="1" dirty="0">
+                <a:solidFill>
+                  <a:srgbClr val="19633E">
+                    <a:alpha val="50000"/>
+                  </a:srgbClr>
+                </a:solidFill>
+                <a:latin typeface="휴먼둥근헤드라인" panose="02030504000101010101" pitchFamily="18" charset="-127"/>
+                <a:ea typeface="휴먼둥근헤드라인" panose="02030504000101010101" pitchFamily="18" charset="-127"/>
+                <a:cs typeface="Malgun Gothic Semilight" panose="020B0502040204020203" pitchFamily="50" charset="-127"/>
+              </a:rPr>
+              <a:t> </a:t>
             </a:r>
             <a:r>
               <a:rPr lang="en-US" altLang="ko-KR" sz="2400" b="1" dirty="0">
@@ -17823,10 +17951,10 @@
       </p:sp>
       <p:cxnSp>
         <p:nvCxnSpPr>
-          <p:cNvPr id="6" name="직선 연결선 5">
-            <a:extLst>
-              <a:ext uri="{FF2B5EF4-FFF2-40B4-BE49-F238E27FC236}">
-                <a16:creationId xmlns:a16="http://schemas.microsoft.com/office/drawing/2014/main" id="{7C152776-E5BF-E9AF-0C10-432A98261060}"/>
+          <p:cNvPr id="9" name="직선 연결선 8">
+            <a:extLst>
+              <a:ext uri="{FF2B5EF4-FFF2-40B4-BE49-F238E27FC236}">
+                <a16:creationId xmlns:a16="http://schemas.microsoft.com/office/drawing/2014/main" id="{F2D22F29-814E-ABE7-6D0A-D9BDDB5B6686}"/>
               </a:ext>
             </a:extLst>
           </p:cNvPr>
@@ -17868,10 +17996,10 @@
       </p:cxnSp>
       <p:sp>
         <p:nvSpPr>
-          <p:cNvPr id="10" name="TextBox 9">
-            <a:extLst>
-              <a:ext uri="{FF2B5EF4-FFF2-40B4-BE49-F238E27FC236}">
-                <a16:creationId xmlns:a16="http://schemas.microsoft.com/office/drawing/2014/main" id="{90A7CDA8-971B-A22B-427F-714CC8051F6A}"/>
+          <p:cNvPr id="14" name="TextBox 13">
+            <a:extLst>
+              <a:ext uri="{FF2B5EF4-FFF2-40B4-BE49-F238E27FC236}">
+                <a16:creationId xmlns:a16="http://schemas.microsoft.com/office/drawing/2014/main" id="{D6011EFA-DEE2-7AA4-AD2D-E8729625CC56}"/>
               </a:ext>
             </a:extLst>
           </p:cNvPr>
@@ -17880,7 +18008,7 @@
         </p:nvSpPr>
         <p:spPr>
           <a:xfrm>
-            <a:off x="672193" y="2562560"/>
+            <a:off x="247106" y="2562560"/>
             <a:ext cx="2449286" cy="369332"/>
           </a:xfrm>
           <a:prstGeom prst="rect">
@@ -17909,7 +18037,7 @@
               <a:t>(</a:t>
             </a:r>
             <a:r>
-              <a:rPr lang="ko-KR" altLang="en-US" dirty="0" err="1">
+              <a:rPr lang="ko-KR" altLang="en-US" dirty="0">
                 <a:solidFill>
                   <a:srgbClr val="19633E">
                     <a:alpha val="50000"/>
@@ -17919,7 +18047,7 @@
                 <a:ea typeface="HY견고딕" panose="02030600000101010101" pitchFamily="18" charset="-127"/>
                 <a:cs typeface="Malgun Gothic Semilight" panose="020B0502040204020203" pitchFamily="50" charset="-127"/>
               </a:rPr>
-              <a:t>선수명</a:t>
+              <a:t>선수번호</a:t>
             </a:r>
             <a:r>
               <a:rPr lang="en-US" altLang="ko-KR" dirty="0">
@@ -17943,10 +18071,10 @@
       </p:sp>
       <p:cxnSp>
         <p:nvCxnSpPr>
-          <p:cNvPr id="12" name="직선 연결선 11">
-            <a:extLst>
-              <a:ext uri="{FF2B5EF4-FFF2-40B4-BE49-F238E27FC236}">
-                <a16:creationId xmlns:a16="http://schemas.microsoft.com/office/drawing/2014/main" id="{4063C2EE-DC1B-1B5C-8B4C-19C3E79C4B1B}"/>
+          <p:cNvPr id="15" name="직선 연결선 14">
+            <a:extLst>
+              <a:ext uri="{FF2B5EF4-FFF2-40B4-BE49-F238E27FC236}">
+                <a16:creationId xmlns:a16="http://schemas.microsoft.com/office/drawing/2014/main" id="{C172A3E0-47BC-7B0E-A8E0-6319289570E4}"/>
               </a:ext>
             </a:extLst>
           </p:cNvPr>
@@ -17958,7 +18086,7 @@
         <p:spPr>
           <a:xfrm>
             <a:off x="1564278" y="2527724"/>
-            <a:ext cx="665116" cy="0"/>
+            <a:ext cx="283572" cy="0"/>
           </a:xfrm>
           <a:prstGeom prst="line">
             <a:avLst/>
@@ -17988,10 +18116,10 @@
       </p:cxnSp>
       <p:cxnSp>
         <p:nvCxnSpPr>
-          <p:cNvPr id="13" name="직선 연결선 12">
-            <a:extLst>
-              <a:ext uri="{FF2B5EF4-FFF2-40B4-BE49-F238E27FC236}">
-                <a16:creationId xmlns:a16="http://schemas.microsoft.com/office/drawing/2014/main" id="{BD786A16-3461-4DF1-DF15-3AB507FA3D0E}"/>
+          <p:cNvPr id="16" name="직선 연결선 15">
+            <a:extLst>
+              <a:ext uri="{FF2B5EF4-FFF2-40B4-BE49-F238E27FC236}">
+                <a16:creationId xmlns:a16="http://schemas.microsoft.com/office/drawing/2014/main" id="{8019C938-FBBE-7056-9761-BB336224CC81}"/>
               </a:ext>
             </a:extLst>
           </p:cNvPr>
@@ -18002,8 +18130,8 @@
         </p:nvCxnSpPr>
         <p:spPr>
           <a:xfrm>
-            <a:off x="2378530" y="2534317"/>
-            <a:ext cx="843641" cy="0"/>
+            <a:off x="1971675" y="2534317"/>
+            <a:ext cx="871538" cy="0"/>
           </a:xfrm>
           <a:prstGeom prst="line">
             <a:avLst/>
@@ -18033,10 +18161,10 @@
       </p:cxnSp>
       <p:sp>
         <p:nvSpPr>
-          <p:cNvPr id="17" name="TextBox 16">
-            <a:extLst>
-              <a:ext uri="{FF2B5EF4-FFF2-40B4-BE49-F238E27FC236}">
-                <a16:creationId xmlns:a16="http://schemas.microsoft.com/office/drawing/2014/main" id="{5D1C416D-9715-A5FB-56D2-7B0BD135D2F7}"/>
+          <p:cNvPr id="18" name="TextBox 17">
+            <a:extLst>
+              <a:ext uri="{FF2B5EF4-FFF2-40B4-BE49-F238E27FC236}">
+                <a16:creationId xmlns:a16="http://schemas.microsoft.com/office/drawing/2014/main" id="{F82186B8-9690-953C-A305-C1279D2CB965}"/>
               </a:ext>
             </a:extLst>
           </p:cNvPr>
@@ -18045,8 +18173,8 @@
         </p:nvSpPr>
         <p:spPr>
           <a:xfrm>
-            <a:off x="1575707" y="2567934"/>
-            <a:ext cx="2449286" cy="369332"/>
+            <a:off x="1886766" y="2567934"/>
+            <a:ext cx="1125039" cy="369332"/>
           </a:xfrm>
           <a:prstGeom prst="rect">
             <a:avLst/>
@@ -18207,8 +18335,8 @@
         </p:nvSpPr>
         <p:spPr>
           <a:xfrm>
-            <a:off x="635000" y="2053798"/>
-            <a:ext cx="1150938" cy="461665"/>
+            <a:off x="634999" y="2053798"/>
+            <a:ext cx="1679575" cy="461665"/>
           </a:xfrm>
           <a:prstGeom prst="rect">
             <a:avLst/>
@@ -18245,7 +18373,7 @@
                 <a:ea typeface="휴먼둥근헤드라인" panose="02030504000101010101" pitchFamily="18" charset="-127"/>
                 <a:cs typeface="Malgun Gothic Semilight" panose="020B0502040204020203" pitchFamily="50" charset="-127"/>
               </a:rPr>
-              <a:t>구매</a:t>
+              <a:t>구매 유키</a:t>
             </a:r>
             <a:endParaRPr lang="en-US" altLang="ko-KR" sz="2400" b="1" dirty="0">
               <a:solidFill>
@@ -18450,12 +18578,132 @@
           </a:p>
         </p:txBody>
       </p:sp>
+      <p:cxnSp>
+        <p:nvCxnSpPr>
+          <p:cNvPr id="5" name="직선 연결선 4">
+            <a:extLst>
+              <a:ext uri="{FF2B5EF4-FFF2-40B4-BE49-F238E27FC236}">
+                <a16:creationId xmlns:a16="http://schemas.microsoft.com/office/drawing/2014/main" id="{D14C1822-6C27-3FB7-A566-24784666018E}"/>
+              </a:ext>
+            </a:extLst>
+          </p:cNvPr>
+          <p:cNvCxnSpPr>
+            <a:cxnSpLocks/>
+          </p:cNvCxnSpPr>
+          <p:nvPr/>
+        </p:nvCxnSpPr>
+        <p:spPr>
+          <a:xfrm>
+            <a:off x="1558017" y="2522676"/>
+            <a:ext cx="670833" cy="0"/>
+          </a:xfrm>
+          <a:prstGeom prst="line">
+            <a:avLst/>
+          </a:prstGeom>
+          <a:ln w="57150">
+            <a:solidFill>
+              <a:srgbClr val="1D5F3C">
+                <a:alpha val="50000"/>
+              </a:srgbClr>
+            </a:solidFill>
+          </a:ln>
+        </p:spPr>
+        <p:style>
+          <a:lnRef idx="1">
+            <a:schemeClr val="accent1"/>
+          </a:lnRef>
+          <a:fillRef idx="0">
+            <a:schemeClr val="accent1"/>
+          </a:fillRef>
+          <a:effectRef idx="0">
+            <a:schemeClr val="accent1"/>
+          </a:effectRef>
+          <a:fontRef idx="minor">
+            <a:schemeClr val="tx1"/>
+          </a:fontRef>
+        </p:style>
+      </p:cxnSp>
+      <p:sp>
+        <p:nvSpPr>
+          <p:cNvPr id="10" name="TextBox 9">
+            <a:extLst>
+              <a:ext uri="{FF2B5EF4-FFF2-40B4-BE49-F238E27FC236}">
+                <a16:creationId xmlns:a16="http://schemas.microsoft.com/office/drawing/2014/main" id="{57ACCDA5-123E-6080-BE58-2D0256E1F2AE}"/>
+              </a:ext>
+            </a:extLst>
+          </p:cNvPr>
+          <p:cNvSpPr txBox="1"/>
+          <p:nvPr/>
+        </p:nvSpPr>
+        <p:spPr>
+          <a:xfrm>
+            <a:off x="1092652" y="2567934"/>
+            <a:ext cx="1589859" cy="369332"/>
+          </a:xfrm>
+          <a:prstGeom prst="rect">
+            <a:avLst/>
+          </a:prstGeom>
+          <a:noFill/>
+        </p:spPr>
+        <p:txBody>
+          <a:bodyPr wrap="square">
+            <a:spAutoFit/>
+          </a:bodyPr>
+          <a:lstStyle/>
+          <a:p>
+            <a:pPr algn="ctr"/>
+            <a:r>
+              <a:rPr lang="en-US" altLang="ko-KR">
+                <a:solidFill>
+                  <a:srgbClr val="19633E">
+                    <a:alpha val="50000"/>
+                  </a:srgbClr>
+                </a:solidFill>
+                <a:latin typeface="HY견고딕" panose="02030600000101010101" pitchFamily="18" charset="-127"/>
+                <a:ea typeface="HY견고딕" panose="02030600000101010101" pitchFamily="18" charset="-127"/>
+                <a:cs typeface="Malgun Gothic Semilight" panose="020B0502040204020203" pitchFamily="50" charset="-127"/>
+              </a:rPr>
+              <a:t>(</a:t>
+            </a:r>
+            <a:r>
+              <a:rPr lang="ko-KR" altLang="en-US" dirty="0">
+                <a:solidFill>
+                  <a:srgbClr val="19633E">
+                    <a:alpha val="50000"/>
+                  </a:srgbClr>
+                </a:solidFill>
+                <a:latin typeface="HY견고딕" panose="02030600000101010101" pitchFamily="18" charset="-127"/>
+                <a:ea typeface="HY견고딕" panose="02030600000101010101" pitchFamily="18" charset="-127"/>
+                <a:cs typeface="Malgun Gothic Semilight" panose="020B0502040204020203" pitchFamily="50" charset="-127"/>
+              </a:rPr>
+              <a:t>선수이름</a:t>
+            </a:r>
+            <a:r>
+              <a:rPr lang="en-US" altLang="ko-KR" dirty="0">
+                <a:solidFill>
+                  <a:srgbClr val="19633E">
+                    <a:alpha val="50000"/>
+                  </a:srgbClr>
+                </a:solidFill>
+                <a:latin typeface="HY견고딕" panose="02030600000101010101" pitchFamily="18" charset="-127"/>
+                <a:ea typeface="HY견고딕" panose="02030600000101010101" pitchFamily="18" charset="-127"/>
+                <a:cs typeface="Malgun Gothic Semilight" panose="020B0502040204020203" pitchFamily="50" charset="-127"/>
+              </a:rPr>
+              <a:t>)</a:t>
+            </a:r>
+            <a:endParaRPr lang="ko-KR" altLang="en-US" dirty="0">
+              <a:latin typeface="HY견고딕" panose="02030600000101010101" pitchFamily="18" charset="-127"/>
+              <a:ea typeface="HY견고딕" panose="02030600000101010101" pitchFamily="18" charset="-127"/>
+            </a:endParaRPr>
+          </a:p>
+        </p:txBody>
+      </p:sp>
       <p:pic>
         <p:nvPicPr>
-          <p:cNvPr id="6" name="그림 5">
-            <a:extLst>
-              <a:ext uri="{FF2B5EF4-FFF2-40B4-BE49-F238E27FC236}">
-                <a16:creationId xmlns:a16="http://schemas.microsoft.com/office/drawing/2014/main" id="{B3A88D0E-CD2E-176E-719E-70825108A908}"/>
+          <p:cNvPr id="12" name="그림 11">
+            <a:extLst>
+              <a:ext uri="{FF2B5EF4-FFF2-40B4-BE49-F238E27FC236}">
+                <a16:creationId xmlns:a16="http://schemas.microsoft.com/office/drawing/2014/main" id="{7F7344BB-1CA4-4922-7524-867259DE3470}"/>
               </a:ext>
             </a:extLst>
           </p:cNvPr>
@@ -18472,8 +18720,8 @@
         </p:blipFill>
         <p:spPr>
           <a:xfrm>
-            <a:off x="6719522" y="4735632"/>
-            <a:ext cx="3200847" cy="619211"/>
+            <a:off x="6614733" y="4649497"/>
+            <a:ext cx="3410426" cy="781159"/>
           </a:xfrm>
           <a:prstGeom prst="rect">
             <a:avLst/>
@@ -18753,40 +19001,7 @@
                 <a:ea typeface="맑은 고딕" panose="020B0503020000020004" pitchFamily="50" charset="-127"/>
                 <a:cs typeface="Malgun Gothic Semilight" panose="020B0502040204020203" pitchFamily="50" charset="-127"/>
               </a:rPr>
-              <a:t> 혼천선수 출전우대권은 </a:t>
-            </a:r>
-            <a:r>
-              <a:rPr lang="en-US" altLang="ko-KR" dirty="0">
-                <a:solidFill>
-                  <a:srgbClr val="19633E"/>
-                </a:solidFill>
-                <a:latin typeface="맑은 고딕" panose="020B0503020000020004" pitchFamily="50" charset="-127"/>
-                <a:ea typeface="맑은 고딕" panose="020B0503020000020004" pitchFamily="50" charset="-127"/>
-                <a:cs typeface="Malgun Gothic Semilight" panose="020B0502040204020203" pitchFamily="50" charset="-127"/>
-              </a:rPr>
-              <a:t>(</a:t>
-            </a:r>
-            <a:r>
-              <a:rPr lang="ko-KR" altLang="en-US" dirty="0">
-                <a:solidFill>
-                  <a:srgbClr val="19633E"/>
-                </a:solidFill>
-                <a:latin typeface="맑은 고딕" panose="020B0503020000020004" pitchFamily="50" charset="-127"/>
-                <a:ea typeface="맑은 고딕" panose="020B0503020000020004" pitchFamily="50" charset="-127"/>
-                <a:cs typeface="Malgun Gothic Semilight" panose="020B0502040204020203" pitchFamily="50" charset="-127"/>
-              </a:rPr>
-              <a:t>어떻게 사용하는지 방법</a:t>
-            </a:r>
-            <a:r>
-              <a:rPr lang="en-US" altLang="ko-KR" dirty="0">
-                <a:solidFill>
-                  <a:srgbClr val="19633E"/>
-                </a:solidFill>
-                <a:latin typeface="맑은 고딕" panose="020B0503020000020004" pitchFamily="50" charset="-127"/>
-                <a:ea typeface="맑은 고딕" panose="020B0503020000020004" pitchFamily="50" charset="-127"/>
-                <a:cs typeface="Malgun Gothic Semilight" panose="020B0502040204020203" pitchFamily="50" charset="-127"/>
-              </a:rPr>
-              <a:t>)</a:t>
+              <a:t> 혼천선수 출전우대권이 적용될 선수를 같이 기입해주세요</a:t>
             </a:r>
             <a:endParaRPr lang="en-US" altLang="ko-KR" dirty="0">
               <a:solidFill>
@@ -18803,10 +19018,10 @@
       </p:sp>
       <p:sp>
         <p:nvSpPr>
-          <p:cNvPr id="7" name="TextBox 6">
-            <a:extLst>
-              <a:ext uri="{FF2B5EF4-FFF2-40B4-BE49-F238E27FC236}">
-                <a16:creationId xmlns:a16="http://schemas.microsoft.com/office/drawing/2014/main" id="{09258A04-C524-123A-62C9-99F4EF97CF6D}"/>
+          <p:cNvPr id="5" name="TextBox 4">
+            <a:extLst>
+              <a:ext uri="{FF2B5EF4-FFF2-40B4-BE49-F238E27FC236}">
+                <a16:creationId xmlns:a16="http://schemas.microsoft.com/office/drawing/2014/main" id="{621B64C5-1F0F-DEB9-E049-619D916CA2F1}"/>
               </a:ext>
             </a:extLst>
           </p:cNvPr>
@@ -18860,10 +19075,10 @@
       </p:sp>
       <p:sp>
         <p:nvSpPr>
-          <p:cNvPr id="8" name="TextBox 7">
-            <a:extLst>
-              <a:ext uri="{FF2B5EF4-FFF2-40B4-BE49-F238E27FC236}">
-                <a16:creationId xmlns:a16="http://schemas.microsoft.com/office/drawing/2014/main" id="{C2685BBB-2178-4179-B8A5-EBE5EEDC7431}"/>
+          <p:cNvPr id="6" name="TextBox 5">
+            <a:extLst>
+              <a:ext uri="{FF2B5EF4-FFF2-40B4-BE49-F238E27FC236}">
+                <a16:creationId xmlns:a16="http://schemas.microsoft.com/office/drawing/2014/main" id="{FBC350B7-9204-7AC4-B4E0-2F15F0A71282}"/>
               </a:ext>
             </a:extLst>
           </p:cNvPr>
@@ -18872,8 +19087,8 @@
         </p:nvSpPr>
         <p:spPr>
           <a:xfrm>
-            <a:off x="635000" y="2053798"/>
-            <a:ext cx="1150938" cy="461665"/>
+            <a:off x="634999" y="2053798"/>
+            <a:ext cx="1679575" cy="461665"/>
           </a:xfrm>
           <a:prstGeom prst="rect">
             <a:avLst/>
@@ -18910,7 +19125,7 @@
                 <a:ea typeface="휴먼둥근헤드라인" panose="02030504000101010101" pitchFamily="18" charset="-127"/>
                 <a:cs typeface="Malgun Gothic Semilight" panose="020B0502040204020203" pitchFamily="50" charset="-127"/>
               </a:rPr>
-              <a:t>구매</a:t>
+              <a:t>구매 유키</a:t>
             </a:r>
             <a:endParaRPr lang="en-US" altLang="ko-KR" sz="2400" b="1" dirty="0">
               <a:solidFill>
@@ -18927,10 +19142,10 @@
       </p:sp>
       <p:cxnSp>
         <p:nvCxnSpPr>
-          <p:cNvPr id="9" name="직선 연결선 8">
-            <a:extLst>
-              <a:ext uri="{FF2B5EF4-FFF2-40B4-BE49-F238E27FC236}">
-                <a16:creationId xmlns:a16="http://schemas.microsoft.com/office/drawing/2014/main" id="{374739C7-3FA3-4D9D-BFAC-DA52218086F8}"/>
+          <p:cNvPr id="10" name="직선 연결선 9">
+            <a:extLst>
+              <a:ext uri="{FF2B5EF4-FFF2-40B4-BE49-F238E27FC236}">
+                <a16:creationId xmlns:a16="http://schemas.microsoft.com/office/drawing/2014/main" id="{36690268-0EB3-65FF-2AD8-355FC846DAD2}"/>
               </a:ext>
             </a:extLst>
           </p:cNvPr>
@@ -18970,6 +19185,126 @@
           </a:fontRef>
         </p:style>
       </p:cxnSp>
+      <p:cxnSp>
+        <p:nvCxnSpPr>
+          <p:cNvPr id="12" name="직선 연결선 11">
+            <a:extLst>
+              <a:ext uri="{FF2B5EF4-FFF2-40B4-BE49-F238E27FC236}">
+                <a16:creationId xmlns:a16="http://schemas.microsoft.com/office/drawing/2014/main" id="{B586A245-B9CE-4D48-2247-D7D92297B4B7}"/>
+              </a:ext>
+            </a:extLst>
+          </p:cNvPr>
+          <p:cNvCxnSpPr>
+            <a:cxnSpLocks/>
+          </p:cNvCxnSpPr>
+          <p:nvPr/>
+        </p:nvCxnSpPr>
+        <p:spPr>
+          <a:xfrm>
+            <a:off x="1558017" y="2522676"/>
+            <a:ext cx="670833" cy="0"/>
+          </a:xfrm>
+          <a:prstGeom prst="line">
+            <a:avLst/>
+          </a:prstGeom>
+          <a:ln w="57150">
+            <a:solidFill>
+              <a:srgbClr val="1D5F3C">
+                <a:alpha val="50000"/>
+              </a:srgbClr>
+            </a:solidFill>
+          </a:ln>
+        </p:spPr>
+        <p:style>
+          <a:lnRef idx="1">
+            <a:schemeClr val="accent1"/>
+          </a:lnRef>
+          <a:fillRef idx="0">
+            <a:schemeClr val="accent1"/>
+          </a:fillRef>
+          <a:effectRef idx="0">
+            <a:schemeClr val="accent1"/>
+          </a:effectRef>
+          <a:fontRef idx="minor">
+            <a:schemeClr val="tx1"/>
+          </a:fontRef>
+        </p:style>
+      </p:cxnSp>
+      <p:sp>
+        <p:nvSpPr>
+          <p:cNvPr id="14" name="TextBox 13">
+            <a:extLst>
+              <a:ext uri="{FF2B5EF4-FFF2-40B4-BE49-F238E27FC236}">
+                <a16:creationId xmlns:a16="http://schemas.microsoft.com/office/drawing/2014/main" id="{86ADB889-1DE3-2F6E-344B-724D09317B53}"/>
+              </a:ext>
+            </a:extLst>
+          </p:cNvPr>
+          <p:cNvSpPr txBox="1"/>
+          <p:nvPr/>
+        </p:nvSpPr>
+        <p:spPr>
+          <a:xfrm>
+            <a:off x="1092652" y="2567934"/>
+            <a:ext cx="1589859" cy="369332"/>
+          </a:xfrm>
+          <a:prstGeom prst="rect">
+            <a:avLst/>
+          </a:prstGeom>
+          <a:noFill/>
+        </p:spPr>
+        <p:txBody>
+          <a:bodyPr wrap="square">
+            <a:spAutoFit/>
+          </a:bodyPr>
+          <a:lstStyle/>
+          <a:p>
+            <a:pPr algn="ctr"/>
+            <a:r>
+              <a:rPr lang="en-US" altLang="ko-KR">
+                <a:solidFill>
+                  <a:srgbClr val="19633E">
+                    <a:alpha val="50000"/>
+                  </a:srgbClr>
+                </a:solidFill>
+                <a:latin typeface="HY견고딕" panose="02030600000101010101" pitchFamily="18" charset="-127"/>
+                <a:ea typeface="HY견고딕" panose="02030600000101010101" pitchFamily="18" charset="-127"/>
+                <a:cs typeface="Malgun Gothic Semilight" panose="020B0502040204020203" pitchFamily="50" charset="-127"/>
+              </a:rPr>
+              <a:t>(</a:t>
+            </a:r>
+            <a:r>
+              <a:rPr lang="ko-KR" altLang="en-US" dirty="0">
+                <a:solidFill>
+                  <a:srgbClr val="19633E">
+                    <a:alpha val="50000"/>
+                  </a:srgbClr>
+                </a:solidFill>
+                <a:latin typeface="HY견고딕" panose="02030600000101010101" pitchFamily="18" charset="-127"/>
+                <a:ea typeface="HY견고딕" panose="02030600000101010101" pitchFamily="18" charset="-127"/>
+                <a:cs typeface="Malgun Gothic Semilight" panose="020B0502040204020203" pitchFamily="50" charset="-127"/>
+              </a:rPr>
+              <a:t>선수이름</a:t>
+            </a:r>
+            <a:r>
+              <a:rPr lang="en-US" altLang="ko-KR" dirty="0">
+                <a:solidFill>
+                  <a:srgbClr val="19633E">
+                    <a:alpha val="50000"/>
+                  </a:srgbClr>
+                </a:solidFill>
+                <a:latin typeface="HY견고딕" panose="02030600000101010101" pitchFamily="18" charset="-127"/>
+                <a:ea typeface="HY견고딕" panose="02030600000101010101" pitchFamily="18" charset="-127"/>
+                <a:cs typeface="Malgun Gothic Semilight" panose="020B0502040204020203" pitchFamily="50" charset="-127"/>
+              </a:rPr>
+              <a:t>)</a:t>
+            </a:r>
+            <a:endParaRPr lang="ko-KR" altLang="en-US" dirty="0">
+              <a:latin typeface="HY견고딕" panose="02030600000101010101" pitchFamily="18" charset="-127"/>
+              <a:ea typeface="HY견고딕" panose="02030600000101010101" pitchFamily="18" charset="-127"/>
+            </a:endParaRPr>
+          </a:p>
+        </p:txBody>
+      </p:sp>
     </p:spTree>
     <p:extLst>
       <p:ext uri="{BB962C8B-B14F-4D97-AF65-F5344CB8AC3E}">
@@ -19667,206 +20002,6 @@
           </a:p>
         </p:txBody>
       </p:sp>
-      <p:sp>
-        <p:nvSpPr>
-          <p:cNvPr id="10" name="TextBox 9">
-            <a:extLst>
-              <a:ext uri="{FF2B5EF4-FFF2-40B4-BE49-F238E27FC236}">
-                <a16:creationId xmlns:a16="http://schemas.microsoft.com/office/drawing/2014/main" id="{07A529A0-338D-2453-CF9A-9437AD0B4C86}"/>
-              </a:ext>
-            </a:extLst>
-          </p:cNvPr>
-          <p:cNvSpPr txBox="1"/>
-          <p:nvPr/>
-        </p:nvSpPr>
-        <p:spPr>
-          <a:xfrm>
-            <a:off x="2563947" y="2053798"/>
-            <a:ext cx="2267484" cy="461665"/>
-          </a:xfrm>
-          <a:prstGeom prst="rect">
-            <a:avLst/>
-          </a:prstGeom>
-          <a:noFill/>
-        </p:spPr>
-        <p:txBody>
-          <a:bodyPr wrap="square">
-            <a:spAutoFit/>
-          </a:bodyPr>
-          <a:lstStyle/>
-          <a:p>
-            <a:r>
-              <a:rPr lang="en-US" altLang="ko-KR" sz="2400" b="1" dirty="0">
-                <a:solidFill>
-                  <a:srgbClr val="19633E">
-                    <a:alpha val="50000"/>
-                  </a:srgbClr>
-                </a:solidFill>
-                <a:latin typeface="휴먼둥근헤드라인" panose="02030504000101010101" pitchFamily="18" charset="-127"/>
-                <a:ea typeface="휴먼둥근헤드라인" panose="02030504000101010101" pitchFamily="18" charset="-127"/>
-                <a:cs typeface="Malgun Gothic Semilight" panose="020B0502040204020203" pitchFamily="50" charset="-127"/>
-              </a:rPr>
-              <a:t>!</a:t>
-            </a:r>
-            <a:r>
-              <a:rPr lang="ko-KR" altLang="en-US" sz="2400" b="1" dirty="0">
-                <a:solidFill>
-                  <a:srgbClr val="19633E">
-                    <a:alpha val="50000"/>
-                  </a:srgbClr>
-                </a:solidFill>
-                <a:latin typeface="휴먼둥근헤드라인" panose="02030504000101010101" pitchFamily="18" charset="-127"/>
-                <a:ea typeface="휴먼둥근헤드라인" panose="02030504000101010101" pitchFamily="18" charset="-127"/>
-                <a:cs typeface="Malgun Gothic Semilight" panose="020B0502040204020203" pitchFamily="50" charset="-127"/>
-              </a:rPr>
-              <a:t>포인트 </a:t>
-            </a:r>
-            <a:r>
-              <a:rPr lang="ko-KR" altLang="en-US" sz="2400" b="1" dirty="0" err="1">
-                <a:solidFill>
-                  <a:srgbClr val="19633E">
-                    <a:alpha val="50000"/>
-                  </a:srgbClr>
-                </a:solidFill>
-                <a:latin typeface="휴먼둥근헤드라인" panose="02030504000101010101" pitchFamily="18" charset="-127"/>
-                <a:ea typeface="휴먼둥근헤드라인" panose="02030504000101010101" pitchFamily="18" charset="-127"/>
-                <a:cs typeface="Malgun Gothic Semilight" panose="020B0502040204020203" pitchFamily="50" charset="-127"/>
-              </a:rPr>
-              <a:t>금성경</a:t>
-            </a:r>
-            <a:endParaRPr lang="en-US" altLang="ko-KR" sz="2400" b="1" dirty="0">
-              <a:solidFill>
-                <a:srgbClr val="19633E">
-                  <a:alpha val="50000"/>
-                </a:srgbClr>
-              </a:solidFill>
-              <a:latin typeface="휴먼둥근헤드라인" panose="02030504000101010101" pitchFamily="18" charset="-127"/>
-              <a:ea typeface="휴먼둥근헤드라인" panose="02030504000101010101" pitchFamily="18" charset="-127"/>
-              <a:cs typeface="Malgun Gothic Semilight" panose="020B0502040204020203" pitchFamily="50" charset="-127"/>
-            </a:endParaRPr>
-          </a:p>
-        </p:txBody>
-      </p:sp>
-      <p:cxnSp>
-        <p:nvCxnSpPr>
-          <p:cNvPr id="11" name="직선 연결선 10">
-            <a:extLst>
-              <a:ext uri="{FF2B5EF4-FFF2-40B4-BE49-F238E27FC236}">
-                <a16:creationId xmlns:a16="http://schemas.microsoft.com/office/drawing/2014/main" id="{E654D74A-E151-16A5-B710-10158C49D731}"/>
-              </a:ext>
-            </a:extLst>
-          </p:cNvPr>
-          <p:cNvCxnSpPr>
-            <a:cxnSpLocks/>
-          </p:cNvCxnSpPr>
-          <p:nvPr/>
-        </p:nvCxnSpPr>
-        <p:spPr>
-          <a:xfrm>
-            <a:off x="2652848" y="2528163"/>
-            <a:ext cx="2136322" cy="0"/>
-          </a:xfrm>
-          <a:prstGeom prst="line">
-            <a:avLst/>
-          </a:prstGeom>
-          <a:ln w="57150">
-            <a:solidFill>
-              <a:srgbClr val="1D5F3C">
-                <a:alpha val="50000"/>
-              </a:srgbClr>
-            </a:solidFill>
-          </a:ln>
-        </p:spPr>
-        <p:style>
-          <a:lnRef idx="1">
-            <a:schemeClr val="accent1"/>
-          </a:lnRef>
-          <a:fillRef idx="0">
-            <a:schemeClr val="accent1"/>
-          </a:fillRef>
-          <a:effectRef idx="0">
-            <a:schemeClr val="accent1"/>
-          </a:effectRef>
-          <a:fontRef idx="minor">
-            <a:schemeClr val="tx1"/>
-          </a:fontRef>
-        </p:style>
-      </p:cxnSp>
-      <p:sp>
-        <p:nvSpPr>
-          <p:cNvPr id="12" name="TextBox 11">
-            <a:extLst>
-              <a:ext uri="{FF2B5EF4-FFF2-40B4-BE49-F238E27FC236}">
-                <a16:creationId xmlns:a16="http://schemas.microsoft.com/office/drawing/2014/main" id="{3E309AB3-B3F6-751C-B1A5-70825709BC67}"/>
-              </a:ext>
-            </a:extLst>
-          </p:cNvPr>
-          <p:cNvSpPr txBox="1"/>
-          <p:nvPr/>
-        </p:nvSpPr>
-        <p:spPr>
-          <a:xfrm>
-            <a:off x="2473046" y="2562560"/>
-            <a:ext cx="2449286" cy="369332"/>
-          </a:xfrm>
-          <a:prstGeom prst="rect">
-            <a:avLst/>
-          </a:prstGeom>
-          <a:noFill/>
-        </p:spPr>
-        <p:txBody>
-          <a:bodyPr wrap="square">
-            <a:spAutoFit/>
-          </a:bodyPr>
-          <a:lstStyle/>
-          <a:p>
-            <a:pPr algn="ctr"/>
-            <a:r>
-              <a:rPr lang="en-US" altLang="ko-KR" dirty="0">
-                <a:solidFill>
-                  <a:srgbClr val="19633E">
-                    <a:alpha val="50000"/>
-                  </a:srgbClr>
-                </a:solidFill>
-                <a:latin typeface="HY견고딕" panose="02030600000101010101" pitchFamily="18" charset="-127"/>
-                <a:ea typeface="HY견고딕" panose="02030600000101010101" pitchFamily="18" charset="-127"/>
-                <a:cs typeface="Malgun Gothic Semilight" panose="020B0502040204020203" pitchFamily="50" charset="-127"/>
-              </a:rPr>
-              <a:t>(</a:t>
-            </a:r>
-            <a:r>
-              <a:rPr lang="ko-KR" altLang="en-US" dirty="0">
-                <a:solidFill>
-                  <a:srgbClr val="19633E">
-                    <a:alpha val="50000"/>
-                  </a:srgbClr>
-                </a:solidFill>
-                <a:latin typeface="HY견고딕" panose="02030600000101010101" pitchFamily="18" charset="-127"/>
-                <a:ea typeface="HY견고딕" panose="02030600000101010101" pitchFamily="18" charset="-127"/>
-                <a:cs typeface="Malgun Gothic Semilight" panose="020B0502040204020203" pitchFamily="50" charset="-127"/>
-              </a:rPr>
-              <a:t>시청자 닉네임</a:t>
-            </a:r>
-            <a:r>
-              <a:rPr lang="en-US" altLang="ko-KR" dirty="0">
-                <a:solidFill>
-                  <a:srgbClr val="19633E">
-                    <a:alpha val="50000"/>
-                  </a:srgbClr>
-                </a:solidFill>
-                <a:latin typeface="HY견고딕" panose="02030600000101010101" pitchFamily="18" charset="-127"/>
-                <a:ea typeface="HY견고딕" panose="02030600000101010101" pitchFamily="18" charset="-127"/>
-                <a:cs typeface="Malgun Gothic Semilight" panose="020B0502040204020203" pitchFamily="50" charset="-127"/>
-              </a:rPr>
-              <a:t>)</a:t>
-            </a:r>
-            <a:endParaRPr lang="ko-KR" altLang="en-US" dirty="0">
-              <a:latin typeface="HY견고딕" panose="02030600000101010101" pitchFamily="18" charset="-127"/>
-              <a:ea typeface="HY견고딕" panose="02030600000101010101" pitchFamily="18" charset="-127"/>
-            </a:endParaRPr>
-          </a:p>
-        </p:txBody>
-      </p:sp>
       <p:pic>
         <p:nvPicPr>
           <p:cNvPr id="16" name="그림 15">
@@ -19881,16 +20016,15 @@
           </p:cNvPicPr>
           <p:nvPr/>
         </p:nvPicPr>
-        <p:blipFill>
+        <p:blipFill rotWithShape="1">
           <a:blip r:embed="rId5"/>
-          <a:stretch>
-            <a:fillRect/>
-          </a:stretch>
+          <a:srcRect b="47680"/>
+          <a:stretch/>
         </p:blipFill>
         <p:spPr>
           <a:xfrm>
-            <a:off x="6967207" y="4301840"/>
-            <a:ext cx="2705478" cy="1171739"/>
+            <a:off x="6967207" y="4628258"/>
+            <a:ext cx="2705478" cy="613060"/>
           </a:xfrm>
           <a:prstGeom prst="rect">
             <a:avLst/>
@@ -20034,7 +20168,7 @@
         <p:spPr>
           <a:xfrm>
             <a:off x="2703286" y="3397631"/>
-            <a:ext cx="8971284" cy="923330"/>
+            <a:ext cx="8971284" cy="369332"/>
           </a:xfrm>
           <a:prstGeom prst="rect">
             <a:avLst/>
@@ -20084,78 +20218,6 @@
                 <a:cs typeface="Malgun Gothic Semilight" panose="020B0502040204020203" pitchFamily="50" charset="-127"/>
               </a:rPr>
               <a:t>포인트 보유현황</a:t>
-            </a:r>
-            <a:r>
-              <a:rPr lang="ko-KR" altLang="en-US" dirty="0">
-                <a:solidFill>
-                  <a:srgbClr val="19633E">
-                    <a:alpha val="50000"/>
-                  </a:srgbClr>
-                </a:solidFill>
-                <a:latin typeface="맑은 고딕" panose="020B0503020000020004" pitchFamily="50" charset="-127"/>
-                <a:ea typeface="맑은 고딕" panose="020B0503020000020004" pitchFamily="50" charset="-127"/>
-                <a:cs typeface="Malgun Gothic Semilight" panose="020B0502040204020203" pitchFamily="50" charset="-127"/>
-              </a:rPr>
-              <a:t>을 알려드려요</a:t>
-            </a:r>
-            <a:endParaRPr lang="en-US" altLang="ko-KR" dirty="0">
-              <a:solidFill>
-                <a:srgbClr val="19633E">
-                  <a:alpha val="50000"/>
-                </a:srgbClr>
-              </a:solidFill>
-              <a:latin typeface="맑은 고딕" panose="020B0503020000020004" pitchFamily="50" charset="-127"/>
-              <a:ea typeface="맑은 고딕" panose="020B0503020000020004" pitchFamily="50" charset="-127"/>
-              <a:cs typeface="Malgun Gothic Semilight" panose="020B0502040204020203" pitchFamily="50" charset="-127"/>
-            </a:endParaRPr>
-          </a:p>
-          <a:p>
-            <a:endParaRPr lang="en-US" altLang="ko-KR" dirty="0">
-              <a:solidFill>
-                <a:srgbClr val="19633E">
-                  <a:alpha val="50000"/>
-                </a:srgbClr>
-              </a:solidFill>
-              <a:latin typeface="맑은 고딕" panose="020B0503020000020004" pitchFamily="50" charset="-127"/>
-              <a:ea typeface="맑은 고딕" panose="020B0503020000020004" pitchFamily="50" charset="-127"/>
-              <a:cs typeface="Malgun Gothic Semilight" panose="020B0502040204020203" pitchFamily="50" charset="-127"/>
-            </a:endParaRPr>
-          </a:p>
-          <a:p>
-            <a:r>
-              <a:rPr lang="ko-KR" altLang="en-US" dirty="0">
-                <a:solidFill>
-                  <a:srgbClr val="19643D"/>
-                </a:solidFill>
-                <a:latin typeface="맑은 고딕" panose="020B0503020000020004" pitchFamily="50" charset="-127"/>
-                <a:ea typeface="맑은 고딕" panose="020B0503020000020004" pitchFamily="50" charset="-127"/>
-                <a:cs typeface="Malgun Gothic Semilight" panose="020B0502040204020203" pitchFamily="50" charset="-127"/>
-              </a:rPr>
-              <a:t>✔</a:t>
-            </a:r>
-            <a:r>
-              <a:rPr lang="ko-KR" altLang="en-US" dirty="0">
-                <a:solidFill>
-                  <a:srgbClr val="19633E">
-                    <a:alpha val="50000"/>
-                  </a:srgbClr>
-                </a:solidFill>
-                <a:latin typeface="맑은 고딕" panose="020B0503020000020004" pitchFamily="50" charset="-127"/>
-                <a:ea typeface="맑은 고딕" panose="020B0503020000020004" pitchFamily="50" charset="-127"/>
-                <a:cs typeface="Malgun Gothic Semilight" panose="020B0502040204020203" pitchFamily="50" charset="-127"/>
-              </a:rPr>
-              <a:t> 따로 닉네임을 입력하지 않으면 </a:t>
-            </a:r>
-            <a:r>
-              <a:rPr lang="ko-KR" altLang="en-US" dirty="0">
-                <a:solidFill>
-                  <a:srgbClr val="19633E"/>
-                </a:solidFill>
-                <a:latin typeface="맑은 고딕" panose="020B0503020000020004" pitchFamily="50" charset="-127"/>
-                <a:ea typeface="맑은 고딕" panose="020B0503020000020004" pitchFamily="50" charset="-127"/>
-                <a:cs typeface="Malgun Gothic Semilight" panose="020B0502040204020203" pitchFamily="50" charset="-127"/>
-              </a:rPr>
-              <a:t>자신의 포인트 보유현황</a:t>
             </a:r>
             <a:r>
               <a:rPr lang="ko-KR" altLang="en-US" dirty="0">
@@ -20352,206 +20414,6 @@
           </a:fontRef>
         </p:style>
       </p:cxnSp>
-      <p:sp>
-        <p:nvSpPr>
-          <p:cNvPr id="10" name="TextBox 9">
-            <a:extLst>
-              <a:ext uri="{FF2B5EF4-FFF2-40B4-BE49-F238E27FC236}">
-                <a16:creationId xmlns:a16="http://schemas.microsoft.com/office/drawing/2014/main" id="{EFBF683A-3A21-77DD-0D37-6D1C8318B8AE}"/>
-              </a:ext>
-            </a:extLst>
-          </p:cNvPr>
-          <p:cNvSpPr txBox="1"/>
-          <p:nvPr/>
-        </p:nvSpPr>
-        <p:spPr>
-          <a:xfrm>
-            <a:off x="2563947" y="2053798"/>
-            <a:ext cx="2267484" cy="461665"/>
-          </a:xfrm>
-          <a:prstGeom prst="rect">
-            <a:avLst/>
-          </a:prstGeom>
-          <a:noFill/>
-        </p:spPr>
-        <p:txBody>
-          <a:bodyPr wrap="square">
-            <a:spAutoFit/>
-          </a:bodyPr>
-          <a:lstStyle/>
-          <a:p>
-            <a:r>
-              <a:rPr lang="en-US" altLang="ko-KR" sz="2400" b="1" dirty="0">
-                <a:solidFill>
-                  <a:srgbClr val="19633E">
-                    <a:alpha val="50000"/>
-                  </a:srgbClr>
-                </a:solidFill>
-                <a:latin typeface="휴먼둥근헤드라인" panose="02030504000101010101" pitchFamily="18" charset="-127"/>
-                <a:ea typeface="휴먼둥근헤드라인" panose="02030504000101010101" pitchFamily="18" charset="-127"/>
-                <a:cs typeface="Malgun Gothic Semilight" panose="020B0502040204020203" pitchFamily="50" charset="-127"/>
-              </a:rPr>
-              <a:t>!</a:t>
-            </a:r>
-            <a:r>
-              <a:rPr lang="ko-KR" altLang="en-US" sz="2400" b="1" dirty="0">
-                <a:solidFill>
-                  <a:srgbClr val="19633E">
-                    <a:alpha val="50000"/>
-                  </a:srgbClr>
-                </a:solidFill>
-                <a:latin typeface="휴먼둥근헤드라인" panose="02030504000101010101" pitchFamily="18" charset="-127"/>
-                <a:ea typeface="휴먼둥근헤드라인" panose="02030504000101010101" pitchFamily="18" charset="-127"/>
-                <a:cs typeface="Malgun Gothic Semilight" panose="020B0502040204020203" pitchFamily="50" charset="-127"/>
-              </a:rPr>
-              <a:t>포인트 </a:t>
-            </a:r>
-            <a:r>
-              <a:rPr lang="ko-KR" altLang="en-US" sz="2400" b="1" dirty="0" err="1">
-                <a:solidFill>
-                  <a:srgbClr val="19633E">
-                    <a:alpha val="50000"/>
-                  </a:srgbClr>
-                </a:solidFill>
-                <a:latin typeface="휴먼둥근헤드라인" panose="02030504000101010101" pitchFamily="18" charset="-127"/>
-                <a:ea typeface="휴먼둥근헤드라인" panose="02030504000101010101" pitchFamily="18" charset="-127"/>
-                <a:cs typeface="Malgun Gothic Semilight" panose="020B0502040204020203" pitchFamily="50" charset="-127"/>
-              </a:rPr>
-              <a:t>금성경</a:t>
-            </a:r>
-            <a:endParaRPr lang="en-US" altLang="ko-KR" sz="2400" b="1" dirty="0">
-              <a:solidFill>
-                <a:srgbClr val="19633E">
-                  <a:alpha val="50000"/>
-                </a:srgbClr>
-              </a:solidFill>
-              <a:latin typeface="휴먼둥근헤드라인" panose="02030504000101010101" pitchFamily="18" charset="-127"/>
-              <a:ea typeface="휴먼둥근헤드라인" panose="02030504000101010101" pitchFamily="18" charset="-127"/>
-              <a:cs typeface="Malgun Gothic Semilight" panose="020B0502040204020203" pitchFamily="50" charset="-127"/>
-            </a:endParaRPr>
-          </a:p>
-        </p:txBody>
-      </p:sp>
-      <p:cxnSp>
-        <p:nvCxnSpPr>
-          <p:cNvPr id="12" name="직선 연결선 11">
-            <a:extLst>
-              <a:ext uri="{FF2B5EF4-FFF2-40B4-BE49-F238E27FC236}">
-                <a16:creationId xmlns:a16="http://schemas.microsoft.com/office/drawing/2014/main" id="{7F8D434C-8B8F-0733-84FA-A9EE7EC10E5F}"/>
-              </a:ext>
-            </a:extLst>
-          </p:cNvPr>
-          <p:cNvCxnSpPr>
-            <a:cxnSpLocks/>
-          </p:cNvCxnSpPr>
-          <p:nvPr/>
-        </p:nvCxnSpPr>
-        <p:spPr>
-          <a:xfrm>
-            <a:off x="2652848" y="2528163"/>
-            <a:ext cx="2136322" cy="0"/>
-          </a:xfrm>
-          <a:prstGeom prst="line">
-            <a:avLst/>
-          </a:prstGeom>
-          <a:ln w="57150">
-            <a:solidFill>
-              <a:srgbClr val="1D5F3C">
-                <a:alpha val="50000"/>
-              </a:srgbClr>
-            </a:solidFill>
-          </a:ln>
-        </p:spPr>
-        <p:style>
-          <a:lnRef idx="1">
-            <a:schemeClr val="accent1"/>
-          </a:lnRef>
-          <a:fillRef idx="0">
-            <a:schemeClr val="accent1"/>
-          </a:fillRef>
-          <a:effectRef idx="0">
-            <a:schemeClr val="accent1"/>
-          </a:effectRef>
-          <a:fontRef idx="minor">
-            <a:schemeClr val="tx1"/>
-          </a:fontRef>
-        </p:style>
-      </p:cxnSp>
-      <p:sp>
-        <p:nvSpPr>
-          <p:cNvPr id="13" name="TextBox 12">
-            <a:extLst>
-              <a:ext uri="{FF2B5EF4-FFF2-40B4-BE49-F238E27FC236}">
-                <a16:creationId xmlns:a16="http://schemas.microsoft.com/office/drawing/2014/main" id="{1BE5C3CA-D6FD-6A11-5253-94CFF1E874BA}"/>
-              </a:ext>
-            </a:extLst>
-          </p:cNvPr>
-          <p:cNvSpPr txBox="1"/>
-          <p:nvPr/>
-        </p:nvSpPr>
-        <p:spPr>
-          <a:xfrm>
-            <a:off x="2473046" y="2562560"/>
-            <a:ext cx="2449286" cy="369332"/>
-          </a:xfrm>
-          <a:prstGeom prst="rect">
-            <a:avLst/>
-          </a:prstGeom>
-          <a:noFill/>
-        </p:spPr>
-        <p:txBody>
-          <a:bodyPr wrap="square">
-            <a:spAutoFit/>
-          </a:bodyPr>
-          <a:lstStyle/>
-          <a:p>
-            <a:pPr algn="ctr"/>
-            <a:r>
-              <a:rPr lang="en-US" altLang="ko-KR" dirty="0">
-                <a:solidFill>
-                  <a:srgbClr val="19633E">
-                    <a:alpha val="50000"/>
-                  </a:srgbClr>
-                </a:solidFill>
-                <a:latin typeface="HY견고딕" panose="02030600000101010101" pitchFamily="18" charset="-127"/>
-                <a:ea typeface="HY견고딕" panose="02030600000101010101" pitchFamily="18" charset="-127"/>
-                <a:cs typeface="Malgun Gothic Semilight" panose="020B0502040204020203" pitchFamily="50" charset="-127"/>
-              </a:rPr>
-              <a:t>(</a:t>
-            </a:r>
-            <a:r>
-              <a:rPr lang="ko-KR" altLang="en-US" dirty="0">
-                <a:solidFill>
-                  <a:srgbClr val="19633E">
-                    <a:alpha val="50000"/>
-                  </a:srgbClr>
-                </a:solidFill>
-                <a:latin typeface="HY견고딕" panose="02030600000101010101" pitchFamily="18" charset="-127"/>
-                <a:ea typeface="HY견고딕" panose="02030600000101010101" pitchFamily="18" charset="-127"/>
-                <a:cs typeface="Malgun Gothic Semilight" panose="020B0502040204020203" pitchFamily="50" charset="-127"/>
-              </a:rPr>
-              <a:t>시청자 닉네임</a:t>
-            </a:r>
-            <a:r>
-              <a:rPr lang="en-US" altLang="ko-KR" dirty="0">
-                <a:solidFill>
-                  <a:srgbClr val="19633E">
-                    <a:alpha val="50000"/>
-                  </a:srgbClr>
-                </a:solidFill>
-                <a:latin typeface="HY견고딕" panose="02030600000101010101" pitchFamily="18" charset="-127"/>
-                <a:ea typeface="HY견고딕" panose="02030600000101010101" pitchFamily="18" charset="-127"/>
-                <a:cs typeface="Malgun Gothic Semilight" panose="020B0502040204020203" pitchFamily="50" charset="-127"/>
-              </a:rPr>
-              <a:t>)</a:t>
-            </a:r>
-            <a:endParaRPr lang="ko-KR" altLang="en-US" dirty="0">
-              <a:latin typeface="HY견고딕" panose="02030600000101010101" pitchFamily="18" charset="-127"/>
-              <a:ea typeface="HY견고딕" panose="02030600000101010101" pitchFamily="18" charset="-127"/>
-            </a:endParaRPr>
-          </a:p>
-        </p:txBody>
-      </p:sp>
     </p:spTree>
     <p:extLst>
       <p:ext uri="{BB962C8B-B14F-4D97-AF65-F5344CB8AC3E}">
@@ -20893,206 +20755,6 @@
           <a:p>
             <a:pPr algn="ctr"/>
             <a:endParaRPr lang="ko-KR" altLang="en-US"/>
-          </a:p>
-        </p:txBody>
-      </p:sp>
-      <p:sp>
-        <p:nvSpPr>
-          <p:cNvPr id="10" name="TextBox 9">
-            <a:extLst>
-              <a:ext uri="{FF2B5EF4-FFF2-40B4-BE49-F238E27FC236}">
-                <a16:creationId xmlns:a16="http://schemas.microsoft.com/office/drawing/2014/main" id="{07A529A0-338D-2453-CF9A-9437AD0B4C86}"/>
-              </a:ext>
-            </a:extLst>
-          </p:cNvPr>
-          <p:cNvSpPr txBox="1"/>
-          <p:nvPr/>
-        </p:nvSpPr>
-        <p:spPr>
-          <a:xfrm>
-            <a:off x="2563947" y="2053798"/>
-            <a:ext cx="2267484" cy="461665"/>
-          </a:xfrm>
-          <a:prstGeom prst="rect">
-            <a:avLst/>
-          </a:prstGeom>
-          <a:noFill/>
-        </p:spPr>
-        <p:txBody>
-          <a:bodyPr wrap="square">
-            <a:spAutoFit/>
-          </a:bodyPr>
-          <a:lstStyle/>
-          <a:p>
-            <a:r>
-              <a:rPr lang="en-US" altLang="ko-KR" sz="2400" b="1" dirty="0">
-                <a:solidFill>
-                  <a:srgbClr val="19633E">
-                    <a:alpha val="50000"/>
-                  </a:srgbClr>
-                </a:solidFill>
-                <a:latin typeface="휴먼둥근헤드라인" panose="02030504000101010101" pitchFamily="18" charset="-127"/>
-                <a:ea typeface="휴먼둥근헤드라인" panose="02030504000101010101" pitchFamily="18" charset="-127"/>
-                <a:cs typeface="Malgun Gothic Semilight" panose="020B0502040204020203" pitchFamily="50" charset="-127"/>
-              </a:rPr>
-              <a:t>!</a:t>
-            </a:r>
-            <a:r>
-              <a:rPr lang="ko-KR" altLang="en-US" sz="2400" b="1" dirty="0">
-                <a:solidFill>
-                  <a:srgbClr val="19633E">
-                    <a:alpha val="50000"/>
-                  </a:srgbClr>
-                </a:solidFill>
-                <a:latin typeface="휴먼둥근헤드라인" panose="02030504000101010101" pitchFamily="18" charset="-127"/>
-                <a:ea typeface="휴먼둥근헤드라인" panose="02030504000101010101" pitchFamily="18" charset="-127"/>
-                <a:cs typeface="Malgun Gothic Semilight" panose="020B0502040204020203" pitchFamily="50" charset="-127"/>
-              </a:rPr>
-              <a:t>등락 </a:t>
-            </a:r>
-            <a:r>
-              <a:rPr lang="ko-KR" altLang="en-US" sz="2400" b="1" dirty="0" err="1">
-                <a:solidFill>
-                  <a:srgbClr val="19633E">
-                    <a:alpha val="50000"/>
-                  </a:srgbClr>
-                </a:solidFill>
-                <a:latin typeface="휴먼둥근헤드라인" panose="02030504000101010101" pitchFamily="18" charset="-127"/>
-                <a:ea typeface="휴먼둥근헤드라인" panose="02030504000101010101" pitchFamily="18" charset="-127"/>
-                <a:cs typeface="Malgun Gothic Semilight" panose="020B0502040204020203" pitchFamily="50" charset="-127"/>
-              </a:rPr>
-              <a:t>금성경</a:t>
-            </a:r>
-            <a:endParaRPr lang="en-US" altLang="ko-KR" sz="2400" b="1" dirty="0">
-              <a:solidFill>
-                <a:srgbClr val="19633E">
-                  <a:alpha val="50000"/>
-                </a:srgbClr>
-              </a:solidFill>
-              <a:latin typeface="휴먼둥근헤드라인" panose="02030504000101010101" pitchFamily="18" charset="-127"/>
-              <a:ea typeface="휴먼둥근헤드라인" panose="02030504000101010101" pitchFamily="18" charset="-127"/>
-              <a:cs typeface="Malgun Gothic Semilight" panose="020B0502040204020203" pitchFamily="50" charset="-127"/>
-            </a:endParaRPr>
-          </a:p>
-        </p:txBody>
-      </p:sp>
-      <p:cxnSp>
-        <p:nvCxnSpPr>
-          <p:cNvPr id="11" name="직선 연결선 10">
-            <a:extLst>
-              <a:ext uri="{FF2B5EF4-FFF2-40B4-BE49-F238E27FC236}">
-                <a16:creationId xmlns:a16="http://schemas.microsoft.com/office/drawing/2014/main" id="{E654D74A-E151-16A5-B710-10158C49D731}"/>
-              </a:ext>
-            </a:extLst>
-          </p:cNvPr>
-          <p:cNvCxnSpPr>
-            <a:cxnSpLocks/>
-          </p:cNvCxnSpPr>
-          <p:nvPr/>
-        </p:nvCxnSpPr>
-        <p:spPr>
-          <a:xfrm>
-            <a:off x="2652848" y="2528163"/>
-            <a:ext cx="1779815" cy="0"/>
-          </a:xfrm>
-          <a:prstGeom prst="line">
-            <a:avLst/>
-          </a:prstGeom>
-          <a:ln w="57150">
-            <a:solidFill>
-              <a:srgbClr val="1D5F3C">
-                <a:alpha val="50000"/>
-              </a:srgbClr>
-            </a:solidFill>
-          </a:ln>
-        </p:spPr>
-        <p:style>
-          <a:lnRef idx="1">
-            <a:schemeClr val="accent1"/>
-          </a:lnRef>
-          <a:fillRef idx="0">
-            <a:schemeClr val="accent1"/>
-          </a:fillRef>
-          <a:effectRef idx="0">
-            <a:schemeClr val="accent1"/>
-          </a:effectRef>
-          <a:fontRef idx="minor">
-            <a:schemeClr val="tx1"/>
-          </a:fontRef>
-        </p:style>
-      </p:cxnSp>
-      <p:sp>
-        <p:nvSpPr>
-          <p:cNvPr id="12" name="TextBox 11">
-            <a:extLst>
-              <a:ext uri="{FF2B5EF4-FFF2-40B4-BE49-F238E27FC236}">
-                <a16:creationId xmlns:a16="http://schemas.microsoft.com/office/drawing/2014/main" id="{3E309AB3-B3F6-751C-B1A5-70825709BC67}"/>
-              </a:ext>
-            </a:extLst>
-          </p:cNvPr>
-          <p:cNvSpPr txBox="1"/>
-          <p:nvPr/>
-        </p:nvSpPr>
-        <p:spPr>
-          <a:xfrm>
-            <a:off x="2318112" y="2562560"/>
-            <a:ext cx="2449286" cy="369332"/>
-          </a:xfrm>
-          <a:prstGeom prst="rect">
-            <a:avLst/>
-          </a:prstGeom>
-          <a:noFill/>
-        </p:spPr>
-        <p:txBody>
-          <a:bodyPr wrap="square">
-            <a:spAutoFit/>
-          </a:bodyPr>
-          <a:lstStyle/>
-          <a:p>
-            <a:pPr algn="ctr"/>
-            <a:r>
-              <a:rPr lang="en-US" altLang="ko-KR" dirty="0">
-                <a:solidFill>
-                  <a:srgbClr val="19633E">
-                    <a:alpha val="50000"/>
-                  </a:srgbClr>
-                </a:solidFill>
-                <a:latin typeface="HY견고딕" panose="02030600000101010101" pitchFamily="18" charset="-127"/>
-                <a:ea typeface="HY견고딕" panose="02030600000101010101" pitchFamily="18" charset="-127"/>
-                <a:cs typeface="Malgun Gothic Semilight" panose="020B0502040204020203" pitchFamily="50" charset="-127"/>
-              </a:rPr>
-              <a:t>(</a:t>
-            </a:r>
-            <a:r>
-              <a:rPr lang="ko-KR" altLang="en-US" dirty="0">
-                <a:solidFill>
-                  <a:srgbClr val="19633E">
-                    <a:alpha val="50000"/>
-                  </a:srgbClr>
-                </a:solidFill>
-                <a:latin typeface="HY견고딕" panose="02030600000101010101" pitchFamily="18" charset="-127"/>
-                <a:ea typeface="HY견고딕" panose="02030600000101010101" pitchFamily="18" charset="-127"/>
-                <a:cs typeface="Malgun Gothic Semilight" panose="020B0502040204020203" pitchFamily="50" charset="-127"/>
-              </a:rPr>
-              <a:t>시청자 닉네임</a:t>
-            </a:r>
-            <a:r>
-              <a:rPr lang="en-US" altLang="ko-KR" dirty="0">
-                <a:solidFill>
-                  <a:srgbClr val="19633E">
-                    <a:alpha val="50000"/>
-                  </a:srgbClr>
-                </a:solidFill>
-                <a:latin typeface="HY견고딕" panose="02030600000101010101" pitchFamily="18" charset="-127"/>
-                <a:ea typeface="HY견고딕" panose="02030600000101010101" pitchFamily="18" charset="-127"/>
-                <a:cs typeface="Malgun Gothic Semilight" panose="020B0502040204020203" pitchFamily="50" charset="-127"/>
-              </a:rPr>
-              <a:t>)</a:t>
-            </a:r>
-            <a:endParaRPr lang="ko-KR" altLang="en-US" dirty="0">
-              <a:latin typeface="HY견고딕" panose="02030600000101010101" pitchFamily="18" charset="-127"/>
-              <a:ea typeface="HY견고딕" panose="02030600000101010101" pitchFamily="18" charset="-127"/>
-            </a:endParaRPr>
           </a:p>
         </p:txBody>
       </p:sp>
@@ -21263,7 +20925,7 @@
         <p:spPr>
           <a:xfrm>
             <a:off x="2703286" y="3397631"/>
-            <a:ext cx="8971284" cy="1477328"/>
+            <a:ext cx="8971284" cy="923330"/>
           </a:xfrm>
           <a:prstGeom prst="rect">
             <a:avLst/>
@@ -21373,7 +21035,7 @@
                 <a:ea typeface="맑은 고딕" panose="020B0503020000020004" pitchFamily="50" charset="-127"/>
                 <a:cs typeface="Malgun Gothic Semilight" panose="020B0502040204020203" pitchFamily="50" charset="-127"/>
               </a:rPr>
-              <a:t> 따로 닉네임을 입력하지 않으면 </a:t>
+              <a:t> 등락은 </a:t>
             </a:r>
             <a:r>
               <a:rPr lang="ko-KR" altLang="en-US" dirty="0">
@@ -21384,18 +21046,29 @@
                 <a:ea typeface="맑은 고딕" panose="020B0503020000020004" pitchFamily="50" charset="-127"/>
                 <a:cs typeface="Malgun Gothic Semilight" panose="020B0502040204020203" pitchFamily="50" charset="-127"/>
               </a:rPr>
-              <a:t>자신의 포인트 </a:t>
+              <a:t>출첵</a:t>
+            </a:r>
+            <a:r>
+              <a:rPr lang="en-US" altLang="ko-KR" dirty="0">
+                <a:solidFill>
+                  <a:srgbClr val="19633E"/>
+                </a:solidFill>
+                <a:latin typeface="맑은 고딕" panose="020B0503020000020004" pitchFamily="50" charset="-127"/>
+                <a:ea typeface="맑은 고딕" panose="020B0503020000020004" pitchFamily="50" charset="-127"/>
+                <a:cs typeface="Malgun Gothic Semilight" panose="020B0502040204020203" pitchFamily="50" charset="-127"/>
+              </a:rPr>
+              <a:t>, </a:t>
             </a:r>
             <a:r>
               <a:rPr lang="ko-KR" altLang="en-US" dirty="0">
                 <a:solidFill>
-                  <a:srgbClr val="1A613D"/>
-                </a:solidFill>
-                <a:latin typeface="맑은 고딕" panose="020B0503020000020004" pitchFamily="50" charset="-127"/>
-                <a:ea typeface="맑은 고딕" panose="020B0503020000020004" pitchFamily="50" charset="-127"/>
-                <a:cs typeface="Malgun Gothic Semilight" panose="020B0502040204020203" pitchFamily="50" charset="-127"/>
-              </a:rPr>
-              <a:t>최근 등락현황</a:t>
+                  <a:srgbClr val="19633E"/>
+                </a:solidFill>
+                <a:latin typeface="맑은 고딕" panose="020B0503020000020004" pitchFamily="50" charset="-127"/>
+                <a:ea typeface="맑은 고딕" panose="020B0503020000020004" pitchFamily="50" charset="-127"/>
+                <a:cs typeface="Malgun Gothic Semilight" panose="020B0502040204020203" pitchFamily="50" charset="-127"/>
+              </a:rPr>
+              <a:t>우대권 구매</a:t>
             </a:r>
             <a:r>
               <a:rPr lang="ko-KR" altLang="en-US" dirty="0">
@@ -21408,42 +21081,18 @@
                 <a:ea typeface="맑은 고딕" panose="020B0503020000020004" pitchFamily="50" charset="-127"/>
                 <a:cs typeface="Malgun Gothic Semilight" panose="020B0502040204020203" pitchFamily="50" charset="-127"/>
               </a:rPr>
-              <a:t>을 알려드려요</a:t>
-            </a:r>
-            <a:endParaRPr lang="en-US" altLang="ko-KR" dirty="0">
-              <a:solidFill>
-                <a:srgbClr val="19633E">
-                  <a:alpha val="50000"/>
-                </a:srgbClr>
-              </a:solidFill>
-              <a:latin typeface="맑은 고딕" panose="020B0503020000020004" pitchFamily="50" charset="-127"/>
-              <a:ea typeface="맑은 고딕" panose="020B0503020000020004" pitchFamily="50" charset="-127"/>
-              <a:cs typeface="Malgun Gothic Semilight" panose="020B0502040204020203" pitchFamily="50" charset="-127"/>
-            </a:endParaRPr>
-          </a:p>
-          <a:p>
-            <a:endParaRPr lang="en-US" altLang="ko-KR" dirty="0">
-              <a:solidFill>
-                <a:srgbClr val="19633E">
-                  <a:alpha val="50000"/>
-                </a:srgbClr>
-              </a:solidFill>
-              <a:latin typeface="맑은 고딕" panose="020B0503020000020004" pitchFamily="50" charset="-127"/>
-              <a:ea typeface="맑은 고딕" panose="020B0503020000020004" pitchFamily="50" charset="-127"/>
-              <a:cs typeface="Malgun Gothic Semilight" panose="020B0502040204020203" pitchFamily="50" charset="-127"/>
-            </a:endParaRPr>
-          </a:p>
-          <a:p>
+              <a:t>는 포함하지 않고 </a:t>
+            </a:r>
             <a:r>
               <a:rPr lang="ko-KR" altLang="en-US" dirty="0">
                 <a:solidFill>
-                  <a:srgbClr val="19643D"/>
-                </a:solidFill>
-                <a:latin typeface="맑은 고딕" panose="020B0503020000020004" pitchFamily="50" charset="-127"/>
-                <a:ea typeface="맑은 고딕" panose="020B0503020000020004" pitchFamily="50" charset="-127"/>
-                <a:cs typeface="Malgun Gothic Semilight" panose="020B0502040204020203" pitchFamily="50" charset="-127"/>
-              </a:rPr>
-              <a:t>✔</a:t>
+                  <a:srgbClr val="19633E"/>
+                </a:solidFill>
+                <a:latin typeface="맑은 고딕" panose="020B0503020000020004" pitchFamily="50" charset="-127"/>
+                <a:ea typeface="맑은 고딕" panose="020B0503020000020004" pitchFamily="50" charset="-127"/>
+                <a:cs typeface="Malgun Gothic Semilight" panose="020B0502040204020203" pitchFamily="50" charset="-127"/>
+              </a:rPr>
+              <a:t>응원으로 인한 손익</a:t>
             </a:r>
             <a:r>
               <a:rPr lang="ko-KR" altLang="en-US" dirty="0">
@@ -21456,97 +21105,7 @@
                 <a:ea typeface="맑은 고딕" panose="020B0503020000020004" pitchFamily="50" charset="-127"/>
                 <a:cs typeface="Malgun Gothic Semilight" panose="020B0502040204020203" pitchFamily="50" charset="-127"/>
               </a:rPr>
-              <a:t> 등락은 </a:t>
-            </a:r>
-            <a:r>
-              <a:rPr lang="ko-KR" altLang="en-US" dirty="0">
-                <a:solidFill>
-                  <a:srgbClr val="19633E"/>
-                </a:solidFill>
-                <a:latin typeface="맑은 고딕" panose="020B0503020000020004" pitchFamily="50" charset="-127"/>
-                <a:ea typeface="맑은 고딕" panose="020B0503020000020004" pitchFamily="50" charset="-127"/>
-                <a:cs typeface="Malgun Gothic Semilight" panose="020B0502040204020203" pitchFamily="50" charset="-127"/>
-              </a:rPr>
-              <a:t>출첵</a:t>
-            </a:r>
-            <a:r>
-              <a:rPr lang="en-US" altLang="ko-KR" dirty="0">
-                <a:solidFill>
-                  <a:srgbClr val="19633E"/>
-                </a:solidFill>
-                <a:latin typeface="맑은 고딕" panose="020B0503020000020004" pitchFamily="50" charset="-127"/>
-                <a:ea typeface="맑은 고딕" panose="020B0503020000020004" pitchFamily="50" charset="-127"/>
-                <a:cs typeface="Malgun Gothic Semilight" panose="020B0502040204020203" pitchFamily="50" charset="-127"/>
-              </a:rPr>
-              <a:t>, </a:t>
-            </a:r>
-            <a:r>
-              <a:rPr lang="ko-KR" altLang="en-US" dirty="0">
-                <a:solidFill>
-                  <a:srgbClr val="19633E"/>
-                </a:solidFill>
-                <a:latin typeface="맑은 고딕" panose="020B0503020000020004" pitchFamily="50" charset="-127"/>
-                <a:ea typeface="맑은 고딕" panose="020B0503020000020004" pitchFamily="50" charset="-127"/>
-                <a:cs typeface="Malgun Gothic Semilight" panose="020B0502040204020203" pitchFamily="50" charset="-127"/>
-              </a:rPr>
-              <a:t>베팅</a:t>
-            </a:r>
-            <a:r>
-              <a:rPr lang="en-US" altLang="ko-KR" dirty="0">
-                <a:solidFill>
-                  <a:srgbClr val="19633E"/>
-                </a:solidFill>
-                <a:latin typeface="맑은 고딕" panose="020B0503020000020004" pitchFamily="50" charset="-127"/>
-                <a:ea typeface="맑은 고딕" panose="020B0503020000020004" pitchFamily="50" charset="-127"/>
-                <a:cs typeface="Malgun Gothic Semilight" panose="020B0502040204020203" pitchFamily="50" charset="-127"/>
-              </a:rPr>
-              <a:t>, </a:t>
-            </a:r>
-            <a:r>
-              <a:rPr lang="ko-KR" altLang="en-US" dirty="0">
-                <a:solidFill>
-                  <a:srgbClr val="19633E"/>
-                </a:solidFill>
-                <a:latin typeface="맑은 고딕" panose="020B0503020000020004" pitchFamily="50" charset="-127"/>
-                <a:ea typeface="맑은 고딕" panose="020B0503020000020004" pitchFamily="50" charset="-127"/>
-                <a:cs typeface="Malgun Gothic Semilight" panose="020B0502040204020203" pitchFamily="50" charset="-127"/>
-              </a:rPr>
-              <a:t>우대권 구매</a:t>
-            </a:r>
-            <a:r>
-              <a:rPr lang="en-US" altLang="ko-KR" dirty="0">
-                <a:solidFill>
-                  <a:srgbClr val="19633E"/>
-                </a:solidFill>
-                <a:latin typeface="맑은 고딕" panose="020B0503020000020004" pitchFamily="50" charset="-127"/>
-                <a:ea typeface="맑은 고딕" panose="020B0503020000020004" pitchFamily="50" charset="-127"/>
-                <a:cs typeface="Malgun Gothic Semilight" panose="020B0502040204020203" pitchFamily="50" charset="-127"/>
-              </a:rPr>
-              <a:t>, </a:t>
-            </a:r>
-            <a:r>
-              <a:rPr lang="ko-KR" altLang="en-US" dirty="0">
-                <a:solidFill>
-                  <a:srgbClr val="19633E"/>
-                </a:solidFill>
-                <a:latin typeface="맑은 고딕" panose="020B0503020000020004" pitchFamily="50" charset="-127"/>
-                <a:ea typeface="맑은 고딕" panose="020B0503020000020004" pitchFamily="50" charset="-127"/>
-                <a:cs typeface="Malgun Gothic Semilight" panose="020B0502040204020203" pitchFamily="50" charset="-127"/>
-              </a:rPr>
-              <a:t>배당금 지급</a:t>
-            </a:r>
-            <a:r>
-              <a:rPr lang="ko-KR" altLang="en-US" dirty="0">
-                <a:solidFill>
-                  <a:srgbClr val="19633E">
-                    <a:alpha val="50000"/>
-                  </a:srgbClr>
-                </a:solidFill>
-                <a:latin typeface="맑은 고딕" panose="020B0503020000020004" pitchFamily="50" charset="-127"/>
-                <a:ea typeface="맑은 고딕" panose="020B0503020000020004" pitchFamily="50" charset="-127"/>
-                <a:cs typeface="Malgun Gothic Semilight" panose="020B0502040204020203" pitchFamily="50" charset="-127"/>
-              </a:rPr>
-              <a:t>을 포함해요</a:t>
+              <a:t>만 알려드려요</a:t>
             </a:r>
             <a:endParaRPr lang="en-US" altLang="ko-KR" dirty="0">
               <a:solidFill>
@@ -21730,206 +21289,6 @@
           </a:fontRef>
         </p:style>
       </p:cxnSp>
-      <p:sp>
-        <p:nvSpPr>
-          <p:cNvPr id="14" name="TextBox 13">
-            <a:extLst>
-              <a:ext uri="{FF2B5EF4-FFF2-40B4-BE49-F238E27FC236}">
-                <a16:creationId xmlns:a16="http://schemas.microsoft.com/office/drawing/2014/main" id="{6EA19575-D5A6-4020-3DE7-54C7DF2FB224}"/>
-              </a:ext>
-            </a:extLst>
-          </p:cNvPr>
-          <p:cNvSpPr txBox="1"/>
-          <p:nvPr/>
-        </p:nvSpPr>
-        <p:spPr>
-          <a:xfrm>
-            <a:off x="2563947" y="2053798"/>
-            <a:ext cx="2267484" cy="461665"/>
-          </a:xfrm>
-          <a:prstGeom prst="rect">
-            <a:avLst/>
-          </a:prstGeom>
-          <a:noFill/>
-        </p:spPr>
-        <p:txBody>
-          <a:bodyPr wrap="square">
-            <a:spAutoFit/>
-          </a:bodyPr>
-          <a:lstStyle/>
-          <a:p>
-            <a:r>
-              <a:rPr lang="en-US" altLang="ko-KR" sz="2400" b="1" dirty="0">
-                <a:solidFill>
-                  <a:srgbClr val="19633E">
-                    <a:alpha val="50000"/>
-                  </a:srgbClr>
-                </a:solidFill>
-                <a:latin typeface="휴먼둥근헤드라인" panose="02030504000101010101" pitchFamily="18" charset="-127"/>
-                <a:ea typeface="휴먼둥근헤드라인" panose="02030504000101010101" pitchFamily="18" charset="-127"/>
-                <a:cs typeface="Malgun Gothic Semilight" panose="020B0502040204020203" pitchFamily="50" charset="-127"/>
-              </a:rPr>
-              <a:t>!</a:t>
-            </a:r>
-            <a:r>
-              <a:rPr lang="ko-KR" altLang="en-US" sz="2400" b="1" dirty="0">
-                <a:solidFill>
-                  <a:srgbClr val="19633E">
-                    <a:alpha val="50000"/>
-                  </a:srgbClr>
-                </a:solidFill>
-                <a:latin typeface="휴먼둥근헤드라인" panose="02030504000101010101" pitchFamily="18" charset="-127"/>
-                <a:ea typeface="휴먼둥근헤드라인" panose="02030504000101010101" pitchFamily="18" charset="-127"/>
-                <a:cs typeface="Malgun Gothic Semilight" panose="020B0502040204020203" pitchFamily="50" charset="-127"/>
-              </a:rPr>
-              <a:t>등락 </a:t>
-            </a:r>
-            <a:r>
-              <a:rPr lang="ko-KR" altLang="en-US" sz="2400" b="1" dirty="0" err="1">
-                <a:solidFill>
-                  <a:srgbClr val="19633E">
-                    <a:alpha val="50000"/>
-                  </a:srgbClr>
-                </a:solidFill>
-                <a:latin typeface="휴먼둥근헤드라인" panose="02030504000101010101" pitchFamily="18" charset="-127"/>
-                <a:ea typeface="휴먼둥근헤드라인" panose="02030504000101010101" pitchFamily="18" charset="-127"/>
-                <a:cs typeface="Malgun Gothic Semilight" panose="020B0502040204020203" pitchFamily="50" charset="-127"/>
-              </a:rPr>
-              <a:t>금성경</a:t>
-            </a:r>
-            <a:endParaRPr lang="en-US" altLang="ko-KR" sz="2400" b="1" dirty="0">
-              <a:solidFill>
-                <a:srgbClr val="19633E">
-                  <a:alpha val="50000"/>
-                </a:srgbClr>
-              </a:solidFill>
-              <a:latin typeface="휴먼둥근헤드라인" panose="02030504000101010101" pitchFamily="18" charset="-127"/>
-              <a:ea typeface="휴먼둥근헤드라인" panose="02030504000101010101" pitchFamily="18" charset="-127"/>
-              <a:cs typeface="Malgun Gothic Semilight" panose="020B0502040204020203" pitchFamily="50" charset="-127"/>
-            </a:endParaRPr>
-          </a:p>
-        </p:txBody>
-      </p:sp>
-      <p:cxnSp>
-        <p:nvCxnSpPr>
-          <p:cNvPr id="15" name="직선 연결선 14">
-            <a:extLst>
-              <a:ext uri="{FF2B5EF4-FFF2-40B4-BE49-F238E27FC236}">
-                <a16:creationId xmlns:a16="http://schemas.microsoft.com/office/drawing/2014/main" id="{EFBE65B4-7DC4-981F-78C4-AB1E821A1DAE}"/>
-              </a:ext>
-            </a:extLst>
-          </p:cNvPr>
-          <p:cNvCxnSpPr>
-            <a:cxnSpLocks/>
-          </p:cNvCxnSpPr>
-          <p:nvPr/>
-        </p:nvCxnSpPr>
-        <p:spPr>
-          <a:xfrm>
-            <a:off x="2652848" y="2528163"/>
-            <a:ext cx="1779815" cy="0"/>
-          </a:xfrm>
-          <a:prstGeom prst="line">
-            <a:avLst/>
-          </a:prstGeom>
-          <a:ln w="57150">
-            <a:solidFill>
-              <a:srgbClr val="1D5F3C">
-                <a:alpha val="50000"/>
-              </a:srgbClr>
-            </a:solidFill>
-          </a:ln>
-        </p:spPr>
-        <p:style>
-          <a:lnRef idx="1">
-            <a:schemeClr val="accent1"/>
-          </a:lnRef>
-          <a:fillRef idx="0">
-            <a:schemeClr val="accent1"/>
-          </a:fillRef>
-          <a:effectRef idx="0">
-            <a:schemeClr val="accent1"/>
-          </a:effectRef>
-          <a:fontRef idx="minor">
-            <a:schemeClr val="tx1"/>
-          </a:fontRef>
-        </p:style>
-      </p:cxnSp>
-      <p:sp>
-        <p:nvSpPr>
-          <p:cNvPr id="16" name="TextBox 15">
-            <a:extLst>
-              <a:ext uri="{FF2B5EF4-FFF2-40B4-BE49-F238E27FC236}">
-                <a16:creationId xmlns:a16="http://schemas.microsoft.com/office/drawing/2014/main" id="{A3A65ED0-F529-45C3-B1AB-59583A6F3B49}"/>
-              </a:ext>
-            </a:extLst>
-          </p:cNvPr>
-          <p:cNvSpPr txBox="1"/>
-          <p:nvPr/>
-        </p:nvSpPr>
-        <p:spPr>
-          <a:xfrm>
-            <a:off x="2318112" y="2562560"/>
-            <a:ext cx="2449286" cy="369332"/>
-          </a:xfrm>
-          <a:prstGeom prst="rect">
-            <a:avLst/>
-          </a:prstGeom>
-          <a:noFill/>
-        </p:spPr>
-        <p:txBody>
-          <a:bodyPr wrap="square">
-            <a:spAutoFit/>
-          </a:bodyPr>
-          <a:lstStyle/>
-          <a:p>
-            <a:pPr algn="ctr"/>
-            <a:r>
-              <a:rPr lang="en-US" altLang="ko-KR" dirty="0">
-                <a:solidFill>
-                  <a:srgbClr val="19633E">
-                    <a:alpha val="50000"/>
-                  </a:srgbClr>
-                </a:solidFill>
-                <a:latin typeface="HY견고딕" panose="02030600000101010101" pitchFamily="18" charset="-127"/>
-                <a:ea typeface="HY견고딕" panose="02030600000101010101" pitchFamily="18" charset="-127"/>
-                <a:cs typeface="Malgun Gothic Semilight" panose="020B0502040204020203" pitchFamily="50" charset="-127"/>
-              </a:rPr>
-              <a:t>(</a:t>
-            </a:r>
-            <a:r>
-              <a:rPr lang="ko-KR" altLang="en-US" dirty="0">
-                <a:solidFill>
-                  <a:srgbClr val="19633E">
-                    <a:alpha val="50000"/>
-                  </a:srgbClr>
-                </a:solidFill>
-                <a:latin typeface="HY견고딕" panose="02030600000101010101" pitchFamily="18" charset="-127"/>
-                <a:ea typeface="HY견고딕" panose="02030600000101010101" pitchFamily="18" charset="-127"/>
-                <a:cs typeface="Malgun Gothic Semilight" panose="020B0502040204020203" pitchFamily="50" charset="-127"/>
-              </a:rPr>
-              <a:t>시청자 닉네임</a:t>
-            </a:r>
-            <a:r>
-              <a:rPr lang="en-US" altLang="ko-KR" dirty="0">
-                <a:solidFill>
-                  <a:srgbClr val="19633E">
-                    <a:alpha val="50000"/>
-                  </a:srgbClr>
-                </a:solidFill>
-                <a:latin typeface="HY견고딕" panose="02030600000101010101" pitchFamily="18" charset="-127"/>
-                <a:ea typeface="HY견고딕" panose="02030600000101010101" pitchFamily="18" charset="-127"/>
-                <a:cs typeface="Malgun Gothic Semilight" panose="020B0502040204020203" pitchFamily="50" charset="-127"/>
-              </a:rPr>
-              <a:t>)</a:t>
-            </a:r>
-            <a:endParaRPr lang="ko-KR" altLang="en-US" dirty="0">
-              <a:latin typeface="HY견고딕" panose="02030600000101010101" pitchFamily="18" charset="-127"/>
-              <a:ea typeface="HY견고딕" panose="02030600000101010101" pitchFamily="18" charset="-127"/>
-            </a:endParaRPr>
-          </a:p>
-        </p:txBody>
-      </p:sp>
     </p:spTree>
     <p:extLst>
       <p:ext uri="{BB962C8B-B14F-4D97-AF65-F5344CB8AC3E}">
@@ -22002,7 +21361,7 @@
               <a:t>!</a:t>
             </a:r>
             <a:r>
-              <a:rPr lang="ko-KR" altLang="en-US" sz="9600" b="1" dirty="0" err="1">
+              <a:rPr lang="ko-KR" altLang="en-US" sz="9600" b="1" dirty="0">
                 <a:solidFill>
                   <a:srgbClr val="19633E">
                     <a:alpha val="50000"/>
@@ -22012,18 +21371,8 @@
                 <a:ea typeface="HY견고딕" panose="02030600000101010101" pitchFamily="18" charset="-127"/>
                 <a:cs typeface="Malgun Gothic Semilight" panose="020B0502040204020203" pitchFamily="50" charset="-127"/>
               </a:rPr>
-              <a:t>베팅정보</a:t>
-            </a:r>
-            <a:endParaRPr lang="ko-KR" altLang="en-US" sz="9600" b="1" dirty="0">
-              <a:solidFill>
-                <a:srgbClr val="19633E">
-                  <a:alpha val="50000"/>
-                </a:srgbClr>
-              </a:solidFill>
-              <a:latin typeface="HY견고딕" panose="02030600000101010101" pitchFamily="18" charset="-127"/>
-              <a:ea typeface="HY견고딕" panose="02030600000101010101" pitchFamily="18" charset="-127"/>
-              <a:cs typeface="Malgun Gothic Semilight" panose="020B0502040204020203" pitchFamily="50" charset="-127"/>
-            </a:endParaRPr>
+              <a:t>응원정보</a:t>
+            </a:r>
           </a:p>
         </p:txBody>
       </p:sp>
@@ -22056,7 +21405,7 @@
           <a:lstStyle/>
           <a:p>
             <a:r>
-              <a:rPr lang="en-US" altLang="ko-KR" sz="2400" b="1">
+              <a:rPr lang="en-US" altLang="ko-KR" sz="2400" b="1" dirty="0">
                 <a:solidFill>
                   <a:srgbClr val="19633E">
                     <a:alpha val="50000"/>
@@ -22069,7 +21418,7 @@
               <a:t>!</a:t>
             </a:r>
             <a:r>
-              <a:rPr lang="ko-KR" altLang="en-US" sz="2400" b="1" dirty="0" err="1">
+              <a:rPr lang="ko-KR" altLang="en-US" sz="2400" b="1" dirty="0">
                 <a:solidFill>
                   <a:srgbClr val="19633E">
                     <a:alpha val="50000"/>
@@ -22079,7 +21428,7 @@
                 <a:ea typeface="휴먼둥근헤드라인" panose="02030504000101010101" pitchFamily="18" charset="-127"/>
                 <a:cs typeface="Malgun Gothic Semilight" panose="020B0502040204020203" pitchFamily="50" charset="-127"/>
               </a:rPr>
-              <a:t>베팅정보</a:t>
+              <a:t>응원정보</a:t>
             </a:r>
             <a:endParaRPr lang="en-US" altLang="ko-KR" sz="2400" b="1" dirty="0">
               <a:solidFill>
@@ -22284,225 +21633,12 @@
           </a:p>
         </p:txBody>
       </p:sp>
-      <p:sp>
-        <p:nvSpPr>
-          <p:cNvPr id="10" name="TextBox 9">
-            <a:extLst>
-              <a:ext uri="{FF2B5EF4-FFF2-40B4-BE49-F238E27FC236}">
-                <a16:creationId xmlns:a16="http://schemas.microsoft.com/office/drawing/2014/main" id="{07A529A0-338D-2453-CF9A-9437AD0B4C86}"/>
-              </a:ext>
-            </a:extLst>
-          </p:cNvPr>
-          <p:cNvSpPr txBox="1"/>
-          <p:nvPr/>
-        </p:nvSpPr>
-        <p:spPr>
-          <a:xfrm>
-            <a:off x="2563946" y="2053798"/>
-            <a:ext cx="2556693" cy="461665"/>
-          </a:xfrm>
-          <a:prstGeom prst="rect">
-            <a:avLst/>
-          </a:prstGeom>
-          <a:noFill/>
-        </p:spPr>
-        <p:txBody>
-          <a:bodyPr wrap="square">
-            <a:spAutoFit/>
-          </a:bodyPr>
-          <a:lstStyle/>
-          <a:p>
-            <a:r>
-              <a:rPr lang="en-US" altLang="ko-KR" sz="2400" b="1">
-                <a:solidFill>
-                  <a:srgbClr val="19633E">
-                    <a:alpha val="50000"/>
-                  </a:srgbClr>
-                </a:solidFill>
-                <a:latin typeface="휴먼둥근헤드라인" panose="02030504000101010101" pitchFamily="18" charset="-127"/>
-                <a:ea typeface="휴먼둥근헤드라인" panose="02030504000101010101" pitchFamily="18" charset="-127"/>
-                <a:cs typeface="Malgun Gothic Semilight" panose="020B0502040204020203" pitchFamily="50" charset="-127"/>
-              </a:rPr>
-              <a:t>!</a:t>
-            </a:r>
-            <a:r>
-              <a:rPr lang="ko-KR" altLang="en-US" sz="2400" b="1" dirty="0" err="1">
-                <a:solidFill>
-                  <a:srgbClr val="19633E">
-                    <a:alpha val="50000"/>
-                  </a:srgbClr>
-                </a:solidFill>
-                <a:latin typeface="휴먼둥근헤드라인" panose="02030504000101010101" pitchFamily="18" charset="-127"/>
-                <a:ea typeface="휴먼둥근헤드라인" panose="02030504000101010101" pitchFamily="18" charset="-127"/>
-                <a:cs typeface="Malgun Gothic Semilight" panose="020B0502040204020203" pitchFamily="50" charset="-127"/>
-              </a:rPr>
-              <a:t>베팅정보</a:t>
-            </a:r>
-            <a:r>
-              <a:rPr lang="ko-KR" altLang="en-US" sz="2400" b="1" dirty="0">
-                <a:solidFill>
-                  <a:srgbClr val="19633E">
-                    <a:alpha val="50000"/>
-                  </a:srgbClr>
-                </a:solidFill>
-                <a:latin typeface="휴먼둥근헤드라인" panose="02030504000101010101" pitchFamily="18" charset="-127"/>
-                <a:ea typeface="휴먼둥근헤드라인" panose="02030504000101010101" pitchFamily="18" charset="-127"/>
-                <a:cs typeface="Malgun Gothic Semilight" panose="020B0502040204020203" pitchFamily="50" charset="-127"/>
-              </a:rPr>
-              <a:t> </a:t>
-            </a:r>
-            <a:r>
-              <a:rPr lang="ko-KR" altLang="en-US" sz="2400" b="1" dirty="0" err="1">
-                <a:solidFill>
-                  <a:srgbClr val="19633E">
-                    <a:alpha val="50000"/>
-                  </a:srgbClr>
-                </a:solidFill>
-                <a:latin typeface="휴먼둥근헤드라인" panose="02030504000101010101" pitchFamily="18" charset="-127"/>
-                <a:ea typeface="휴먼둥근헤드라인" panose="02030504000101010101" pitchFamily="18" charset="-127"/>
-                <a:cs typeface="Malgun Gothic Semilight" panose="020B0502040204020203" pitchFamily="50" charset="-127"/>
-              </a:rPr>
-              <a:t>금성경</a:t>
-            </a:r>
-            <a:endParaRPr lang="en-US" altLang="ko-KR" sz="2400" b="1" dirty="0">
-              <a:solidFill>
-                <a:srgbClr val="19633E">
-                  <a:alpha val="50000"/>
-                </a:srgbClr>
-              </a:solidFill>
-              <a:latin typeface="휴먼둥근헤드라인" panose="02030504000101010101" pitchFamily="18" charset="-127"/>
-              <a:ea typeface="휴먼둥근헤드라인" panose="02030504000101010101" pitchFamily="18" charset="-127"/>
-              <a:cs typeface="Malgun Gothic Semilight" panose="020B0502040204020203" pitchFamily="50" charset="-127"/>
-            </a:endParaRPr>
-          </a:p>
-        </p:txBody>
-      </p:sp>
-      <p:cxnSp>
-        <p:nvCxnSpPr>
-          <p:cNvPr id="11" name="직선 연결선 10">
-            <a:extLst>
-              <a:ext uri="{FF2B5EF4-FFF2-40B4-BE49-F238E27FC236}">
-                <a16:creationId xmlns:a16="http://schemas.microsoft.com/office/drawing/2014/main" id="{E654D74A-E151-16A5-B710-10158C49D731}"/>
-              </a:ext>
-            </a:extLst>
-          </p:cNvPr>
-          <p:cNvCxnSpPr>
-            <a:cxnSpLocks/>
-          </p:cNvCxnSpPr>
-          <p:nvPr/>
-        </p:nvCxnSpPr>
-        <p:spPr>
-          <a:xfrm>
-            <a:off x="2652848" y="2528163"/>
-            <a:ext cx="2136322" cy="0"/>
-          </a:xfrm>
-          <a:prstGeom prst="line">
-            <a:avLst/>
-          </a:prstGeom>
-          <a:ln w="57150">
-            <a:solidFill>
-              <a:srgbClr val="1D5F3C">
-                <a:alpha val="50000"/>
-              </a:srgbClr>
-            </a:solidFill>
-          </a:ln>
-        </p:spPr>
-        <p:style>
-          <a:lnRef idx="1">
-            <a:schemeClr val="accent1"/>
-          </a:lnRef>
-          <a:fillRef idx="0">
-            <a:schemeClr val="accent1"/>
-          </a:fillRef>
-          <a:effectRef idx="0">
-            <a:schemeClr val="accent1"/>
-          </a:effectRef>
-          <a:fontRef idx="minor">
-            <a:schemeClr val="tx1"/>
-          </a:fontRef>
-        </p:style>
-      </p:cxnSp>
-      <p:sp>
-        <p:nvSpPr>
-          <p:cNvPr id="12" name="TextBox 11">
-            <a:extLst>
-              <a:ext uri="{FF2B5EF4-FFF2-40B4-BE49-F238E27FC236}">
-                <a16:creationId xmlns:a16="http://schemas.microsoft.com/office/drawing/2014/main" id="{3E309AB3-B3F6-751C-B1A5-70825709BC67}"/>
-              </a:ext>
-            </a:extLst>
-          </p:cNvPr>
-          <p:cNvSpPr txBox="1"/>
-          <p:nvPr/>
-        </p:nvSpPr>
-        <p:spPr>
-          <a:xfrm>
-            <a:off x="2617649" y="2562560"/>
-            <a:ext cx="2449286" cy="369332"/>
-          </a:xfrm>
-          <a:prstGeom prst="rect">
-            <a:avLst/>
-          </a:prstGeom>
-          <a:noFill/>
-        </p:spPr>
-        <p:txBody>
-          <a:bodyPr wrap="square">
-            <a:spAutoFit/>
-          </a:bodyPr>
-          <a:lstStyle/>
-          <a:p>
-            <a:pPr algn="ctr"/>
-            <a:r>
-              <a:rPr lang="en-US" altLang="ko-KR" dirty="0">
-                <a:solidFill>
-                  <a:srgbClr val="19633E">
-                    <a:alpha val="50000"/>
-                  </a:srgbClr>
-                </a:solidFill>
-                <a:latin typeface="HY견고딕" panose="02030600000101010101" pitchFamily="18" charset="-127"/>
-                <a:ea typeface="HY견고딕" panose="02030600000101010101" pitchFamily="18" charset="-127"/>
-                <a:cs typeface="Malgun Gothic Semilight" panose="020B0502040204020203" pitchFamily="50" charset="-127"/>
-              </a:rPr>
-              <a:t>(</a:t>
-            </a:r>
-            <a:r>
-              <a:rPr lang="ko-KR" altLang="en-US" dirty="0">
-                <a:solidFill>
-                  <a:srgbClr val="19633E">
-                    <a:alpha val="50000"/>
-                  </a:srgbClr>
-                </a:solidFill>
-                <a:latin typeface="HY견고딕" panose="02030600000101010101" pitchFamily="18" charset="-127"/>
-                <a:ea typeface="HY견고딕" panose="02030600000101010101" pitchFamily="18" charset="-127"/>
-                <a:cs typeface="Malgun Gothic Semilight" panose="020B0502040204020203" pitchFamily="50" charset="-127"/>
-              </a:rPr>
-              <a:t>시청자 닉네임</a:t>
-            </a:r>
-            <a:r>
-              <a:rPr lang="en-US" altLang="ko-KR" dirty="0">
-                <a:solidFill>
-                  <a:srgbClr val="19633E">
-                    <a:alpha val="50000"/>
-                  </a:srgbClr>
-                </a:solidFill>
-                <a:latin typeface="HY견고딕" panose="02030600000101010101" pitchFamily="18" charset="-127"/>
-                <a:ea typeface="HY견고딕" panose="02030600000101010101" pitchFamily="18" charset="-127"/>
-                <a:cs typeface="Malgun Gothic Semilight" panose="020B0502040204020203" pitchFamily="50" charset="-127"/>
-              </a:rPr>
-              <a:t>)</a:t>
-            </a:r>
-            <a:endParaRPr lang="ko-KR" altLang="en-US" dirty="0">
-              <a:latin typeface="HY견고딕" panose="02030600000101010101" pitchFamily="18" charset="-127"/>
-              <a:ea typeface="HY견고딕" panose="02030600000101010101" pitchFamily="18" charset="-127"/>
-            </a:endParaRPr>
-          </a:p>
-        </p:txBody>
-      </p:sp>
       <p:pic>
         <p:nvPicPr>
-          <p:cNvPr id="9" name="그림 8">
-            <a:extLst>
-              <a:ext uri="{FF2B5EF4-FFF2-40B4-BE49-F238E27FC236}">
-                <a16:creationId xmlns:a16="http://schemas.microsoft.com/office/drawing/2014/main" id="{EF21557B-A584-17A2-C081-BDBDB4656B9A}"/>
+          <p:cNvPr id="6" name="그림 5">
+            <a:extLst>
+              <a:ext uri="{FF2B5EF4-FFF2-40B4-BE49-F238E27FC236}">
+                <a16:creationId xmlns:a16="http://schemas.microsoft.com/office/drawing/2014/main" id="{17F45041-A8C0-A131-7446-2140D6BA567A}"/>
               </a:ext>
             </a:extLst>
           </p:cNvPr>
@@ -22519,8 +21655,8 @@
         </p:blipFill>
         <p:spPr>
           <a:xfrm>
-            <a:off x="6762391" y="4297077"/>
-            <a:ext cx="3115110" cy="1181265"/>
+            <a:off x="6624259" y="4282788"/>
+            <a:ext cx="3391373" cy="1209844"/>
           </a:xfrm>
           <a:prstGeom prst="rect">
             <a:avLst/>
@@ -22664,7 +21800,7 @@
         <p:spPr>
           <a:xfrm>
             <a:off x="2703286" y="3397631"/>
-            <a:ext cx="8971284" cy="923330"/>
+            <a:ext cx="8971284" cy="369332"/>
           </a:xfrm>
           <a:prstGeom prst="rect">
             <a:avLst/>
@@ -22713,7 +21849,7 @@
                 <a:ea typeface="맑은 고딕" panose="020B0503020000020004" pitchFamily="50" charset="-127"/>
                 <a:cs typeface="Malgun Gothic Semilight" panose="020B0502040204020203" pitchFamily="50" charset="-127"/>
               </a:rPr>
-              <a:t>베팅하고 있는 선수와 베팅한 포인트</a:t>
+              <a:t>응원하고 있는 선수와 응원한 포인트</a:t>
             </a:r>
             <a:r>
               <a:rPr lang="ko-KR" altLang="en-US" dirty="0">
@@ -22739,86 +21875,14 @@
               <a:cs typeface="Malgun Gothic Semilight" panose="020B0502040204020203" pitchFamily="50" charset="-127"/>
             </a:endParaRPr>
           </a:p>
-          <a:p>
-            <a:endParaRPr lang="en-US" altLang="ko-KR" dirty="0">
-              <a:solidFill>
-                <a:srgbClr val="19633E">
-                  <a:alpha val="50000"/>
-                </a:srgbClr>
-              </a:solidFill>
-              <a:latin typeface="맑은 고딕" panose="020B0503020000020004" pitchFamily="50" charset="-127"/>
-              <a:ea typeface="맑은 고딕" panose="020B0503020000020004" pitchFamily="50" charset="-127"/>
-              <a:cs typeface="Malgun Gothic Semilight" panose="020B0502040204020203" pitchFamily="50" charset="-127"/>
-            </a:endParaRPr>
-          </a:p>
-          <a:p>
-            <a:r>
-              <a:rPr lang="ko-KR" altLang="en-US" dirty="0">
-                <a:solidFill>
-                  <a:srgbClr val="19643D"/>
-                </a:solidFill>
-                <a:latin typeface="맑은 고딕" panose="020B0503020000020004" pitchFamily="50" charset="-127"/>
-                <a:ea typeface="맑은 고딕" panose="020B0503020000020004" pitchFamily="50" charset="-127"/>
-                <a:cs typeface="Malgun Gothic Semilight" panose="020B0502040204020203" pitchFamily="50" charset="-127"/>
-              </a:rPr>
-              <a:t>✔</a:t>
-            </a:r>
-            <a:r>
-              <a:rPr lang="ko-KR" altLang="en-US" dirty="0">
-                <a:solidFill>
-                  <a:srgbClr val="19633E">
-                    <a:alpha val="50000"/>
-                  </a:srgbClr>
-                </a:solidFill>
-                <a:latin typeface="맑은 고딕" panose="020B0503020000020004" pitchFamily="50" charset="-127"/>
-                <a:ea typeface="맑은 고딕" panose="020B0503020000020004" pitchFamily="50" charset="-127"/>
-                <a:cs typeface="Malgun Gothic Semilight" panose="020B0502040204020203" pitchFamily="50" charset="-127"/>
-              </a:rPr>
-              <a:t> 따로 닉네임을 입력하지 않으면 </a:t>
-            </a:r>
-            <a:r>
-              <a:rPr lang="ko-KR" altLang="en-US" dirty="0">
-                <a:solidFill>
-                  <a:srgbClr val="19633E"/>
-                </a:solidFill>
-                <a:latin typeface="맑은 고딕" panose="020B0503020000020004" pitchFamily="50" charset="-127"/>
-                <a:ea typeface="맑은 고딕" panose="020B0503020000020004" pitchFamily="50" charset="-127"/>
-                <a:cs typeface="Malgun Gothic Semilight" panose="020B0502040204020203" pitchFamily="50" charset="-127"/>
-              </a:rPr>
-              <a:t>자신의 베팅 정보</a:t>
-            </a:r>
-            <a:r>
-              <a:rPr lang="ko-KR" altLang="en-US" dirty="0">
-                <a:solidFill>
-                  <a:srgbClr val="19633E">
-                    <a:alpha val="50000"/>
-                  </a:srgbClr>
-                </a:solidFill>
-                <a:latin typeface="맑은 고딕" panose="020B0503020000020004" pitchFamily="50" charset="-127"/>
-                <a:ea typeface="맑은 고딕" panose="020B0503020000020004" pitchFamily="50" charset="-127"/>
-                <a:cs typeface="Malgun Gothic Semilight" panose="020B0502040204020203" pitchFamily="50" charset="-127"/>
-              </a:rPr>
-              <a:t>를 알려드려요</a:t>
-            </a:r>
-            <a:endParaRPr lang="en-US" altLang="ko-KR" dirty="0">
-              <a:solidFill>
-                <a:srgbClr val="19633E">
-                  <a:alpha val="50000"/>
-                </a:srgbClr>
-              </a:solidFill>
-              <a:latin typeface="맑은 고딕" panose="020B0503020000020004" pitchFamily="50" charset="-127"/>
-              <a:ea typeface="맑은 고딕" panose="020B0503020000020004" pitchFamily="50" charset="-127"/>
-              <a:cs typeface="Malgun Gothic Semilight" panose="020B0502040204020203" pitchFamily="50" charset="-127"/>
-            </a:endParaRPr>
-          </a:p>
         </p:txBody>
       </p:sp>
       <p:sp>
         <p:nvSpPr>
-          <p:cNvPr id="7" name="TextBox 6">
-            <a:extLst>
-              <a:ext uri="{FF2B5EF4-FFF2-40B4-BE49-F238E27FC236}">
-                <a16:creationId xmlns:a16="http://schemas.microsoft.com/office/drawing/2014/main" id="{A427FA4B-3E84-B884-C01F-6F2EBCABD884}"/>
+          <p:cNvPr id="2" name="TextBox 1">
+            <a:extLst>
+              <a:ext uri="{FF2B5EF4-FFF2-40B4-BE49-F238E27FC236}">
+                <a16:creationId xmlns:a16="http://schemas.microsoft.com/office/drawing/2014/main" id="{76DF71D1-F8B7-EF50-C535-35353D5C33AA}"/>
               </a:ext>
             </a:extLst>
           </p:cNvPr>
@@ -22855,7 +21919,7 @@
               <a:t>!</a:t>
             </a:r>
             <a:r>
-              <a:rPr lang="ko-KR" altLang="en-US" sz="9600" b="1" dirty="0" err="1">
+              <a:rPr lang="ko-KR" altLang="en-US" sz="9600" b="1" dirty="0">
                 <a:solidFill>
                   <a:srgbClr val="19633E">
                     <a:alpha val="50000"/>
@@ -22865,27 +21929,17 @@
                 <a:ea typeface="HY견고딕" panose="02030600000101010101" pitchFamily="18" charset="-127"/>
                 <a:cs typeface="Malgun Gothic Semilight" panose="020B0502040204020203" pitchFamily="50" charset="-127"/>
               </a:rPr>
-              <a:t>베팅정보</a:t>
-            </a:r>
-            <a:endParaRPr lang="ko-KR" altLang="en-US" sz="9600" b="1" dirty="0">
-              <a:solidFill>
-                <a:srgbClr val="19633E">
-                  <a:alpha val="50000"/>
-                </a:srgbClr>
-              </a:solidFill>
-              <a:latin typeface="HY견고딕" panose="02030600000101010101" pitchFamily="18" charset="-127"/>
-              <a:ea typeface="HY견고딕" panose="02030600000101010101" pitchFamily="18" charset="-127"/>
-              <a:cs typeface="Malgun Gothic Semilight" panose="020B0502040204020203" pitchFamily="50" charset="-127"/>
-            </a:endParaRPr>
+              <a:t>응원정보</a:t>
+            </a:r>
           </a:p>
         </p:txBody>
       </p:sp>
       <p:sp>
         <p:nvSpPr>
-          <p:cNvPr id="8" name="TextBox 7">
-            <a:extLst>
-              <a:ext uri="{FF2B5EF4-FFF2-40B4-BE49-F238E27FC236}">
-                <a16:creationId xmlns:a16="http://schemas.microsoft.com/office/drawing/2014/main" id="{DA500BE8-52E4-0DD3-6A71-0C13E92FEE9C}"/>
+          <p:cNvPr id="5" name="TextBox 4">
+            <a:extLst>
+              <a:ext uri="{FF2B5EF4-FFF2-40B4-BE49-F238E27FC236}">
+                <a16:creationId xmlns:a16="http://schemas.microsoft.com/office/drawing/2014/main" id="{9D31A847-A3FD-B8E2-20C0-EB08C2080AD9}"/>
               </a:ext>
             </a:extLst>
           </p:cNvPr>
@@ -22909,7 +21963,7 @@
           <a:lstStyle/>
           <a:p>
             <a:r>
-              <a:rPr lang="en-US" altLang="ko-KR" sz="2400" b="1">
+              <a:rPr lang="en-US" altLang="ko-KR" sz="2400" b="1" dirty="0">
                 <a:solidFill>
                   <a:srgbClr val="19633E">
                     <a:alpha val="50000"/>
@@ -22922,7 +21976,7 @@
               <a:t>!</a:t>
             </a:r>
             <a:r>
-              <a:rPr lang="ko-KR" altLang="en-US" sz="2400" b="1" dirty="0" err="1">
+              <a:rPr lang="ko-KR" altLang="en-US" sz="2400" b="1" dirty="0">
                 <a:solidFill>
                   <a:srgbClr val="19633E">
                     <a:alpha val="50000"/>
@@ -22932,7 +21986,7 @@
                 <a:ea typeface="휴먼둥근헤드라인" panose="02030504000101010101" pitchFamily="18" charset="-127"/>
                 <a:cs typeface="Malgun Gothic Semilight" panose="020B0502040204020203" pitchFamily="50" charset="-127"/>
               </a:rPr>
-              <a:t>베팅정보</a:t>
+              <a:t>응원정보</a:t>
             </a:r>
             <a:endParaRPr lang="en-US" altLang="ko-KR" sz="2400" b="1" dirty="0">
               <a:solidFill>
@@ -22949,10 +22003,10 @@
       </p:sp>
       <p:cxnSp>
         <p:nvCxnSpPr>
-          <p:cNvPr id="9" name="직선 연결선 8">
-            <a:extLst>
-              <a:ext uri="{FF2B5EF4-FFF2-40B4-BE49-F238E27FC236}">
-                <a16:creationId xmlns:a16="http://schemas.microsoft.com/office/drawing/2014/main" id="{06B4D0CC-00DA-B39E-CE3D-7389E63F9D8E}"/>
+          <p:cNvPr id="6" name="직선 연결선 5">
+            <a:extLst>
+              <a:ext uri="{FF2B5EF4-FFF2-40B4-BE49-F238E27FC236}">
+                <a16:creationId xmlns:a16="http://schemas.microsoft.com/office/drawing/2014/main" id="{286F4E27-E926-54BC-5E5A-A36E4CFD0AC3}"/>
               </a:ext>
             </a:extLst>
           </p:cNvPr>
@@ -22992,219 +22046,6 @@
           </a:fontRef>
         </p:style>
       </p:cxnSp>
-      <p:sp>
-        <p:nvSpPr>
-          <p:cNvPr id="14" name="TextBox 13">
-            <a:extLst>
-              <a:ext uri="{FF2B5EF4-FFF2-40B4-BE49-F238E27FC236}">
-                <a16:creationId xmlns:a16="http://schemas.microsoft.com/office/drawing/2014/main" id="{58BDBE74-1310-7E88-633F-ADC3598975D9}"/>
-              </a:ext>
-            </a:extLst>
-          </p:cNvPr>
-          <p:cNvSpPr txBox="1"/>
-          <p:nvPr/>
-        </p:nvSpPr>
-        <p:spPr>
-          <a:xfrm>
-            <a:off x="2563946" y="2053798"/>
-            <a:ext cx="2556693" cy="461665"/>
-          </a:xfrm>
-          <a:prstGeom prst="rect">
-            <a:avLst/>
-          </a:prstGeom>
-          <a:noFill/>
-        </p:spPr>
-        <p:txBody>
-          <a:bodyPr wrap="square">
-            <a:spAutoFit/>
-          </a:bodyPr>
-          <a:lstStyle/>
-          <a:p>
-            <a:r>
-              <a:rPr lang="en-US" altLang="ko-KR" sz="2400" b="1">
-                <a:solidFill>
-                  <a:srgbClr val="19633E">
-                    <a:alpha val="50000"/>
-                  </a:srgbClr>
-                </a:solidFill>
-                <a:latin typeface="휴먼둥근헤드라인" panose="02030504000101010101" pitchFamily="18" charset="-127"/>
-                <a:ea typeface="휴먼둥근헤드라인" panose="02030504000101010101" pitchFamily="18" charset="-127"/>
-                <a:cs typeface="Malgun Gothic Semilight" panose="020B0502040204020203" pitchFamily="50" charset="-127"/>
-              </a:rPr>
-              <a:t>!</a:t>
-            </a:r>
-            <a:r>
-              <a:rPr lang="ko-KR" altLang="en-US" sz="2400" b="1" dirty="0" err="1">
-                <a:solidFill>
-                  <a:srgbClr val="19633E">
-                    <a:alpha val="50000"/>
-                  </a:srgbClr>
-                </a:solidFill>
-                <a:latin typeface="휴먼둥근헤드라인" panose="02030504000101010101" pitchFamily="18" charset="-127"/>
-                <a:ea typeface="휴먼둥근헤드라인" panose="02030504000101010101" pitchFamily="18" charset="-127"/>
-                <a:cs typeface="Malgun Gothic Semilight" panose="020B0502040204020203" pitchFamily="50" charset="-127"/>
-              </a:rPr>
-              <a:t>베팅정보</a:t>
-            </a:r>
-            <a:r>
-              <a:rPr lang="ko-KR" altLang="en-US" sz="2400" b="1" dirty="0">
-                <a:solidFill>
-                  <a:srgbClr val="19633E">
-                    <a:alpha val="50000"/>
-                  </a:srgbClr>
-                </a:solidFill>
-                <a:latin typeface="휴먼둥근헤드라인" panose="02030504000101010101" pitchFamily="18" charset="-127"/>
-                <a:ea typeface="휴먼둥근헤드라인" panose="02030504000101010101" pitchFamily="18" charset="-127"/>
-                <a:cs typeface="Malgun Gothic Semilight" panose="020B0502040204020203" pitchFamily="50" charset="-127"/>
-              </a:rPr>
-              <a:t> </a:t>
-            </a:r>
-            <a:r>
-              <a:rPr lang="ko-KR" altLang="en-US" sz="2400" b="1" dirty="0" err="1">
-                <a:solidFill>
-                  <a:srgbClr val="19633E">
-                    <a:alpha val="50000"/>
-                  </a:srgbClr>
-                </a:solidFill>
-                <a:latin typeface="휴먼둥근헤드라인" panose="02030504000101010101" pitchFamily="18" charset="-127"/>
-                <a:ea typeface="휴먼둥근헤드라인" panose="02030504000101010101" pitchFamily="18" charset="-127"/>
-                <a:cs typeface="Malgun Gothic Semilight" panose="020B0502040204020203" pitchFamily="50" charset="-127"/>
-              </a:rPr>
-              <a:t>금성경</a:t>
-            </a:r>
-            <a:endParaRPr lang="en-US" altLang="ko-KR" sz="2400" b="1" dirty="0">
-              <a:solidFill>
-                <a:srgbClr val="19633E">
-                  <a:alpha val="50000"/>
-                </a:srgbClr>
-              </a:solidFill>
-              <a:latin typeface="휴먼둥근헤드라인" panose="02030504000101010101" pitchFamily="18" charset="-127"/>
-              <a:ea typeface="휴먼둥근헤드라인" panose="02030504000101010101" pitchFamily="18" charset="-127"/>
-              <a:cs typeface="Malgun Gothic Semilight" panose="020B0502040204020203" pitchFamily="50" charset="-127"/>
-            </a:endParaRPr>
-          </a:p>
-        </p:txBody>
-      </p:sp>
-      <p:cxnSp>
-        <p:nvCxnSpPr>
-          <p:cNvPr id="15" name="직선 연결선 14">
-            <a:extLst>
-              <a:ext uri="{FF2B5EF4-FFF2-40B4-BE49-F238E27FC236}">
-                <a16:creationId xmlns:a16="http://schemas.microsoft.com/office/drawing/2014/main" id="{5719E4DF-3300-721E-2BBC-E71EDF5126E6}"/>
-              </a:ext>
-            </a:extLst>
-          </p:cNvPr>
-          <p:cNvCxnSpPr>
-            <a:cxnSpLocks/>
-          </p:cNvCxnSpPr>
-          <p:nvPr/>
-        </p:nvCxnSpPr>
-        <p:spPr>
-          <a:xfrm>
-            <a:off x="2652848" y="2528163"/>
-            <a:ext cx="2136322" cy="0"/>
-          </a:xfrm>
-          <a:prstGeom prst="line">
-            <a:avLst/>
-          </a:prstGeom>
-          <a:ln w="57150">
-            <a:solidFill>
-              <a:srgbClr val="1D5F3C">
-                <a:alpha val="50000"/>
-              </a:srgbClr>
-            </a:solidFill>
-          </a:ln>
-        </p:spPr>
-        <p:style>
-          <a:lnRef idx="1">
-            <a:schemeClr val="accent1"/>
-          </a:lnRef>
-          <a:fillRef idx="0">
-            <a:schemeClr val="accent1"/>
-          </a:fillRef>
-          <a:effectRef idx="0">
-            <a:schemeClr val="accent1"/>
-          </a:effectRef>
-          <a:fontRef idx="minor">
-            <a:schemeClr val="tx1"/>
-          </a:fontRef>
-        </p:style>
-      </p:cxnSp>
-      <p:sp>
-        <p:nvSpPr>
-          <p:cNvPr id="16" name="TextBox 15">
-            <a:extLst>
-              <a:ext uri="{FF2B5EF4-FFF2-40B4-BE49-F238E27FC236}">
-                <a16:creationId xmlns:a16="http://schemas.microsoft.com/office/drawing/2014/main" id="{2468C9F5-0AAE-567C-2E26-6FBF98B2A8BF}"/>
-              </a:ext>
-            </a:extLst>
-          </p:cNvPr>
-          <p:cNvSpPr txBox="1"/>
-          <p:nvPr/>
-        </p:nvSpPr>
-        <p:spPr>
-          <a:xfrm>
-            <a:off x="2617649" y="2562560"/>
-            <a:ext cx="2449286" cy="369332"/>
-          </a:xfrm>
-          <a:prstGeom prst="rect">
-            <a:avLst/>
-          </a:prstGeom>
-          <a:noFill/>
-        </p:spPr>
-        <p:txBody>
-          <a:bodyPr wrap="square">
-            <a:spAutoFit/>
-          </a:bodyPr>
-          <a:lstStyle/>
-          <a:p>
-            <a:pPr algn="ctr"/>
-            <a:r>
-              <a:rPr lang="en-US" altLang="ko-KR" dirty="0">
-                <a:solidFill>
-                  <a:srgbClr val="19633E">
-                    <a:alpha val="50000"/>
-                  </a:srgbClr>
-                </a:solidFill>
-                <a:latin typeface="HY견고딕" panose="02030600000101010101" pitchFamily="18" charset="-127"/>
-                <a:ea typeface="HY견고딕" panose="02030600000101010101" pitchFamily="18" charset="-127"/>
-                <a:cs typeface="Malgun Gothic Semilight" panose="020B0502040204020203" pitchFamily="50" charset="-127"/>
-              </a:rPr>
-              <a:t>(</a:t>
-            </a:r>
-            <a:r>
-              <a:rPr lang="ko-KR" altLang="en-US" dirty="0">
-                <a:solidFill>
-                  <a:srgbClr val="19633E">
-                    <a:alpha val="50000"/>
-                  </a:srgbClr>
-                </a:solidFill>
-                <a:latin typeface="HY견고딕" panose="02030600000101010101" pitchFamily="18" charset="-127"/>
-                <a:ea typeface="HY견고딕" panose="02030600000101010101" pitchFamily="18" charset="-127"/>
-                <a:cs typeface="Malgun Gothic Semilight" panose="020B0502040204020203" pitchFamily="50" charset="-127"/>
-              </a:rPr>
-              <a:t>시청자 닉네임</a:t>
-            </a:r>
-            <a:r>
-              <a:rPr lang="en-US" altLang="ko-KR" dirty="0">
-                <a:solidFill>
-                  <a:srgbClr val="19633E">
-                    <a:alpha val="50000"/>
-                  </a:srgbClr>
-                </a:solidFill>
-                <a:latin typeface="HY견고딕" panose="02030600000101010101" pitchFamily="18" charset="-127"/>
-                <a:ea typeface="HY견고딕" panose="02030600000101010101" pitchFamily="18" charset="-127"/>
-                <a:cs typeface="Malgun Gothic Semilight" panose="020B0502040204020203" pitchFamily="50" charset="-127"/>
-              </a:rPr>
-              <a:t>)</a:t>
-            </a:r>
-            <a:endParaRPr lang="ko-KR" altLang="en-US" dirty="0">
-              <a:latin typeface="HY견고딕" panose="02030600000101010101" pitchFamily="18" charset="-127"/>
-              <a:ea typeface="HY견고딕" panose="02030600000101010101" pitchFamily="18" charset="-127"/>
-            </a:endParaRPr>
-          </a:p>
-        </p:txBody>
-      </p:sp>
     </p:spTree>
     <p:extLst>
       <p:ext uri="{BB962C8B-B14F-4D97-AF65-F5344CB8AC3E}">
@@ -23235,6 +22076,130 @@
           <a:chExt cx="0" cy="0"/>
         </a:xfrm>
       </p:grpSpPr>
+      <p:sp>
+        <p:nvSpPr>
+          <p:cNvPr id="2" name="TextBox 1">
+            <a:extLst>
+              <a:ext uri="{FF2B5EF4-FFF2-40B4-BE49-F238E27FC236}">
+                <a16:creationId xmlns:a16="http://schemas.microsoft.com/office/drawing/2014/main" id="{823EB0DF-9FD8-9564-CAC7-42E386E52D71}"/>
+              </a:ext>
+            </a:extLst>
+          </p:cNvPr>
+          <p:cNvSpPr txBox="1"/>
+          <p:nvPr/>
+        </p:nvSpPr>
+        <p:spPr>
+          <a:xfrm>
+            <a:off x="517430" y="484138"/>
+            <a:ext cx="5522666" cy="1569660"/>
+          </a:xfrm>
+          <a:prstGeom prst="rect">
+            <a:avLst/>
+          </a:prstGeom>
+          <a:noFill/>
+        </p:spPr>
+        <p:txBody>
+          <a:bodyPr wrap="none" rtlCol="0">
+            <a:spAutoFit/>
+          </a:bodyPr>
+          <a:lstStyle/>
+          <a:p>
+            <a:r>
+              <a:rPr lang="en-US" altLang="ko-KR" sz="9600" b="1" dirty="0">
+                <a:solidFill>
+                  <a:srgbClr val="19633E">
+                    <a:alpha val="50000"/>
+                  </a:srgbClr>
+                </a:solidFill>
+                <a:latin typeface="HY견고딕" panose="02030600000101010101" pitchFamily="18" charset="-127"/>
+                <a:ea typeface="HY견고딕" panose="02030600000101010101" pitchFamily="18" charset="-127"/>
+                <a:cs typeface="Malgun Gothic Semilight" panose="020B0502040204020203" pitchFamily="50" charset="-127"/>
+              </a:rPr>
+              <a:t>!</a:t>
+            </a:r>
+            <a:r>
+              <a:rPr lang="ko-KR" altLang="en-US" sz="9600" b="1" dirty="0">
+                <a:solidFill>
+                  <a:srgbClr val="19633E">
+                    <a:alpha val="50000"/>
+                  </a:srgbClr>
+                </a:solidFill>
+                <a:latin typeface="HY견고딕" panose="02030600000101010101" pitchFamily="18" charset="-127"/>
+                <a:ea typeface="HY견고딕" panose="02030600000101010101" pitchFamily="18" charset="-127"/>
+                <a:cs typeface="Malgun Gothic Semilight" panose="020B0502040204020203" pitchFamily="50" charset="-127"/>
+              </a:rPr>
+              <a:t>응원현황</a:t>
+            </a:r>
+          </a:p>
+        </p:txBody>
+      </p:sp>
+      <p:sp>
+        <p:nvSpPr>
+          <p:cNvPr id="7" name="TextBox 6">
+            <a:extLst>
+              <a:ext uri="{FF2B5EF4-FFF2-40B4-BE49-F238E27FC236}">
+                <a16:creationId xmlns:a16="http://schemas.microsoft.com/office/drawing/2014/main" id="{F9C23BC9-0B9E-0A9A-7ABE-EC239DB51B3F}"/>
+              </a:ext>
+            </a:extLst>
+          </p:cNvPr>
+          <p:cNvSpPr txBox="1"/>
+          <p:nvPr/>
+        </p:nvSpPr>
+        <p:spPr>
+          <a:xfrm>
+            <a:off x="634999" y="2053798"/>
+            <a:ext cx="1533435" cy="461665"/>
+          </a:xfrm>
+          <a:prstGeom prst="rect">
+            <a:avLst/>
+          </a:prstGeom>
+          <a:noFill/>
+        </p:spPr>
+        <p:txBody>
+          <a:bodyPr wrap="square">
+            <a:spAutoFit/>
+          </a:bodyPr>
+          <a:lstStyle/>
+          <a:p>
+            <a:r>
+              <a:rPr lang="en-US" altLang="ko-KR" sz="2400" b="1" dirty="0">
+                <a:solidFill>
+                  <a:srgbClr val="19633E">
+                    <a:alpha val="50000"/>
+                  </a:srgbClr>
+                </a:solidFill>
+                <a:latin typeface="휴먼둥근헤드라인" panose="02030504000101010101" pitchFamily="18" charset="-127"/>
+                <a:ea typeface="휴먼둥근헤드라인" panose="02030504000101010101" pitchFamily="18" charset="-127"/>
+                <a:cs typeface="Malgun Gothic Semilight" panose="020B0502040204020203" pitchFamily="50" charset="-127"/>
+              </a:rPr>
+              <a:t>!</a:t>
+            </a:r>
+            <a:r>
+              <a:rPr lang="ko-KR" altLang="en-US" sz="2400" b="1" dirty="0">
+                <a:solidFill>
+                  <a:srgbClr val="19633E">
+                    <a:alpha val="50000"/>
+                  </a:srgbClr>
+                </a:solidFill>
+                <a:latin typeface="휴먼둥근헤드라인" panose="02030504000101010101" pitchFamily="18" charset="-127"/>
+                <a:ea typeface="휴먼둥근헤드라인" panose="02030504000101010101" pitchFamily="18" charset="-127"/>
+                <a:cs typeface="Malgun Gothic Semilight" panose="020B0502040204020203" pitchFamily="50" charset="-127"/>
+              </a:rPr>
+              <a:t>응원현황</a:t>
+            </a:r>
+            <a:endParaRPr lang="en-US" altLang="ko-KR" sz="2400" b="1" dirty="0">
+              <a:solidFill>
+                <a:srgbClr val="19633E">
+                  <a:alpha val="50000"/>
+                </a:srgbClr>
+              </a:solidFill>
+              <a:latin typeface="휴먼둥근헤드라인" panose="02030504000101010101" pitchFamily="18" charset="-127"/>
+              <a:ea typeface="휴먼둥근헤드라인" panose="02030504000101010101" pitchFamily="18" charset="-127"/>
+              <a:cs typeface="Malgun Gothic Semilight" panose="020B0502040204020203" pitchFamily="50" charset="-127"/>
+            </a:endParaRPr>
+          </a:p>
+        </p:txBody>
+      </p:sp>
       <p:pic>
         <p:nvPicPr>
           <p:cNvPr id="3" name="그림 2" descr="클립아트, 상징, 만화 영화, 일러스트레이션이(가) 표시된 사진&#10;&#10;자동 생성된 설명">
@@ -23327,1012 +22292,138 @@
           </a:prstGeom>
         </p:spPr>
       </p:pic>
+      <p:cxnSp>
+        <p:nvCxnSpPr>
+          <p:cNvPr id="8" name="직선 연결선 7">
+            <a:extLst>
+              <a:ext uri="{FF2B5EF4-FFF2-40B4-BE49-F238E27FC236}">
+                <a16:creationId xmlns:a16="http://schemas.microsoft.com/office/drawing/2014/main" id="{BE10C0DD-D2E8-84F3-FC10-642535281AAA}"/>
+              </a:ext>
+            </a:extLst>
+          </p:cNvPr>
+          <p:cNvCxnSpPr>
+            <a:cxnSpLocks/>
+          </p:cNvCxnSpPr>
+          <p:nvPr/>
+        </p:nvCxnSpPr>
+        <p:spPr>
+          <a:xfrm>
+            <a:off x="723900" y="2528163"/>
+            <a:ext cx="1366157" cy="0"/>
+          </a:xfrm>
+          <a:prstGeom prst="line">
+            <a:avLst/>
+          </a:prstGeom>
+          <a:ln w="57150">
+            <a:solidFill>
+              <a:srgbClr val="1D5F3C">
+                <a:alpha val="50000"/>
+              </a:srgbClr>
+            </a:solidFill>
+          </a:ln>
+        </p:spPr>
+        <p:style>
+          <a:lnRef idx="1">
+            <a:schemeClr val="accent1"/>
+          </a:lnRef>
+          <a:fillRef idx="0">
+            <a:schemeClr val="accent1"/>
+          </a:fillRef>
+          <a:effectRef idx="0">
+            <a:schemeClr val="accent1"/>
+          </a:effectRef>
+          <a:fontRef idx="minor">
+            <a:schemeClr val="tx1"/>
+          </a:fontRef>
+        </p:style>
+      </p:cxnSp>
       <p:sp>
         <p:nvSpPr>
-          <p:cNvPr id="5" name="TextBox 4">
-            <a:extLst>
-              <a:ext uri="{FF2B5EF4-FFF2-40B4-BE49-F238E27FC236}">
-                <a16:creationId xmlns:a16="http://schemas.microsoft.com/office/drawing/2014/main" id="{EA66CA8A-33CB-C084-19AC-4BA72C7E299A}"/>
-              </a:ext>
-            </a:extLst>
-          </p:cNvPr>
-          <p:cNvSpPr txBox="1"/>
+          <p:cNvPr id="17" name="말풍선: 모서리가 둥근 사각형 16">
+            <a:extLst>
+              <a:ext uri="{FF2B5EF4-FFF2-40B4-BE49-F238E27FC236}">
+                <a16:creationId xmlns:a16="http://schemas.microsoft.com/office/drawing/2014/main" id="{E2BA31C4-5E7F-1DB2-333A-0A6BF44D0171}"/>
+              </a:ext>
+            </a:extLst>
+          </p:cNvPr>
+          <p:cNvSpPr/>
           <p:nvPr/>
         </p:nvSpPr>
         <p:spPr>
           <a:xfrm>
-            <a:off x="2449286" y="1957999"/>
-            <a:ext cx="8915399" cy="4186018"/>
-          </a:xfrm>
-          <a:prstGeom prst="rect">
-            <a:avLst/>
-          </a:prstGeom>
-          <a:noFill/>
-        </p:spPr>
+            <a:off x="6522892" y="3823129"/>
+            <a:ext cx="3594108" cy="2129162"/>
+          </a:xfrm>
+          <a:prstGeom prst="wedgeRoundRectCallout">
+            <a:avLst>
+              <a:gd name="adj1" fmla="val 59942"/>
+              <a:gd name="adj2" fmla="val 40310"/>
+              <a:gd name="adj3" fmla="val 16667"/>
+            </a:avLst>
+          </a:prstGeom>
+          <a:solidFill>
+            <a:srgbClr val="141517"/>
+          </a:solidFill>
+        </p:spPr>
+        <p:style>
+          <a:lnRef idx="2">
+            <a:schemeClr val="accent1">
+              <a:shade val="15000"/>
+            </a:schemeClr>
+          </a:lnRef>
+          <a:fillRef idx="1">
+            <a:schemeClr val="accent1"/>
+          </a:fillRef>
+          <a:effectRef idx="0">
+            <a:schemeClr val="accent1"/>
+          </a:effectRef>
+          <a:fontRef idx="minor">
+            <a:schemeClr val="lt1"/>
+          </a:fontRef>
+        </p:style>
         <p:txBody>
-          <a:bodyPr wrap="square">
-            <a:spAutoFit/>
-          </a:bodyPr>
+          <a:bodyPr rtlCol="0" anchor="ctr"/>
           <a:lstStyle/>
           <a:p>
-            <a:pPr>
-              <a:lnSpc>
-                <a:spcPct val="150000"/>
-              </a:lnSpc>
-            </a:pPr>
-            <a:r>
-              <a:rPr lang="en-US" altLang="ko-KR" sz="2000" dirty="0">
-                <a:solidFill>
-                  <a:srgbClr val="19633E">
-                    <a:alpha val="50000"/>
-                  </a:srgbClr>
-                </a:solidFill>
-                <a:latin typeface="휴먼둥근헤드라인" panose="02030504000101010101" pitchFamily="18" charset="-127"/>
-                <a:ea typeface="휴먼둥근헤드라인" panose="02030504000101010101" pitchFamily="18" charset="-127"/>
-                <a:cs typeface="Malgun Gothic Semilight" panose="020B0502040204020203" pitchFamily="50" charset="-127"/>
-              </a:rPr>
-              <a:t>!</a:t>
-            </a:r>
-            <a:r>
-              <a:rPr lang="ko-KR" altLang="en-US" sz="2000" dirty="0">
-                <a:solidFill>
-                  <a:srgbClr val="19633E">
-                    <a:alpha val="50000"/>
-                  </a:srgbClr>
-                </a:solidFill>
-                <a:latin typeface="휴먼둥근헤드라인" panose="02030504000101010101" pitchFamily="18" charset="-127"/>
-                <a:ea typeface="휴먼둥근헤드라인" panose="02030504000101010101" pitchFamily="18" charset="-127"/>
-                <a:cs typeface="Malgun Gothic Semilight" panose="020B0502040204020203" pitchFamily="50" charset="-127"/>
-              </a:rPr>
-              <a:t>질문 </a:t>
-            </a:r>
-            <a:r>
-              <a:rPr lang="en-US" altLang="ko-KR" sz="2000" dirty="0">
-                <a:solidFill>
-                  <a:srgbClr val="19633E">
-                    <a:alpha val="50000"/>
-                  </a:srgbClr>
-                </a:solidFill>
-                <a:latin typeface="휴먼둥근헤드라인" panose="02030504000101010101" pitchFamily="18" charset="-127"/>
-                <a:ea typeface="휴먼둥근헤드라인" panose="02030504000101010101" pitchFamily="18" charset="-127"/>
-                <a:cs typeface="Malgun Gothic Semilight" panose="020B0502040204020203" pitchFamily="50" charset="-127"/>
-              </a:rPr>
-              <a:t>[</a:t>
-            </a:r>
-            <a:r>
-              <a:rPr lang="ko-KR" altLang="en-US" sz="2000" dirty="0">
-                <a:solidFill>
-                  <a:srgbClr val="19633E">
-                    <a:alpha val="50000"/>
-                  </a:srgbClr>
-                </a:solidFill>
-                <a:latin typeface="휴먼둥근헤드라인" panose="02030504000101010101" pitchFamily="18" charset="-127"/>
-                <a:ea typeface="휴먼둥근헤드라인" panose="02030504000101010101" pitchFamily="18" charset="-127"/>
-                <a:cs typeface="Malgun Gothic Semilight" panose="020B0502040204020203" pitchFamily="50" charset="-127"/>
-              </a:rPr>
-              <a:t>질문하고 싶은 내용</a:t>
-            </a:r>
-            <a:r>
-              <a:rPr lang="en-US" altLang="ko-KR" sz="2000" dirty="0">
-                <a:solidFill>
-                  <a:srgbClr val="19633E">
-                    <a:alpha val="50000"/>
-                  </a:srgbClr>
-                </a:solidFill>
-                <a:latin typeface="휴먼둥근헤드라인" panose="02030504000101010101" pitchFamily="18" charset="-127"/>
-                <a:ea typeface="휴먼둥근헤드라인" panose="02030504000101010101" pitchFamily="18" charset="-127"/>
-                <a:cs typeface="Malgun Gothic Semilight" panose="020B0502040204020203" pitchFamily="50" charset="-127"/>
-              </a:rPr>
-              <a:t>] </a:t>
-            </a:r>
-            <a:r>
-              <a:rPr lang="ko-KR" altLang="en-US" sz="2000" dirty="0">
-                <a:solidFill>
-                  <a:srgbClr val="872135"/>
-                </a:solidFill>
-                <a:latin typeface="휴먼둥근헤드라인" panose="02030504000101010101" pitchFamily="18" charset="-127"/>
-                <a:ea typeface="휴먼둥근헤드라인" panose="02030504000101010101" pitchFamily="18" charset="-127"/>
-                <a:cs typeface="Malgun Gothic Semilight" panose="020B0502040204020203" pitchFamily="50" charset="-127"/>
-              </a:rPr>
-              <a:t>궁금한 질문을 등록해요</a:t>
-            </a:r>
-            <a:r>
-              <a:rPr lang="en-US" altLang="ko-KR" sz="2000" dirty="0">
-                <a:solidFill>
-                  <a:srgbClr val="872135"/>
-                </a:solidFill>
-                <a:latin typeface="휴먼둥근헤드라인" panose="02030504000101010101" pitchFamily="18" charset="-127"/>
-                <a:ea typeface="휴먼둥근헤드라인" panose="02030504000101010101" pitchFamily="18" charset="-127"/>
-                <a:cs typeface="Malgun Gothic Semilight" panose="020B0502040204020203" pitchFamily="50" charset="-127"/>
-              </a:rPr>
-              <a:t>!</a:t>
-            </a:r>
-            <a:r>
-              <a:rPr lang="en-US" altLang="ko-KR" sz="2000" dirty="0">
-                <a:solidFill>
-                  <a:srgbClr val="19633E">
-                    <a:alpha val="50000"/>
-                  </a:srgbClr>
-                </a:solidFill>
-                <a:latin typeface="휴먼둥근헤드라인" panose="02030504000101010101" pitchFamily="18" charset="-127"/>
-                <a:ea typeface="휴먼둥근헤드라인" panose="02030504000101010101" pitchFamily="18" charset="-127"/>
-                <a:cs typeface="Malgun Gothic Semilight" panose="020B0502040204020203" pitchFamily="50" charset="-127"/>
-              </a:rPr>
-              <a:t> </a:t>
-            </a:r>
-          </a:p>
-          <a:p>
-            <a:pPr>
-              <a:lnSpc>
-                <a:spcPct val="150000"/>
-              </a:lnSpc>
-            </a:pPr>
-            <a:r>
-              <a:rPr lang="en-US" altLang="ko-KR" sz="2000" dirty="0">
-                <a:solidFill>
-                  <a:srgbClr val="19633E">
-                    <a:alpha val="50000"/>
-                  </a:srgbClr>
-                </a:solidFill>
-                <a:latin typeface="휴먼둥근헤드라인" panose="02030504000101010101" pitchFamily="18" charset="-127"/>
-                <a:ea typeface="휴먼둥근헤드라인" panose="02030504000101010101" pitchFamily="18" charset="-127"/>
-                <a:cs typeface="Malgun Gothic Semilight" panose="020B0502040204020203" pitchFamily="50" charset="-127"/>
-              </a:rPr>
-              <a:t>!</a:t>
-            </a:r>
-            <a:r>
-              <a:rPr lang="ko-KR" altLang="en-US" sz="2000" dirty="0">
-                <a:solidFill>
-                  <a:srgbClr val="19633E">
-                    <a:alpha val="50000"/>
-                  </a:srgbClr>
-                </a:solidFill>
-                <a:latin typeface="휴먼둥근헤드라인" panose="02030504000101010101" pitchFamily="18" charset="-127"/>
-                <a:ea typeface="휴먼둥근헤드라인" panose="02030504000101010101" pitchFamily="18" charset="-127"/>
-                <a:cs typeface="Malgun Gothic Semilight" panose="020B0502040204020203" pitchFamily="50" charset="-127"/>
-              </a:rPr>
-              <a:t>기록 </a:t>
-            </a:r>
-            <a:r>
-              <a:rPr lang="en-US" altLang="ko-KR" sz="2000" dirty="0">
-                <a:solidFill>
-                  <a:srgbClr val="19633E">
-                    <a:alpha val="50000"/>
-                  </a:srgbClr>
-                </a:solidFill>
-                <a:latin typeface="휴먼둥근헤드라인" panose="02030504000101010101" pitchFamily="18" charset="-127"/>
-                <a:ea typeface="휴먼둥근헤드라인" panose="02030504000101010101" pitchFamily="18" charset="-127"/>
-                <a:cs typeface="Malgun Gothic Semilight" panose="020B0502040204020203" pitchFamily="50" charset="-127"/>
-              </a:rPr>
-              <a:t>[</a:t>
-            </a:r>
-            <a:r>
-              <a:rPr lang="ko-KR" altLang="en-US" sz="2000" dirty="0">
-                <a:solidFill>
-                  <a:srgbClr val="19633E">
-                    <a:alpha val="50000"/>
-                  </a:srgbClr>
-                </a:solidFill>
-                <a:latin typeface="휴먼둥근헤드라인" panose="02030504000101010101" pitchFamily="18" charset="-127"/>
-                <a:ea typeface="휴먼둥근헤드라인" panose="02030504000101010101" pitchFamily="18" charset="-127"/>
-                <a:cs typeface="Malgun Gothic Semilight" panose="020B0502040204020203" pitchFamily="50" charset="-127"/>
-              </a:rPr>
-              <a:t>찾고자 하는 내용</a:t>
-            </a:r>
-            <a:r>
-              <a:rPr lang="en-US" altLang="ko-KR" sz="2000" dirty="0">
-                <a:solidFill>
-                  <a:srgbClr val="19633E">
-                    <a:alpha val="50000"/>
-                  </a:srgbClr>
-                </a:solidFill>
-                <a:latin typeface="휴먼둥근헤드라인" panose="02030504000101010101" pitchFamily="18" charset="-127"/>
-                <a:ea typeface="휴먼둥근헤드라인" panose="02030504000101010101" pitchFamily="18" charset="-127"/>
-                <a:cs typeface="Malgun Gothic Semilight" panose="020B0502040204020203" pitchFamily="50" charset="-127"/>
-              </a:rPr>
-              <a:t>] </a:t>
-            </a:r>
-            <a:r>
-              <a:rPr lang="ko-KR" altLang="en-US" sz="2000" dirty="0">
-                <a:solidFill>
-                  <a:srgbClr val="872135"/>
-                </a:solidFill>
-                <a:latin typeface="휴먼둥근헤드라인" panose="02030504000101010101" pitchFamily="18" charset="-127"/>
-                <a:ea typeface="휴먼둥근헤드라인" panose="02030504000101010101" pitchFamily="18" charset="-127"/>
-                <a:cs typeface="Malgun Gothic Semilight" panose="020B0502040204020203" pitchFamily="50" charset="-127"/>
-              </a:rPr>
-              <a:t>궁금한 대회 기록을 조회해요</a:t>
-            </a:r>
-            <a:r>
-              <a:rPr lang="en-US" altLang="ko-KR" sz="2000" dirty="0">
-                <a:solidFill>
-                  <a:srgbClr val="872135"/>
-                </a:solidFill>
-                <a:latin typeface="휴먼둥근헤드라인" panose="02030504000101010101" pitchFamily="18" charset="-127"/>
-                <a:ea typeface="휴먼둥근헤드라인" panose="02030504000101010101" pitchFamily="18" charset="-127"/>
-                <a:cs typeface="Malgun Gothic Semilight" panose="020B0502040204020203" pitchFamily="50" charset="-127"/>
-              </a:rPr>
-              <a:t>!</a:t>
-            </a:r>
-            <a:endParaRPr lang="en-US" altLang="ko-KR" sz="2000" dirty="0">
-              <a:solidFill>
-                <a:srgbClr val="19633E">
-                  <a:alpha val="50000"/>
-                </a:srgbClr>
-              </a:solidFill>
-              <a:latin typeface="휴먼둥근헤드라인" panose="02030504000101010101" pitchFamily="18" charset="-127"/>
-              <a:ea typeface="휴먼둥근헤드라인" panose="02030504000101010101" pitchFamily="18" charset="-127"/>
-              <a:cs typeface="Malgun Gothic Semilight" panose="020B0502040204020203" pitchFamily="50" charset="-127"/>
-            </a:endParaRPr>
-          </a:p>
-          <a:p>
-            <a:pPr>
-              <a:lnSpc>
-                <a:spcPct val="150000"/>
-              </a:lnSpc>
-            </a:pPr>
-            <a:r>
-              <a:rPr lang="en-US" altLang="ko-KR" sz="2000" dirty="0">
-                <a:solidFill>
-                  <a:srgbClr val="19633E">
-                    <a:alpha val="50000"/>
-                  </a:srgbClr>
-                </a:solidFill>
-                <a:latin typeface="휴먼둥근헤드라인" panose="02030504000101010101" pitchFamily="18" charset="-127"/>
-                <a:ea typeface="휴먼둥근헤드라인" panose="02030504000101010101" pitchFamily="18" charset="-127"/>
-                <a:cs typeface="Malgun Gothic Semilight" panose="020B0502040204020203" pitchFamily="50" charset="-127"/>
-              </a:rPr>
-              <a:t>!</a:t>
-            </a:r>
-            <a:r>
-              <a:rPr lang="ko-KR" altLang="en-US" sz="2000" dirty="0">
-                <a:solidFill>
-                  <a:srgbClr val="19633E">
-                    <a:alpha val="50000"/>
-                  </a:srgbClr>
-                </a:solidFill>
-                <a:latin typeface="휴먼둥근헤드라인" panose="02030504000101010101" pitchFamily="18" charset="-127"/>
-                <a:ea typeface="휴먼둥근헤드라인" panose="02030504000101010101" pitchFamily="18" charset="-127"/>
-                <a:cs typeface="Malgun Gothic Semilight" panose="020B0502040204020203" pitchFamily="50" charset="-127"/>
-              </a:rPr>
-              <a:t>이번주 </a:t>
-            </a:r>
-            <a:r>
-              <a:rPr lang="en-US" altLang="ko-KR" sz="2000" dirty="0">
-                <a:solidFill>
-                  <a:srgbClr val="19633E">
-                    <a:alpha val="50000"/>
-                  </a:srgbClr>
-                </a:solidFill>
-                <a:latin typeface="휴먼둥근헤드라인" panose="02030504000101010101" pitchFamily="18" charset="-127"/>
-                <a:ea typeface="휴먼둥근헤드라인" panose="02030504000101010101" pitchFamily="18" charset="-127"/>
-                <a:cs typeface="Malgun Gothic Semilight" panose="020B0502040204020203" pitchFamily="50" charset="-127"/>
-              </a:rPr>
-              <a:t>[*</a:t>
-            </a:r>
-            <a:r>
-              <a:rPr lang="ko-KR" altLang="en-US" sz="2000" dirty="0">
-                <a:solidFill>
-                  <a:srgbClr val="19633E">
-                    <a:alpha val="50000"/>
-                  </a:srgbClr>
-                </a:solidFill>
-                <a:latin typeface="휴먼둥근헤드라인" panose="02030504000101010101" pitchFamily="18" charset="-127"/>
-                <a:ea typeface="휴먼둥근헤드라인" panose="02030504000101010101" pitchFamily="18" charset="-127"/>
-                <a:cs typeface="Malgun Gothic Semilight" panose="020B0502040204020203" pitchFamily="50" charset="-127"/>
-              </a:rPr>
-              <a:t>찾고자 하는 </a:t>
-            </a:r>
-            <a:r>
-              <a:rPr lang="ko-KR" altLang="en-US" sz="2000" dirty="0" err="1">
-                <a:solidFill>
-                  <a:srgbClr val="19633E">
-                    <a:alpha val="50000"/>
-                  </a:srgbClr>
-                </a:solidFill>
-                <a:latin typeface="휴먼둥근헤드라인" panose="02030504000101010101" pitchFamily="18" charset="-127"/>
-                <a:ea typeface="휴먼둥근헤드라인" panose="02030504000101010101" pitchFamily="18" charset="-127"/>
-                <a:cs typeface="Malgun Gothic Semilight" panose="020B0502040204020203" pitchFamily="50" charset="-127"/>
-              </a:rPr>
-              <a:t>스탯</a:t>
-            </a:r>
-            <a:r>
-              <a:rPr lang="en-US" altLang="ko-KR" sz="2000" dirty="0">
-                <a:solidFill>
-                  <a:srgbClr val="19633E">
-                    <a:alpha val="50000"/>
-                  </a:srgbClr>
-                </a:solidFill>
-                <a:latin typeface="휴먼둥근헤드라인" panose="02030504000101010101" pitchFamily="18" charset="-127"/>
-                <a:ea typeface="휴먼둥근헤드라인" panose="02030504000101010101" pitchFamily="18" charset="-127"/>
-                <a:cs typeface="Malgun Gothic Semilight" panose="020B0502040204020203" pitchFamily="50" charset="-127"/>
-              </a:rPr>
-              <a:t>] </a:t>
-            </a:r>
-            <a:r>
-              <a:rPr lang="ko-KR" altLang="en-US" sz="2000" dirty="0">
-                <a:solidFill>
-                  <a:srgbClr val="872135"/>
-                </a:solidFill>
-                <a:latin typeface="휴먼둥근헤드라인" panose="02030504000101010101" pitchFamily="18" charset="-127"/>
-                <a:ea typeface="휴먼둥근헤드라인" panose="02030504000101010101" pitchFamily="18" charset="-127"/>
-                <a:cs typeface="Malgun Gothic Semilight" panose="020B0502040204020203" pitchFamily="50" charset="-127"/>
-              </a:rPr>
-              <a:t>이번주 출전선수 명단 </a:t>
-            </a:r>
-            <a:r>
-              <a:rPr lang="en-US" altLang="ko-KR" sz="2000" dirty="0">
-                <a:solidFill>
-                  <a:srgbClr val="872135"/>
-                </a:solidFill>
-                <a:latin typeface="휴먼둥근헤드라인" panose="02030504000101010101" pitchFamily="18" charset="-127"/>
-                <a:ea typeface="휴먼둥근헤드라인" panose="02030504000101010101" pitchFamily="18" charset="-127"/>
-                <a:cs typeface="Malgun Gothic Semilight" panose="020B0502040204020203" pitchFamily="50" charset="-127"/>
-              </a:rPr>
-              <a:t>&amp; </a:t>
-            </a:r>
-            <a:r>
-              <a:rPr lang="ko-KR" altLang="en-US" sz="2000" dirty="0" err="1">
-                <a:solidFill>
-                  <a:srgbClr val="872135"/>
-                </a:solidFill>
-                <a:latin typeface="휴먼둥근헤드라인" panose="02030504000101010101" pitchFamily="18" charset="-127"/>
-                <a:ea typeface="휴먼둥근헤드라인" panose="02030504000101010101" pitchFamily="18" charset="-127"/>
-                <a:cs typeface="Malgun Gothic Semilight" panose="020B0502040204020203" pitchFamily="50" charset="-127"/>
-              </a:rPr>
-              <a:t>스탯을</a:t>
-            </a:r>
-            <a:r>
-              <a:rPr lang="ko-KR" altLang="en-US" sz="2000" dirty="0">
-                <a:solidFill>
-                  <a:srgbClr val="872135"/>
-                </a:solidFill>
-                <a:latin typeface="휴먼둥근헤드라인" panose="02030504000101010101" pitchFamily="18" charset="-127"/>
-                <a:ea typeface="휴먼둥근헤드라인" panose="02030504000101010101" pitchFamily="18" charset="-127"/>
-                <a:cs typeface="Malgun Gothic Semilight" panose="020B0502040204020203" pitchFamily="50" charset="-127"/>
-              </a:rPr>
-              <a:t> 조회해요</a:t>
-            </a:r>
-            <a:endParaRPr lang="en-US" altLang="ko-KR" sz="2000" dirty="0">
-              <a:solidFill>
-                <a:srgbClr val="19633E">
-                  <a:alpha val="50000"/>
-                </a:srgbClr>
-              </a:solidFill>
-              <a:latin typeface="휴먼둥근헤드라인" panose="02030504000101010101" pitchFamily="18" charset="-127"/>
-              <a:ea typeface="휴먼둥근헤드라인" panose="02030504000101010101" pitchFamily="18" charset="-127"/>
-              <a:cs typeface="Malgun Gothic Semilight" panose="020B0502040204020203" pitchFamily="50" charset="-127"/>
-            </a:endParaRPr>
-          </a:p>
-          <a:p>
-            <a:pPr>
-              <a:lnSpc>
-                <a:spcPct val="150000"/>
-              </a:lnSpc>
-            </a:pPr>
-            <a:r>
-              <a:rPr lang="en-US" altLang="ko-KR" sz="2000" dirty="0">
-                <a:solidFill>
-                  <a:srgbClr val="19633E">
-                    <a:alpha val="50000"/>
-                  </a:srgbClr>
-                </a:solidFill>
-                <a:latin typeface="휴먼둥근헤드라인" panose="02030504000101010101" pitchFamily="18" charset="-127"/>
-                <a:ea typeface="휴먼둥근헤드라인" panose="02030504000101010101" pitchFamily="18" charset="-127"/>
-                <a:cs typeface="Malgun Gothic Semilight" panose="020B0502040204020203" pitchFamily="50" charset="-127"/>
-              </a:rPr>
-              <a:t>!</a:t>
-            </a:r>
-            <a:r>
-              <a:rPr lang="ko-KR" altLang="en-US" sz="2000" dirty="0">
-                <a:solidFill>
-                  <a:srgbClr val="19633E">
-                    <a:alpha val="50000"/>
-                  </a:srgbClr>
-                </a:solidFill>
-                <a:latin typeface="휴먼둥근헤드라인" panose="02030504000101010101" pitchFamily="18" charset="-127"/>
-                <a:ea typeface="휴먼둥근헤드라인" panose="02030504000101010101" pitchFamily="18" charset="-127"/>
-                <a:cs typeface="Malgun Gothic Semilight" panose="020B0502040204020203" pitchFamily="50" charset="-127"/>
-              </a:rPr>
-              <a:t>순위 </a:t>
-            </a:r>
-            <a:r>
-              <a:rPr lang="en-US" altLang="ko-KR" sz="2000" dirty="0">
-                <a:solidFill>
-                  <a:srgbClr val="19633E">
-                    <a:alpha val="50000"/>
-                  </a:srgbClr>
-                </a:solidFill>
-                <a:latin typeface="휴먼둥근헤드라인" panose="02030504000101010101" pitchFamily="18" charset="-127"/>
-                <a:ea typeface="휴먼둥근헤드라인" panose="02030504000101010101" pitchFamily="18" charset="-127"/>
-                <a:cs typeface="Malgun Gothic Semilight" panose="020B0502040204020203" pitchFamily="50" charset="-127"/>
-              </a:rPr>
-              <a:t>[*</a:t>
-            </a:r>
-            <a:r>
-              <a:rPr lang="ko-KR" altLang="en-US" sz="2000" dirty="0">
-                <a:solidFill>
-                  <a:srgbClr val="19633E">
-                    <a:alpha val="50000"/>
-                  </a:srgbClr>
-                </a:solidFill>
-                <a:latin typeface="휴먼둥근헤드라인" panose="02030504000101010101" pitchFamily="18" charset="-127"/>
-                <a:ea typeface="휴먼둥근헤드라인" panose="02030504000101010101" pitchFamily="18" charset="-127"/>
-                <a:cs typeface="Malgun Gothic Semilight" panose="020B0502040204020203" pitchFamily="50" charset="-127"/>
-              </a:rPr>
-              <a:t>선수 이름</a:t>
-            </a:r>
-            <a:r>
-              <a:rPr lang="en-US" altLang="ko-KR" sz="2000" dirty="0">
-                <a:solidFill>
-                  <a:srgbClr val="19633E">
-                    <a:alpha val="50000"/>
-                  </a:srgbClr>
-                </a:solidFill>
-                <a:latin typeface="휴먼둥근헤드라인" panose="02030504000101010101" pitchFamily="18" charset="-127"/>
-                <a:ea typeface="휴먼둥근헤드라인" panose="02030504000101010101" pitchFamily="18" charset="-127"/>
-                <a:cs typeface="Malgun Gothic Semilight" panose="020B0502040204020203" pitchFamily="50" charset="-127"/>
-              </a:rPr>
-              <a:t>] </a:t>
-            </a:r>
-            <a:r>
-              <a:rPr lang="ko-KR" altLang="en-US" sz="2000" dirty="0">
-                <a:solidFill>
-                  <a:srgbClr val="872135"/>
-                </a:solidFill>
-                <a:latin typeface="휴먼둥근헤드라인" panose="02030504000101010101" pitchFamily="18" charset="-127"/>
-                <a:ea typeface="휴먼둥근헤드라인" panose="02030504000101010101" pitchFamily="18" charset="-127"/>
-                <a:cs typeface="Malgun Gothic Semilight" panose="020B0502040204020203" pitchFamily="50" charset="-127"/>
-              </a:rPr>
-              <a:t>궁금한 선수의 순위를 조회해요</a:t>
-            </a:r>
-            <a:endParaRPr lang="en-US" altLang="ko-KR" sz="2000" dirty="0">
-              <a:solidFill>
-                <a:srgbClr val="19633E">
-                  <a:alpha val="50000"/>
-                </a:srgbClr>
-              </a:solidFill>
-              <a:latin typeface="휴먼둥근헤드라인" panose="02030504000101010101" pitchFamily="18" charset="-127"/>
-              <a:ea typeface="휴먼둥근헤드라인" panose="02030504000101010101" pitchFamily="18" charset="-127"/>
-              <a:cs typeface="Malgun Gothic Semilight" panose="020B0502040204020203" pitchFamily="50" charset="-127"/>
-            </a:endParaRPr>
-          </a:p>
-          <a:p>
-            <a:pPr>
-              <a:lnSpc>
-                <a:spcPct val="150000"/>
-              </a:lnSpc>
-            </a:pPr>
-            <a:r>
-              <a:rPr lang="en-US" altLang="ko-KR" sz="2000" dirty="0">
-                <a:solidFill>
-                  <a:srgbClr val="19633E">
-                    <a:alpha val="50000"/>
-                  </a:srgbClr>
-                </a:solidFill>
-                <a:latin typeface="휴먼둥근헤드라인" panose="02030504000101010101" pitchFamily="18" charset="-127"/>
-                <a:ea typeface="휴먼둥근헤드라인" panose="02030504000101010101" pitchFamily="18" charset="-127"/>
-                <a:cs typeface="Malgun Gothic Semilight" panose="020B0502040204020203" pitchFamily="50" charset="-127"/>
-              </a:rPr>
-              <a:t>!</a:t>
-            </a:r>
-            <a:r>
-              <a:rPr lang="ko-KR" altLang="en-US" sz="2000" dirty="0">
-                <a:solidFill>
-                  <a:srgbClr val="19633E">
-                    <a:alpha val="50000"/>
-                  </a:srgbClr>
-                </a:solidFill>
-                <a:latin typeface="휴먼둥근헤드라인" panose="02030504000101010101" pitchFamily="18" charset="-127"/>
-                <a:ea typeface="휴먼둥근헤드라인" panose="02030504000101010101" pitchFamily="18" charset="-127"/>
-                <a:cs typeface="Malgun Gothic Semilight" panose="020B0502040204020203" pitchFamily="50" charset="-127"/>
-              </a:rPr>
-              <a:t>지난주</a:t>
-            </a:r>
-            <a:r>
-              <a:rPr lang="en-US" altLang="ko-KR" sz="2000" dirty="0">
-                <a:solidFill>
-                  <a:srgbClr val="19633E">
-                    <a:alpha val="50000"/>
-                  </a:srgbClr>
-                </a:solidFill>
-                <a:latin typeface="휴먼둥근헤드라인" panose="02030504000101010101" pitchFamily="18" charset="-127"/>
-                <a:ea typeface="휴먼둥근헤드라인" panose="02030504000101010101" pitchFamily="18" charset="-127"/>
-                <a:cs typeface="Malgun Gothic Semilight" panose="020B0502040204020203" pitchFamily="50" charset="-127"/>
-              </a:rPr>
-              <a:t> </a:t>
-            </a:r>
-            <a:r>
-              <a:rPr lang="ko-KR" altLang="en-US" sz="2000" dirty="0">
-                <a:solidFill>
-                  <a:srgbClr val="872135"/>
-                </a:solidFill>
-                <a:latin typeface="휴먼둥근헤드라인" panose="02030504000101010101" pitchFamily="18" charset="-127"/>
-                <a:ea typeface="휴먼둥근헤드라인" panose="02030504000101010101" pitchFamily="18" charset="-127"/>
-                <a:cs typeface="Malgun Gothic Semilight" panose="020B0502040204020203" pitchFamily="50" charset="-127"/>
-              </a:rPr>
-              <a:t>지난주 대회 결과를 조회해요 </a:t>
-            </a:r>
-            <a:endParaRPr lang="en-US" altLang="ko-KR" sz="2000" dirty="0">
-              <a:solidFill>
-                <a:srgbClr val="19633E">
-                  <a:alpha val="50000"/>
-                </a:srgbClr>
-              </a:solidFill>
-              <a:latin typeface="휴먼둥근헤드라인" panose="02030504000101010101" pitchFamily="18" charset="-127"/>
-              <a:ea typeface="휴먼둥근헤드라인" panose="02030504000101010101" pitchFamily="18" charset="-127"/>
-              <a:cs typeface="Malgun Gothic Semilight" panose="020B0502040204020203" pitchFamily="50" charset="-127"/>
-            </a:endParaRPr>
-          </a:p>
-          <a:p>
-            <a:pPr>
-              <a:lnSpc>
-                <a:spcPct val="150000"/>
-              </a:lnSpc>
-            </a:pPr>
-            <a:r>
-              <a:rPr lang="en-US" altLang="ko-KR" sz="2000" dirty="0">
-                <a:solidFill>
-                  <a:srgbClr val="19633E">
-                    <a:alpha val="50000"/>
-                  </a:srgbClr>
-                </a:solidFill>
-                <a:latin typeface="휴먼둥근헤드라인" panose="02030504000101010101" pitchFamily="18" charset="-127"/>
-                <a:ea typeface="휴먼둥근헤드라인" panose="02030504000101010101" pitchFamily="18" charset="-127"/>
-                <a:cs typeface="Malgun Gothic Semilight" panose="020B0502040204020203" pitchFamily="50" charset="-127"/>
-              </a:rPr>
-              <a:t>!</a:t>
-            </a:r>
-            <a:r>
-              <a:rPr lang="ko-KR" altLang="en-US" sz="2000" dirty="0">
-                <a:solidFill>
-                  <a:srgbClr val="19633E">
-                    <a:alpha val="50000"/>
-                  </a:srgbClr>
-                </a:solidFill>
-                <a:latin typeface="휴먼둥근헤드라인" panose="02030504000101010101" pitchFamily="18" charset="-127"/>
-                <a:ea typeface="휴먼둥근헤드라인" panose="02030504000101010101" pitchFamily="18" charset="-127"/>
-                <a:cs typeface="Malgun Gothic Semilight" panose="020B0502040204020203" pitchFamily="50" charset="-127"/>
-              </a:rPr>
-              <a:t>상금 </a:t>
-            </a:r>
-            <a:r>
-              <a:rPr lang="en-US" altLang="ko-KR" sz="2000" dirty="0">
-                <a:solidFill>
-                  <a:srgbClr val="19633E">
-                    <a:alpha val="50000"/>
-                  </a:srgbClr>
-                </a:solidFill>
-                <a:latin typeface="휴먼둥근헤드라인" panose="02030504000101010101" pitchFamily="18" charset="-127"/>
-                <a:ea typeface="휴먼둥근헤드라인" panose="02030504000101010101" pitchFamily="18" charset="-127"/>
-                <a:cs typeface="Malgun Gothic Semilight" panose="020B0502040204020203" pitchFamily="50" charset="-127"/>
-              </a:rPr>
-              <a:t>[</a:t>
-            </a:r>
-            <a:r>
-              <a:rPr lang="ko-KR" altLang="en-US" sz="2000" dirty="0">
-                <a:solidFill>
-                  <a:srgbClr val="19633E">
-                    <a:alpha val="50000"/>
-                  </a:srgbClr>
-                </a:solidFill>
-                <a:latin typeface="휴먼둥근헤드라인" panose="02030504000101010101" pitchFamily="18" charset="-127"/>
-                <a:ea typeface="휴먼둥근헤드라인" panose="02030504000101010101" pitchFamily="18" charset="-127"/>
-                <a:cs typeface="Malgun Gothic Semilight" panose="020B0502040204020203" pitchFamily="50" charset="-127"/>
-              </a:rPr>
-              <a:t>선수 이름</a:t>
-            </a:r>
-            <a:r>
-              <a:rPr lang="en-US" altLang="ko-KR" sz="2000" dirty="0">
-                <a:solidFill>
-                  <a:srgbClr val="19633E">
-                    <a:alpha val="50000"/>
-                  </a:srgbClr>
-                </a:solidFill>
-                <a:latin typeface="휴먼둥근헤드라인" panose="02030504000101010101" pitchFamily="18" charset="-127"/>
-                <a:ea typeface="휴먼둥근헤드라인" panose="02030504000101010101" pitchFamily="18" charset="-127"/>
-                <a:cs typeface="Malgun Gothic Semilight" panose="020B0502040204020203" pitchFamily="50" charset="-127"/>
-              </a:rPr>
-              <a:t>] </a:t>
-            </a:r>
-            <a:r>
-              <a:rPr lang="ko-KR" altLang="en-US" sz="2000" dirty="0">
-                <a:solidFill>
-                  <a:srgbClr val="872135"/>
-                </a:solidFill>
-                <a:latin typeface="휴먼둥근헤드라인" panose="02030504000101010101" pitchFamily="18" charset="-127"/>
-                <a:ea typeface="휴먼둥근헤드라인" panose="02030504000101010101" pitchFamily="18" charset="-127"/>
-                <a:cs typeface="Malgun Gothic Semilight" panose="020B0502040204020203" pitchFamily="50" charset="-127"/>
-              </a:rPr>
-              <a:t>궁금한 선수의 누적상금을 조회해요</a:t>
-            </a:r>
-            <a:endParaRPr lang="en-US" altLang="ko-KR" sz="2000" dirty="0">
-              <a:solidFill>
-                <a:srgbClr val="19633E">
-                  <a:alpha val="50000"/>
-                </a:srgbClr>
-              </a:solidFill>
-              <a:latin typeface="휴먼둥근헤드라인" panose="02030504000101010101" pitchFamily="18" charset="-127"/>
-              <a:ea typeface="휴먼둥근헤드라인" panose="02030504000101010101" pitchFamily="18" charset="-127"/>
-              <a:cs typeface="Malgun Gothic Semilight" panose="020B0502040204020203" pitchFamily="50" charset="-127"/>
-            </a:endParaRPr>
-          </a:p>
-          <a:p>
-            <a:pPr>
-              <a:lnSpc>
-                <a:spcPct val="150000"/>
-              </a:lnSpc>
-            </a:pPr>
-            <a:r>
-              <a:rPr lang="en-US" altLang="ko-KR" sz="2000" dirty="0">
-                <a:solidFill>
-                  <a:srgbClr val="19633E">
-                    <a:alpha val="50000"/>
-                  </a:srgbClr>
-                </a:solidFill>
-                <a:latin typeface="휴먼둥근헤드라인" panose="02030504000101010101" pitchFamily="18" charset="-127"/>
-                <a:ea typeface="휴먼둥근헤드라인" panose="02030504000101010101" pitchFamily="18" charset="-127"/>
-                <a:cs typeface="Malgun Gothic Semilight" panose="020B0502040204020203" pitchFamily="50" charset="-127"/>
-              </a:rPr>
-              <a:t>!</a:t>
-            </a:r>
-            <a:r>
-              <a:rPr lang="ko-KR" altLang="en-US" sz="2000" dirty="0">
-                <a:solidFill>
-                  <a:srgbClr val="19633E">
-                    <a:alpha val="50000"/>
-                  </a:srgbClr>
-                </a:solidFill>
-                <a:latin typeface="휴먼둥근헤드라인" panose="02030504000101010101" pitchFamily="18" charset="-127"/>
-                <a:ea typeface="휴먼둥근헤드라인" panose="02030504000101010101" pitchFamily="18" charset="-127"/>
-                <a:cs typeface="Malgun Gothic Semilight" panose="020B0502040204020203" pitchFamily="50" charset="-127"/>
-              </a:rPr>
-              <a:t>패보 </a:t>
-            </a:r>
-            <a:r>
-              <a:rPr lang="en-US" altLang="ko-KR" sz="2000" dirty="0">
-                <a:solidFill>
-                  <a:srgbClr val="19633E">
-                    <a:alpha val="50000"/>
-                  </a:srgbClr>
-                </a:solidFill>
-                <a:latin typeface="휴먼둥근헤드라인" panose="02030504000101010101" pitchFamily="18" charset="-127"/>
-                <a:ea typeface="휴먼둥근헤드라인" panose="02030504000101010101" pitchFamily="18" charset="-127"/>
-                <a:cs typeface="Malgun Gothic Semilight" panose="020B0502040204020203" pitchFamily="50" charset="-127"/>
-              </a:rPr>
-              <a:t>[</a:t>
-            </a:r>
-            <a:r>
-              <a:rPr lang="ko-KR" altLang="en-US" sz="2000" dirty="0">
-                <a:solidFill>
-                  <a:srgbClr val="19633E">
-                    <a:alpha val="50000"/>
-                  </a:srgbClr>
-                </a:solidFill>
-                <a:latin typeface="휴먼둥근헤드라인" panose="02030504000101010101" pitchFamily="18" charset="-127"/>
-                <a:ea typeface="휴먼둥근헤드라인" panose="02030504000101010101" pitchFamily="18" charset="-127"/>
-                <a:cs typeface="Malgun Gothic Semilight" panose="020B0502040204020203" pitchFamily="50" charset="-127"/>
-              </a:rPr>
-              <a:t>주차</a:t>
-            </a:r>
-            <a:r>
-              <a:rPr lang="en-US" altLang="ko-KR" sz="2000" dirty="0">
-                <a:solidFill>
-                  <a:srgbClr val="19633E">
-                    <a:alpha val="50000"/>
-                  </a:srgbClr>
-                </a:solidFill>
-                <a:latin typeface="휴먼둥근헤드라인" panose="02030504000101010101" pitchFamily="18" charset="-127"/>
-                <a:ea typeface="휴먼둥근헤드라인" panose="02030504000101010101" pitchFamily="18" charset="-127"/>
-                <a:cs typeface="Malgun Gothic Semilight" panose="020B0502040204020203" pitchFamily="50" charset="-127"/>
-              </a:rPr>
-              <a:t>] [*</a:t>
-            </a:r>
-            <a:r>
-              <a:rPr lang="ko-KR" altLang="en-US" sz="2000" dirty="0">
-                <a:solidFill>
-                  <a:srgbClr val="19633E">
-                    <a:alpha val="50000"/>
-                  </a:srgbClr>
-                </a:solidFill>
-                <a:latin typeface="휴먼둥근헤드라인" panose="02030504000101010101" pitchFamily="18" charset="-127"/>
-                <a:ea typeface="휴먼둥근헤드라인" panose="02030504000101010101" pitchFamily="18" charset="-127"/>
-                <a:cs typeface="Malgun Gothic Semilight" panose="020B0502040204020203" pitchFamily="50" charset="-127"/>
-              </a:rPr>
-              <a:t>관점</a:t>
-            </a:r>
-            <a:r>
-              <a:rPr lang="en-US" altLang="ko-KR" sz="2000" dirty="0">
-                <a:solidFill>
-                  <a:srgbClr val="19633E">
-                    <a:alpha val="50000"/>
-                  </a:srgbClr>
-                </a:solidFill>
-                <a:latin typeface="휴먼둥근헤드라인" panose="02030504000101010101" pitchFamily="18" charset="-127"/>
-                <a:ea typeface="휴먼둥근헤드라인" panose="02030504000101010101" pitchFamily="18" charset="-127"/>
-                <a:cs typeface="Malgun Gothic Semilight" panose="020B0502040204020203" pitchFamily="50" charset="-127"/>
-              </a:rPr>
-              <a:t>] </a:t>
-            </a:r>
-            <a:r>
-              <a:rPr lang="ko-KR" altLang="en-US" sz="2000" dirty="0">
-                <a:solidFill>
-                  <a:srgbClr val="872135"/>
-                </a:solidFill>
-                <a:latin typeface="휴먼둥근헤드라인" panose="02030504000101010101" pitchFamily="18" charset="-127"/>
-                <a:ea typeface="휴먼둥근헤드라인" panose="02030504000101010101" pitchFamily="18" charset="-127"/>
-                <a:cs typeface="Malgun Gothic Semilight" panose="020B0502040204020203" pitchFamily="50" charset="-127"/>
-              </a:rPr>
-              <a:t>궁금한 주차의 패보를 조회해요</a:t>
-            </a:r>
-            <a:endParaRPr lang="en-US" altLang="ko-KR" sz="2000" dirty="0">
-              <a:solidFill>
-                <a:srgbClr val="19633E">
-                  <a:alpha val="50000"/>
-                </a:srgbClr>
-              </a:solidFill>
-              <a:latin typeface="휴먼둥근헤드라인" panose="02030504000101010101" pitchFamily="18" charset="-127"/>
-              <a:ea typeface="휴먼둥근헤드라인" panose="02030504000101010101" pitchFamily="18" charset="-127"/>
-              <a:cs typeface="Malgun Gothic Semilight" panose="020B0502040204020203" pitchFamily="50" charset="-127"/>
-            </a:endParaRPr>
-          </a:p>
-          <a:p>
-            <a:pPr>
-              <a:lnSpc>
-                <a:spcPct val="150000"/>
-              </a:lnSpc>
-            </a:pPr>
-            <a:r>
-              <a:rPr lang="en-US" altLang="ko-KR" sz="2000" dirty="0">
-                <a:solidFill>
-                  <a:srgbClr val="19633E">
-                    <a:alpha val="50000"/>
-                  </a:srgbClr>
-                </a:solidFill>
-                <a:latin typeface="휴먼둥근헤드라인" panose="02030504000101010101" pitchFamily="18" charset="-127"/>
-                <a:ea typeface="휴먼둥근헤드라인" panose="02030504000101010101" pitchFamily="18" charset="-127"/>
-                <a:cs typeface="Malgun Gothic Semilight" panose="020B0502040204020203" pitchFamily="50" charset="-127"/>
-              </a:rPr>
-              <a:t>!</a:t>
-            </a:r>
-            <a:r>
-              <a:rPr lang="ko-KR" altLang="en-US" sz="2000" dirty="0">
-                <a:solidFill>
-                  <a:srgbClr val="19633E">
-                    <a:alpha val="50000"/>
-                  </a:srgbClr>
-                </a:solidFill>
-                <a:latin typeface="휴먼둥근헤드라인" panose="02030504000101010101" pitchFamily="18" charset="-127"/>
-                <a:ea typeface="휴먼둥근헤드라인" panose="02030504000101010101" pitchFamily="18" charset="-127"/>
-                <a:cs typeface="Malgun Gothic Semilight" panose="020B0502040204020203" pitchFamily="50" charset="-127"/>
-              </a:rPr>
-              <a:t>링크 </a:t>
-            </a:r>
-            <a:r>
-              <a:rPr lang="en-US" altLang="ko-KR" sz="2000" dirty="0">
-                <a:solidFill>
-                  <a:srgbClr val="19633E">
-                    <a:alpha val="50000"/>
-                  </a:srgbClr>
-                </a:solidFill>
-                <a:latin typeface="휴먼둥근헤드라인" panose="02030504000101010101" pitchFamily="18" charset="-127"/>
-                <a:ea typeface="휴먼둥근헤드라인" panose="02030504000101010101" pitchFamily="18" charset="-127"/>
-                <a:cs typeface="Malgun Gothic Semilight" panose="020B0502040204020203" pitchFamily="50" charset="-127"/>
-              </a:rPr>
-              <a:t>or !</a:t>
-            </a:r>
-            <a:r>
-              <a:rPr lang="ko-KR" altLang="en-US" sz="2000" dirty="0">
-                <a:solidFill>
-                  <a:srgbClr val="19633E">
-                    <a:alpha val="50000"/>
-                  </a:srgbClr>
-                </a:solidFill>
-                <a:latin typeface="휴먼둥근헤드라인" panose="02030504000101010101" pitchFamily="18" charset="-127"/>
-                <a:ea typeface="휴먼둥근헤드라인" panose="02030504000101010101" pitchFamily="18" charset="-127"/>
-                <a:cs typeface="Malgun Gothic Semilight" panose="020B0502040204020203" pitchFamily="50" charset="-127"/>
-              </a:rPr>
-              <a:t>시트 </a:t>
-            </a:r>
-            <a:r>
-              <a:rPr lang="en-US" altLang="ko-KR" sz="2000" dirty="0">
-                <a:solidFill>
-                  <a:srgbClr val="19633E">
-                    <a:alpha val="50000"/>
-                  </a:srgbClr>
-                </a:solidFill>
-                <a:latin typeface="휴먼둥근헤드라인" panose="02030504000101010101" pitchFamily="18" charset="-127"/>
-                <a:ea typeface="휴먼둥근헤드라인" panose="02030504000101010101" pitchFamily="18" charset="-127"/>
-                <a:cs typeface="Malgun Gothic Semilight" panose="020B0502040204020203" pitchFamily="50" charset="-127"/>
-              </a:rPr>
-              <a:t>[</a:t>
-            </a:r>
-            <a:r>
-              <a:rPr lang="ko-KR" altLang="en-US" sz="2000" dirty="0">
-                <a:solidFill>
-                  <a:srgbClr val="19633E">
-                    <a:alpha val="50000"/>
-                  </a:srgbClr>
-                </a:solidFill>
-                <a:latin typeface="휴먼둥근헤드라인" panose="02030504000101010101" pitchFamily="18" charset="-127"/>
-                <a:ea typeface="휴먼둥근헤드라인" panose="02030504000101010101" pitchFamily="18" charset="-127"/>
-                <a:cs typeface="Malgun Gothic Semilight" panose="020B0502040204020203" pitchFamily="50" charset="-127"/>
-              </a:rPr>
-              <a:t>찾고자 하는 시트</a:t>
-            </a:r>
-            <a:r>
-              <a:rPr lang="en-US" altLang="ko-KR" sz="2000" dirty="0">
-                <a:solidFill>
-                  <a:srgbClr val="19633E">
-                    <a:alpha val="50000"/>
-                  </a:srgbClr>
-                </a:solidFill>
-                <a:latin typeface="휴먼둥근헤드라인" panose="02030504000101010101" pitchFamily="18" charset="-127"/>
-                <a:ea typeface="휴먼둥근헤드라인" panose="02030504000101010101" pitchFamily="18" charset="-127"/>
-                <a:cs typeface="Malgun Gothic Semilight" panose="020B0502040204020203" pitchFamily="50" charset="-127"/>
-              </a:rPr>
-              <a:t>] </a:t>
-            </a:r>
-            <a:r>
-              <a:rPr lang="ko-KR" altLang="en-US" sz="2000" dirty="0">
-                <a:solidFill>
-                  <a:srgbClr val="872135"/>
-                </a:solidFill>
-                <a:latin typeface="휴먼둥근헤드라인" panose="02030504000101010101" pitchFamily="18" charset="-127"/>
-                <a:ea typeface="휴먼둥근헤드라인" panose="02030504000101010101" pitchFamily="18" charset="-127"/>
-                <a:cs typeface="Malgun Gothic Semilight" panose="020B0502040204020203" pitchFamily="50" charset="-127"/>
-              </a:rPr>
-              <a:t>궁금한 시트의 링크를 조회해요</a:t>
-            </a:r>
-            <a:endParaRPr lang="en-US" altLang="ko-KR" sz="2000" dirty="0">
-              <a:solidFill>
-                <a:srgbClr val="19633E">
-                  <a:alpha val="50000"/>
-                </a:srgbClr>
-              </a:solidFill>
-              <a:latin typeface="휴먼둥근헤드라인" panose="02030504000101010101" pitchFamily="18" charset="-127"/>
-              <a:ea typeface="휴먼둥근헤드라인" panose="02030504000101010101" pitchFamily="18" charset="-127"/>
-              <a:cs typeface="Malgun Gothic Semilight" panose="020B0502040204020203" pitchFamily="50" charset="-127"/>
-            </a:endParaRPr>
-          </a:p>
-          <a:p>
-            <a:pPr>
-              <a:lnSpc>
-                <a:spcPct val="150000"/>
-              </a:lnSpc>
-            </a:pPr>
-            <a:r>
-              <a:rPr lang="en-US" altLang="ko-KR" sz="2000" dirty="0">
-                <a:solidFill>
-                  <a:srgbClr val="19633E">
-                    <a:alpha val="50000"/>
-                  </a:srgbClr>
-                </a:solidFill>
-                <a:latin typeface="휴먼둥근헤드라인" panose="02030504000101010101" pitchFamily="18" charset="-127"/>
-                <a:ea typeface="휴먼둥근헤드라인" panose="02030504000101010101" pitchFamily="18" charset="-127"/>
-                <a:cs typeface="Malgun Gothic Semilight" panose="020B0502040204020203" pitchFamily="50" charset="-127"/>
-              </a:rPr>
-              <a:t>!1</a:t>
-            </a:r>
-            <a:r>
-              <a:rPr lang="ko-KR" altLang="en-US" sz="2000" dirty="0">
-                <a:solidFill>
-                  <a:srgbClr val="19633E">
-                    <a:alpha val="50000"/>
-                  </a:srgbClr>
-                </a:solidFill>
-                <a:latin typeface="휴먼둥근헤드라인" panose="02030504000101010101" pitchFamily="18" charset="-127"/>
-                <a:ea typeface="휴먼둥근헤드라인" panose="02030504000101010101" pitchFamily="18" charset="-127"/>
-                <a:cs typeface="Malgun Gothic Semilight" panose="020B0502040204020203" pitchFamily="50" charset="-127"/>
-              </a:rPr>
-              <a:t>회전</a:t>
-            </a:r>
-            <a:r>
-              <a:rPr lang="en-US" altLang="ko-KR" sz="2000" dirty="0">
-                <a:solidFill>
-                  <a:srgbClr val="19633E">
-                    <a:alpha val="50000"/>
-                  </a:srgbClr>
-                </a:solidFill>
-                <a:latin typeface="휴먼둥근헤드라인" panose="02030504000101010101" pitchFamily="18" charset="-127"/>
-                <a:ea typeface="휴먼둥근헤드라인" panose="02030504000101010101" pitchFamily="18" charset="-127"/>
-                <a:cs typeface="Malgun Gothic Semilight" panose="020B0502040204020203" pitchFamily="50" charset="-127"/>
-              </a:rPr>
-              <a:t> </a:t>
-            </a:r>
-            <a:r>
-              <a:rPr lang="en-US" altLang="ko-KR" sz="2000" dirty="0">
-                <a:solidFill>
-                  <a:srgbClr val="872135"/>
-                </a:solidFill>
-                <a:latin typeface="휴먼둥근헤드라인" panose="02030504000101010101" pitchFamily="18" charset="-127"/>
-                <a:ea typeface="휴먼둥근헤드라인" panose="02030504000101010101" pitchFamily="18" charset="-127"/>
-                <a:cs typeface="Malgun Gothic Semilight" panose="020B0502040204020203" pitchFamily="50" charset="-127"/>
-              </a:rPr>
-              <a:t>1</a:t>
-            </a:r>
-            <a:r>
-              <a:rPr lang="ko-KR" altLang="en-US" sz="2000" dirty="0">
-                <a:solidFill>
-                  <a:srgbClr val="872135"/>
-                </a:solidFill>
-                <a:latin typeface="휴먼둥근헤드라인" panose="02030504000101010101" pitchFamily="18" charset="-127"/>
-                <a:ea typeface="휴먼둥근헤드라인" panose="02030504000101010101" pitchFamily="18" charset="-127"/>
-                <a:cs typeface="Malgun Gothic Semilight" panose="020B0502040204020203" pitchFamily="50" charset="-127"/>
-              </a:rPr>
-              <a:t>회전 결과를 조회해요</a:t>
-            </a:r>
-            <a:endParaRPr lang="en-US" altLang="ko-KR" sz="2000" dirty="0">
-              <a:solidFill>
-                <a:schemeClr val="tx1">
-                  <a:alpha val="50000"/>
-                </a:schemeClr>
-              </a:solidFill>
-              <a:latin typeface="휴먼둥근헤드라인" panose="02030504000101010101" pitchFamily="18" charset="-127"/>
-              <a:ea typeface="휴먼둥근헤드라인" panose="02030504000101010101" pitchFamily="18" charset="-127"/>
-              <a:cs typeface="Malgun Gothic Semilight" panose="020B0502040204020203" pitchFamily="50" charset="-127"/>
-            </a:endParaRPr>
+            <a:pPr algn="ctr"/>
+            <a:endParaRPr lang="ko-KR" altLang="en-US"/>
           </a:p>
         </p:txBody>
       </p:sp>
-      <p:sp>
-        <p:nvSpPr>
-          <p:cNvPr id="7" name="TextBox 6">
-            <a:extLst>
-              <a:ext uri="{FF2B5EF4-FFF2-40B4-BE49-F238E27FC236}">
-                <a16:creationId xmlns:a16="http://schemas.microsoft.com/office/drawing/2014/main" id="{55B45260-5ED9-5C9B-63E2-9D91407D5341}"/>
-              </a:ext>
-            </a:extLst>
-          </p:cNvPr>
-          <p:cNvSpPr txBox="1"/>
-          <p:nvPr/>
-        </p:nvSpPr>
-        <p:spPr>
-          <a:xfrm>
-            <a:off x="517430" y="484138"/>
-            <a:ext cx="6280887" cy="1569660"/>
+      <p:pic>
+        <p:nvPicPr>
+          <p:cNvPr id="9" name="그림 8">
+            <a:extLst>
+              <a:ext uri="{FF2B5EF4-FFF2-40B4-BE49-F238E27FC236}">
+                <a16:creationId xmlns:a16="http://schemas.microsoft.com/office/drawing/2014/main" id="{BBACA02D-B4D1-7B78-BA59-23FB1A2334CB}"/>
+              </a:ext>
+            </a:extLst>
+          </p:cNvPr>
+          <p:cNvPicPr>
+            <a:picLocks noChangeAspect="1"/>
+          </p:cNvPicPr>
+          <p:nvPr/>
+        </p:nvPicPr>
+        <p:blipFill>
+          <a:blip r:embed="rId5"/>
+          <a:stretch>
+            <a:fillRect/>
+          </a:stretch>
+        </p:blipFill>
+        <p:spPr>
+          <a:xfrm>
+            <a:off x="6633785" y="4478078"/>
+            <a:ext cx="3372321" cy="819264"/>
           </a:xfrm>
           <a:prstGeom prst="rect">
             <a:avLst/>
           </a:prstGeom>
-          <a:noFill/>
-        </p:spPr>
-        <p:txBody>
-          <a:bodyPr wrap="none" rtlCol="0">
-            <a:spAutoFit/>
-          </a:bodyPr>
-          <a:lstStyle/>
-          <a:p>
-            <a:r>
-              <a:rPr lang="en-US" altLang="ko-KR" sz="9600" b="1" dirty="0">
-                <a:solidFill>
-                  <a:srgbClr val="19633E">
-                    <a:alpha val="50000"/>
-                  </a:srgbClr>
-                </a:solidFill>
-                <a:latin typeface="HY견고딕" panose="02030600000101010101" pitchFamily="18" charset="-127"/>
-                <a:ea typeface="HY견고딕" panose="02030600000101010101" pitchFamily="18" charset="-127"/>
-                <a:cs typeface="Malgun Gothic Semilight" panose="020B0502040204020203" pitchFamily="50" charset="-127"/>
-              </a:rPr>
-              <a:t>Summary</a:t>
-            </a:r>
-            <a:endParaRPr lang="ko-KR" altLang="en-US" sz="9600" b="1" dirty="0">
-              <a:solidFill>
-                <a:srgbClr val="19633E">
-                  <a:alpha val="50000"/>
-                </a:srgbClr>
-              </a:solidFill>
-              <a:latin typeface="HY견고딕" panose="02030600000101010101" pitchFamily="18" charset="-127"/>
-              <a:ea typeface="HY견고딕" panose="02030600000101010101" pitchFamily="18" charset="-127"/>
-              <a:cs typeface="Malgun Gothic Semilight" panose="020B0502040204020203" pitchFamily="50" charset="-127"/>
-            </a:endParaRPr>
-          </a:p>
-        </p:txBody>
-      </p:sp>
+        </p:spPr>
+      </p:pic>
     </p:spTree>
     <p:extLst>
       <p:ext uri="{BB962C8B-B14F-4D97-AF65-F5344CB8AC3E}">
-        <p14:creationId xmlns:p14="http://schemas.microsoft.com/office/powerpoint/2010/main" val="523429888"/>
+        <p14:creationId xmlns:p14="http://schemas.microsoft.com/office/powerpoint/2010/main" val="2855074275"/>
       </p:ext>
     </p:extLst>
   </p:cSld>
@@ -24453,10 +22544,10 @@
       </p:pic>
       <p:sp>
         <p:nvSpPr>
-          <p:cNvPr id="5" name="TextBox 4">
-            <a:extLst>
-              <a:ext uri="{FF2B5EF4-FFF2-40B4-BE49-F238E27FC236}">
-                <a16:creationId xmlns:a16="http://schemas.microsoft.com/office/drawing/2014/main" id="{EA66CA8A-33CB-C084-19AC-4BA72C7E299A}"/>
+          <p:cNvPr id="11" name="TextBox 10">
+            <a:extLst>
+              <a:ext uri="{FF2B5EF4-FFF2-40B4-BE49-F238E27FC236}">
+                <a16:creationId xmlns:a16="http://schemas.microsoft.com/office/drawing/2014/main" id="{1B33B9B0-5B2C-EDC0-F232-2D9314CCF402}"/>
               </a:ext>
             </a:extLst>
           </p:cNvPr>
@@ -24465,13 +22556,16 @@
         </p:nvSpPr>
         <p:spPr>
           <a:xfrm>
-            <a:off x="2449286" y="1957999"/>
-            <a:ext cx="8915399" cy="2801023"/>
+            <a:off x="2703286" y="3397631"/>
+            <a:ext cx="8971284" cy="369332"/>
           </a:xfrm>
           <a:prstGeom prst="rect">
             <a:avLst/>
           </a:prstGeom>
           <a:noFill/>
+          <a:ln>
+            <a:noFill/>
+          </a:ln>
         </p:spPr>
         <p:txBody>
           <a:bodyPr wrap="square">
@@ -24479,6 +22573,386 @@
           </a:bodyPr>
           <a:lstStyle/>
           <a:p>
+            <a:r>
+              <a:rPr lang="ko-KR" altLang="en-US" dirty="0">
+                <a:solidFill>
+                  <a:srgbClr val="19643D"/>
+                </a:solidFill>
+                <a:latin typeface="맑은 고딕" panose="020B0503020000020004" pitchFamily="50" charset="-127"/>
+                <a:ea typeface="맑은 고딕" panose="020B0503020000020004" pitchFamily="50" charset="-127"/>
+                <a:cs typeface="Malgun Gothic Semilight" panose="020B0502040204020203" pitchFamily="50" charset="-127"/>
+              </a:rPr>
+              <a:t>✔</a:t>
+            </a:r>
+            <a:r>
+              <a:rPr lang="ko-KR" altLang="en-US" dirty="0">
+                <a:solidFill>
+                  <a:srgbClr val="19633E">
+                    <a:alpha val="50000"/>
+                  </a:srgbClr>
+                </a:solidFill>
+                <a:latin typeface="맑은 고딕" panose="020B0503020000020004" pitchFamily="50" charset="-127"/>
+                <a:ea typeface="맑은 고딕" panose="020B0503020000020004" pitchFamily="50" charset="-127"/>
+                <a:cs typeface="Malgun Gothic Semilight" panose="020B0502040204020203" pitchFamily="50" charset="-127"/>
+              </a:rPr>
+              <a:t> 혼천리그 현재 </a:t>
+            </a:r>
+            <a:r>
+              <a:rPr lang="ko-KR" altLang="en-US" dirty="0">
+                <a:solidFill>
+                  <a:srgbClr val="1A613D"/>
+                </a:solidFill>
+                <a:latin typeface="맑은 고딕" panose="020B0503020000020004" pitchFamily="50" charset="-127"/>
+                <a:ea typeface="맑은 고딕" panose="020B0503020000020004" pitchFamily="50" charset="-127"/>
+                <a:cs typeface="Malgun Gothic Semilight" panose="020B0502040204020203" pitchFamily="50" charset="-127"/>
+              </a:rPr>
+              <a:t>참가선수 별 응원 포인트 배당률</a:t>
+            </a:r>
+            <a:r>
+              <a:rPr lang="ko-KR" altLang="en-US" dirty="0">
+                <a:solidFill>
+                  <a:srgbClr val="19633E">
+                    <a:alpha val="50000"/>
+                  </a:srgbClr>
+                </a:solidFill>
+                <a:latin typeface="맑은 고딕" panose="020B0503020000020004" pitchFamily="50" charset="-127"/>
+                <a:ea typeface="맑은 고딕" panose="020B0503020000020004" pitchFamily="50" charset="-127"/>
+                <a:cs typeface="Malgun Gothic Semilight" panose="020B0502040204020203" pitchFamily="50" charset="-127"/>
+              </a:rPr>
+              <a:t>을 알려드려요</a:t>
+            </a:r>
+            <a:endParaRPr lang="en-US" altLang="ko-KR" dirty="0">
+              <a:solidFill>
+                <a:srgbClr val="19633E">
+                  <a:alpha val="50000"/>
+                </a:srgbClr>
+              </a:solidFill>
+              <a:latin typeface="맑은 고딕" panose="020B0503020000020004" pitchFamily="50" charset="-127"/>
+              <a:ea typeface="맑은 고딕" panose="020B0503020000020004" pitchFamily="50" charset="-127"/>
+              <a:cs typeface="Malgun Gothic Semilight" panose="020B0502040204020203" pitchFamily="50" charset="-127"/>
+            </a:endParaRPr>
+          </a:p>
+        </p:txBody>
+      </p:sp>
+      <p:sp>
+        <p:nvSpPr>
+          <p:cNvPr id="7" name="TextBox 6">
+            <a:extLst>
+              <a:ext uri="{FF2B5EF4-FFF2-40B4-BE49-F238E27FC236}">
+                <a16:creationId xmlns:a16="http://schemas.microsoft.com/office/drawing/2014/main" id="{8DF630F7-3187-48DC-3D7F-2AD5BDBA9F5C}"/>
+              </a:ext>
+            </a:extLst>
+          </p:cNvPr>
+          <p:cNvSpPr txBox="1"/>
+          <p:nvPr/>
+        </p:nvSpPr>
+        <p:spPr>
+          <a:xfrm>
+            <a:off x="517430" y="484138"/>
+            <a:ext cx="5522666" cy="1569660"/>
+          </a:xfrm>
+          <a:prstGeom prst="rect">
+            <a:avLst/>
+          </a:prstGeom>
+          <a:noFill/>
+        </p:spPr>
+        <p:txBody>
+          <a:bodyPr wrap="none" rtlCol="0">
+            <a:spAutoFit/>
+          </a:bodyPr>
+          <a:lstStyle/>
+          <a:p>
+            <a:r>
+              <a:rPr lang="en-US" altLang="ko-KR" sz="9600" b="1" dirty="0">
+                <a:solidFill>
+                  <a:srgbClr val="19633E">
+                    <a:alpha val="50000"/>
+                  </a:srgbClr>
+                </a:solidFill>
+                <a:latin typeface="HY견고딕" panose="02030600000101010101" pitchFamily="18" charset="-127"/>
+                <a:ea typeface="HY견고딕" panose="02030600000101010101" pitchFamily="18" charset="-127"/>
+                <a:cs typeface="Malgun Gothic Semilight" panose="020B0502040204020203" pitchFamily="50" charset="-127"/>
+              </a:rPr>
+              <a:t>!</a:t>
+            </a:r>
+            <a:r>
+              <a:rPr lang="ko-KR" altLang="en-US" sz="9600" b="1" dirty="0">
+                <a:solidFill>
+                  <a:srgbClr val="19633E">
+                    <a:alpha val="50000"/>
+                  </a:srgbClr>
+                </a:solidFill>
+                <a:latin typeface="HY견고딕" panose="02030600000101010101" pitchFamily="18" charset="-127"/>
+                <a:ea typeface="HY견고딕" panose="02030600000101010101" pitchFamily="18" charset="-127"/>
+                <a:cs typeface="Malgun Gothic Semilight" panose="020B0502040204020203" pitchFamily="50" charset="-127"/>
+              </a:rPr>
+              <a:t>응원현황</a:t>
+            </a:r>
+          </a:p>
+        </p:txBody>
+      </p:sp>
+      <p:sp>
+        <p:nvSpPr>
+          <p:cNvPr id="8" name="TextBox 7">
+            <a:extLst>
+              <a:ext uri="{FF2B5EF4-FFF2-40B4-BE49-F238E27FC236}">
+                <a16:creationId xmlns:a16="http://schemas.microsoft.com/office/drawing/2014/main" id="{3ACD6A36-E136-24B7-2645-12845FDC8D41}"/>
+              </a:ext>
+            </a:extLst>
+          </p:cNvPr>
+          <p:cNvSpPr txBox="1"/>
+          <p:nvPr/>
+        </p:nvSpPr>
+        <p:spPr>
+          <a:xfrm>
+            <a:off x="634999" y="2053798"/>
+            <a:ext cx="1533435" cy="461665"/>
+          </a:xfrm>
+          <a:prstGeom prst="rect">
+            <a:avLst/>
+          </a:prstGeom>
+          <a:noFill/>
+        </p:spPr>
+        <p:txBody>
+          <a:bodyPr wrap="square">
+            <a:spAutoFit/>
+          </a:bodyPr>
+          <a:lstStyle/>
+          <a:p>
+            <a:r>
+              <a:rPr lang="en-US" altLang="ko-KR" sz="2400" b="1" dirty="0">
+                <a:solidFill>
+                  <a:srgbClr val="19633E">
+                    <a:alpha val="50000"/>
+                  </a:srgbClr>
+                </a:solidFill>
+                <a:latin typeface="휴먼둥근헤드라인" panose="02030504000101010101" pitchFamily="18" charset="-127"/>
+                <a:ea typeface="휴먼둥근헤드라인" panose="02030504000101010101" pitchFamily="18" charset="-127"/>
+                <a:cs typeface="Malgun Gothic Semilight" panose="020B0502040204020203" pitchFamily="50" charset="-127"/>
+              </a:rPr>
+              <a:t>!</a:t>
+            </a:r>
+            <a:r>
+              <a:rPr lang="ko-KR" altLang="en-US" sz="2400" b="1" dirty="0">
+                <a:solidFill>
+                  <a:srgbClr val="19633E">
+                    <a:alpha val="50000"/>
+                  </a:srgbClr>
+                </a:solidFill>
+                <a:latin typeface="휴먼둥근헤드라인" panose="02030504000101010101" pitchFamily="18" charset="-127"/>
+                <a:ea typeface="휴먼둥근헤드라인" panose="02030504000101010101" pitchFamily="18" charset="-127"/>
+                <a:cs typeface="Malgun Gothic Semilight" panose="020B0502040204020203" pitchFamily="50" charset="-127"/>
+              </a:rPr>
+              <a:t>응원현황</a:t>
+            </a:r>
+            <a:endParaRPr lang="en-US" altLang="ko-KR" sz="2400" b="1" dirty="0">
+              <a:solidFill>
+                <a:srgbClr val="19633E">
+                  <a:alpha val="50000"/>
+                </a:srgbClr>
+              </a:solidFill>
+              <a:latin typeface="휴먼둥근헤드라인" panose="02030504000101010101" pitchFamily="18" charset="-127"/>
+              <a:ea typeface="휴먼둥근헤드라인" panose="02030504000101010101" pitchFamily="18" charset="-127"/>
+              <a:cs typeface="Malgun Gothic Semilight" panose="020B0502040204020203" pitchFamily="50" charset="-127"/>
+            </a:endParaRPr>
+          </a:p>
+        </p:txBody>
+      </p:sp>
+      <p:cxnSp>
+        <p:nvCxnSpPr>
+          <p:cNvPr id="9" name="직선 연결선 8">
+            <a:extLst>
+              <a:ext uri="{FF2B5EF4-FFF2-40B4-BE49-F238E27FC236}">
+                <a16:creationId xmlns:a16="http://schemas.microsoft.com/office/drawing/2014/main" id="{A4668DD8-7221-A527-5D64-B44670F2040C}"/>
+              </a:ext>
+            </a:extLst>
+          </p:cNvPr>
+          <p:cNvCxnSpPr>
+            <a:cxnSpLocks/>
+          </p:cNvCxnSpPr>
+          <p:nvPr/>
+        </p:nvCxnSpPr>
+        <p:spPr>
+          <a:xfrm>
+            <a:off x="723900" y="2528163"/>
+            <a:ext cx="1366157" cy="0"/>
+          </a:xfrm>
+          <a:prstGeom prst="line">
+            <a:avLst/>
+          </a:prstGeom>
+          <a:ln w="57150">
+            <a:solidFill>
+              <a:srgbClr val="1D5F3C">
+                <a:alpha val="50000"/>
+              </a:srgbClr>
+            </a:solidFill>
+          </a:ln>
+        </p:spPr>
+        <p:style>
+          <a:lnRef idx="1">
+            <a:schemeClr val="accent1"/>
+          </a:lnRef>
+          <a:fillRef idx="0">
+            <a:schemeClr val="accent1"/>
+          </a:fillRef>
+          <a:effectRef idx="0">
+            <a:schemeClr val="accent1"/>
+          </a:effectRef>
+          <a:fontRef idx="minor">
+            <a:schemeClr val="tx1"/>
+          </a:fontRef>
+        </p:style>
+      </p:cxnSp>
+    </p:spTree>
+    <p:extLst>
+      <p:ext uri="{BB962C8B-B14F-4D97-AF65-F5344CB8AC3E}">
+        <p14:creationId xmlns:p14="http://schemas.microsoft.com/office/powerpoint/2010/main" val="3910233318"/>
+      </p:ext>
+    </p:extLst>
+  </p:cSld>
+  <p:clrMapOvr>
+    <a:masterClrMapping/>
+  </p:clrMapOvr>
+</p:sld>
+</file>
+
+<file path=ppt/slides/slide38.xml><?xml version="1.0" encoding="utf-8"?>
+<p:sld xmlns:a="http://schemas.openxmlformats.org/drawingml/2006/main" xmlns:r="http://schemas.openxmlformats.org/officeDocument/2006/relationships" xmlns:p="http://schemas.openxmlformats.org/presentationml/2006/main">
+  <p:cSld>
+    <p:spTree>
+      <p:nvGrpSpPr>
+        <p:cNvPr id="1" name=""/>
+        <p:cNvGrpSpPr/>
+        <p:nvPr/>
+      </p:nvGrpSpPr>
+      <p:grpSpPr>
+        <a:xfrm>
+          <a:off x="0" y="0"/>
+          <a:ext cx="0" cy="0"/>
+          <a:chOff x="0" y="0"/>
+          <a:chExt cx="0" cy="0"/>
+        </a:xfrm>
+      </p:grpSpPr>
+      <p:pic>
+        <p:nvPicPr>
+          <p:cNvPr id="3" name="그림 2" descr="클립아트, 상징, 만화 영화, 일러스트레이션이(가) 표시된 사진&#10;&#10;자동 생성된 설명">
+            <a:extLst>
+              <a:ext uri="{FF2B5EF4-FFF2-40B4-BE49-F238E27FC236}">
+                <a16:creationId xmlns:a16="http://schemas.microsoft.com/office/drawing/2014/main" id="{1A72D100-395A-E0AD-538D-3EC9E53B16FA}"/>
+              </a:ext>
+            </a:extLst>
+          </p:cNvPr>
+          <p:cNvPicPr>
+            <a:picLocks noChangeAspect="1"/>
+          </p:cNvPicPr>
+          <p:nvPr/>
+        </p:nvPicPr>
+        <p:blipFill rotWithShape="1">
+          <a:blip r:embed="rId2">
+            <a:extLst>
+              <a:ext uri="{BEBA8EAE-BF5A-486C-A8C5-ECC9F3942E4B}">
+                <a14:imgProps xmlns:a14="http://schemas.microsoft.com/office/drawing/2010/main">
+                  <a14:imgLayer r:embed="rId3">
+                    <a14:imgEffect>
+                      <a14:backgroundRemoval t="8871" b="94758" l="9091" r="89773">
+                        <a14:foregroundMark x1="45455" y1="9677" x2="48295" y2="13306"/>
+                        <a14:foregroundMark x1="24432" y1="43952" x2="21591" y2="51613"/>
+                        <a14:foregroundMark x1="34091" y1="50806" x2="55114" y2="62500"/>
+                        <a14:foregroundMark x1="71591" y1="37500" x2="60795" y2="42339"/>
+                        <a14:foregroundMark x1="74432" y1="45565" x2="74432" y2="51613"/>
+                        <a14:foregroundMark x1="44886" y1="56048" x2="42614" y2="69758"/>
+                        <a14:foregroundMark x1="23295" y1="66532" x2="37500" y2="77016"/>
+                        <a14:foregroundMark x1="72727" y1="73387" x2="69886" y2="78226"/>
+                        <a14:foregroundMark x1="46591" y1="90323" x2="47159" y2="87500"/>
+                        <a14:foregroundMark x1="63636" y1="93145" x2="61932" y2="94355"/>
+                        <a14:foregroundMark x1="46591" y1="94758" x2="48295" y2="94758"/>
+                      </a14:backgroundRemoval>
+                    </a14:imgEffect>
+                  </a14:imgLayer>
+                </a14:imgProps>
+              </a:ext>
+              <a:ext uri="{28A0092B-C50C-407E-A947-70E740481C1C}">
+                <a14:useLocalDpi xmlns:a14="http://schemas.microsoft.com/office/drawing/2010/main" val="0"/>
+              </a:ext>
+            </a:extLst>
+          </a:blip>
+          <a:srcRect b="34119"/>
+          <a:stretch/>
+        </p:blipFill>
+        <p:spPr>
+          <a:xfrm>
+            <a:off x="10117000" y="4724722"/>
+            <a:ext cx="2293533" cy="2129162"/>
+          </a:xfrm>
+          <a:prstGeom prst="rect">
+            <a:avLst/>
+          </a:prstGeom>
+        </p:spPr>
+      </p:pic>
+      <p:pic>
+        <p:nvPicPr>
+          <p:cNvPr id="4" name="그림 3" descr="클립아트, 만화 영화, 일러스트레이션, 그림이(가) 표시된 사진&#10;&#10;자동 생성된 설명">
+            <a:extLst>
+              <a:ext uri="{FF2B5EF4-FFF2-40B4-BE49-F238E27FC236}">
+                <a16:creationId xmlns:a16="http://schemas.microsoft.com/office/drawing/2014/main" id="{B7DFF34B-22E2-9AF8-06A9-F199A9960908}"/>
+              </a:ext>
+            </a:extLst>
+          </p:cNvPr>
+          <p:cNvPicPr>
+            <a:picLocks noChangeAspect="1"/>
+          </p:cNvPicPr>
+          <p:nvPr/>
+        </p:nvPicPr>
+        <p:blipFill>
+          <a:blip r:embed="rId4">
+            <a:extLst>
+              <a:ext uri="{28A0092B-C50C-407E-A947-70E740481C1C}">
+                <a14:useLocalDpi xmlns:a14="http://schemas.microsoft.com/office/drawing/2010/main" val="0"/>
+              </a:ext>
+            </a:extLst>
+          </a:blip>
+          <a:stretch>
+            <a:fillRect/>
+          </a:stretch>
+        </p:blipFill>
+        <p:spPr>
+          <a:xfrm>
+            <a:off x="0" y="3220288"/>
+            <a:ext cx="2449286" cy="3429000"/>
+          </a:xfrm>
+          <a:prstGeom prst="rect">
+            <a:avLst/>
+          </a:prstGeom>
+        </p:spPr>
+      </p:pic>
+      <p:sp>
+        <p:nvSpPr>
+          <p:cNvPr id="5" name="TextBox 4">
+            <a:extLst>
+              <a:ext uri="{FF2B5EF4-FFF2-40B4-BE49-F238E27FC236}">
+                <a16:creationId xmlns:a16="http://schemas.microsoft.com/office/drawing/2014/main" id="{EA66CA8A-33CB-C084-19AC-4BA72C7E299A}"/>
+              </a:ext>
+            </a:extLst>
+          </p:cNvPr>
+          <p:cNvSpPr txBox="1"/>
+          <p:nvPr/>
+        </p:nvSpPr>
+        <p:spPr>
+          <a:xfrm>
+            <a:off x="2449286" y="1957999"/>
+            <a:ext cx="8915399" cy="4186018"/>
+          </a:xfrm>
+          <a:prstGeom prst="rect">
+            <a:avLst/>
+          </a:prstGeom>
+          <a:noFill/>
+        </p:spPr>
+        <p:txBody>
+          <a:bodyPr wrap="square">
+            <a:spAutoFit/>
+          </a:bodyPr>
+          <a:lstStyle/>
+          <a:p>
             <a:pPr>
               <a:lnSpc>
                 <a:spcPct val="150000"/>
@@ -24508,18 +22982,57 @@
                 <a:ea typeface="휴먼둥근헤드라인" panose="02030504000101010101" pitchFamily="18" charset="-127"/>
                 <a:cs typeface="Malgun Gothic Semilight" panose="020B0502040204020203" pitchFamily="50" charset="-127"/>
               </a:rPr>
-              <a:t>출첵 </a:t>
-            </a:r>
-            <a:r>
-              <a:rPr lang="ko-KR" altLang="en-US" sz="2000" dirty="0">
-                <a:solidFill>
-                  <a:srgbClr val="872135"/>
+              <a:t>질문 </a:t>
+            </a:r>
+            <a:r>
+              <a:rPr lang="en-US" altLang="ko-KR" sz="2000" dirty="0">
+                <a:solidFill>
+                  <a:srgbClr val="19633E">
+                    <a:alpha val="50000"/>
+                  </a:srgbClr>
                 </a:solidFill>
                 <a:latin typeface="휴먼둥근헤드라인" panose="02030504000101010101" pitchFamily="18" charset="-127"/>
                 <a:ea typeface="휴먼둥근헤드라인" panose="02030504000101010101" pitchFamily="18" charset="-127"/>
                 <a:cs typeface="Malgun Gothic Semilight" panose="020B0502040204020203" pitchFamily="50" charset="-127"/>
               </a:rPr>
-              <a:t>출석체크하고 포인트를 획득해요</a:t>
+              <a:t>[</a:t>
+            </a:r>
+            <a:r>
+              <a:rPr lang="ko-KR" altLang="en-US" sz="2000" dirty="0">
+                <a:solidFill>
+                  <a:srgbClr val="19633E">
+                    <a:alpha val="50000"/>
+                  </a:srgbClr>
+                </a:solidFill>
+                <a:latin typeface="휴먼둥근헤드라인" panose="02030504000101010101" pitchFamily="18" charset="-127"/>
+                <a:ea typeface="휴먼둥근헤드라인" panose="02030504000101010101" pitchFamily="18" charset="-127"/>
+                <a:cs typeface="Malgun Gothic Semilight" panose="020B0502040204020203" pitchFamily="50" charset="-127"/>
+              </a:rPr>
+              <a:t>질문하고 싶은 내용</a:t>
+            </a:r>
+            <a:r>
+              <a:rPr lang="en-US" altLang="ko-KR" sz="2000" dirty="0">
+                <a:solidFill>
+                  <a:srgbClr val="19633E">
+                    <a:alpha val="50000"/>
+                  </a:srgbClr>
+                </a:solidFill>
+                <a:latin typeface="휴먼둥근헤드라인" panose="02030504000101010101" pitchFamily="18" charset="-127"/>
+                <a:ea typeface="휴먼둥근헤드라인" panose="02030504000101010101" pitchFamily="18" charset="-127"/>
+                <a:cs typeface="Malgun Gothic Semilight" panose="020B0502040204020203" pitchFamily="50" charset="-127"/>
+              </a:rPr>
+              <a:t>] </a:t>
+            </a:r>
+            <a:r>
+              <a:rPr lang="ko-KR" altLang="en-US" sz="2000" dirty="0">
+                <a:solidFill>
+                  <a:srgbClr val="872135"/>
+                </a:solidFill>
+                <a:latin typeface="휴먼둥근헤드라인" panose="02030504000101010101" pitchFamily="18" charset="-127"/>
+                <a:ea typeface="휴먼둥근헤드라인" panose="02030504000101010101" pitchFamily="18" charset="-127"/>
+                <a:cs typeface="Malgun Gothic Semilight" panose="020B0502040204020203" pitchFamily="50" charset="-127"/>
+              </a:rPr>
+              <a:t>궁금한 질문을 등록해요</a:t>
             </a:r>
             <a:r>
               <a:rPr lang="en-US" altLang="ko-KR" sz="2000" dirty="0">
@@ -24576,7 +23089,7 @@
                 <a:ea typeface="휴먼둥근헤드라인" panose="02030504000101010101" pitchFamily="18" charset="-127"/>
                 <a:cs typeface="Malgun Gothic Semilight" panose="020B0502040204020203" pitchFamily="50" charset="-127"/>
               </a:rPr>
-              <a:t>베팅 </a:t>
+              <a:t>기록 </a:t>
             </a:r>
             <a:r>
               <a:rPr lang="en-US" altLang="ko-KR" sz="2000" dirty="0">
@@ -24592,7 +23105,7 @@
               <a:t>[</a:t>
             </a:r>
             <a:r>
-              <a:rPr lang="ko-KR" altLang="en-US" sz="2000" dirty="0" err="1">
+              <a:rPr lang="ko-KR" altLang="en-US" sz="2000" dirty="0">
                 <a:solidFill>
                   <a:srgbClr val="19633E">
                     <a:alpha val="50000"/>
@@ -24602,7 +23115,7 @@
                 <a:ea typeface="휴먼둥근헤드라인" panose="02030504000101010101" pitchFamily="18" charset="-127"/>
                 <a:cs typeface="Malgun Gothic Semilight" panose="020B0502040204020203" pitchFamily="50" charset="-127"/>
               </a:rPr>
-              <a:t>선수명</a:t>
+              <a:t>주차</a:t>
             </a:r>
             <a:r>
               <a:rPr lang="en-US" altLang="ko-KR" sz="2000" dirty="0">
@@ -24615,10 +23128,10 @@
                 <a:ea typeface="휴먼둥근헤드라인" panose="02030504000101010101" pitchFamily="18" charset="-127"/>
                 <a:cs typeface="Malgun Gothic Semilight" panose="020B0502040204020203" pitchFamily="50" charset="-127"/>
               </a:rPr>
-              <a:t>] [</a:t>
-            </a:r>
-            <a:r>
-              <a:rPr lang="ko-KR" altLang="en-US" sz="2000" dirty="0" err="1">
+              <a:t>]</a:t>
+            </a:r>
+            <a:r>
+              <a:rPr lang="ko-KR" altLang="en-US" sz="2000" dirty="0">
                 <a:solidFill>
                   <a:srgbClr val="19633E">
                     <a:alpha val="50000"/>
@@ -24628,7 +23141,7 @@
                 <a:ea typeface="휴먼둥근헤드라인" panose="02030504000101010101" pitchFamily="18" charset="-127"/>
                 <a:cs typeface="Malgun Gothic Semilight" panose="020B0502040204020203" pitchFamily="50" charset="-127"/>
               </a:rPr>
-              <a:t>베팅액</a:t>
+              <a:t> </a:t>
             </a:r>
             <a:r>
               <a:rPr lang="en-US" altLang="ko-KR" sz="2000" dirty="0">
@@ -24641,29 +23154,33 @@
                 <a:ea typeface="휴먼둥근헤드라인" panose="02030504000101010101" pitchFamily="18" charset="-127"/>
                 <a:cs typeface="Malgun Gothic Semilight" panose="020B0502040204020203" pitchFamily="50" charset="-127"/>
               </a:rPr>
-              <a:t>]</a:t>
+              <a:t>[</a:t>
             </a:r>
             <a:r>
               <a:rPr lang="ko-KR" altLang="en-US" sz="2000" dirty="0">
                 <a:solidFill>
-                  <a:srgbClr val="872135"/>
+                  <a:srgbClr val="19633E">
+                    <a:alpha val="50000"/>
+                  </a:srgbClr>
                 </a:solidFill>
                 <a:latin typeface="휴먼둥근헤드라인" panose="02030504000101010101" pitchFamily="18" charset="-127"/>
                 <a:ea typeface="휴먼둥근헤드라인" panose="02030504000101010101" pitchFamily="18" charset="-127"/>
                 <a:cs typeface="Malgun Gothic Semilight" panose="020B0502040204020203" pitchFamily="50" charset="-127"/>
               </a:rPr>
-              <a:t> </a:t>
+              <a:t>찾고자 하는 내용</a:t>
             </a:r>
             <a:r>
               <a:rPr lang="en-US" altLang="ko-KR" sz="2000" dirty="0">
                 <a:solidFill>
-                  <a:srgbClr val="872135"/>
+                  <a:srgbClr val="19633E">
+                    <a:alpha val="50000"/>
+                  </a:srgbClr>
                 </a:solidFill>
                 <a:latin typeface="휴먼둥근헤드라인" panose="02030504000101010101" pitchFamily="18" charset="-127"/>
                 <a:ea typeface="휴먼둥근헤드라인" panose="02030504000101010101" pitchFamily="18" charset="-127"/>
                 <a:cs typeface="Malgun Gothic Semilight" panose="020B0502040204020203" pitchFamily="50" charset="-127"/>
               </a:rPr>
-              <a:t>1</a:t>
+              <a:t>] </a:t>
             </a:r>
             <a:r>
               <a:rPr lang="ko-KR" altLang="en-US" sz="2000" dirty="0">
@@ -24674,7 +23191,7 @@
                 <a:ea typeface="휴먼둥근헤드라인" panose="02030504000101010101" pitchFamily="18" charset="-127"/>
                 <a:cs typeface="Malgun Gothic Semilight" panose="020B0502040204020203" pitchFamily="50" charset="-127"/>
               </a:rPr>
-              <a:t>등 선수를 예측하고 포인트를 걸어요</a:t>
+              <a:t>궁금한 대회 기록을 조회해요</a:t>
             </a:r>
             <a:r>
               <a:rPr lang="en-US" altLang="ko-KR" sz="2000" dirty="0">
@@ -24728,40 +23245,103 @@
                 <a:ea typeface="휴먼둥근헤드라인" panose="02030504000101010101" pitchFamily="18" charset="-127"/>
                 <a:cs typeface="Malgun Gothic Semilight" panose="020B0502040204020203" pitchFamily="50" charset="-127"/>
               </a:rPr>
-              <a:t>구매 </a:t>
+              <a:t>이번주 </a:t>
             </a:r>
             <a:r>
               <a:rPr lang="en-US" altLang="ko-KR" sz="2000" dirty="0">
                 <a:solidFill>
-                  <a:srgbClr val="872135"/>
+                  <a:srgbClr val="19633E">
+                    <a:alpha val="50000"/>
+                  </a:srgbClr>
                 </a:solidFill>
                 <a:latin typeface="휴먼둥근헤드라인" panose="02030504000101010101" pitchFamily="18" charset="-127"/>
                 <a:ea typeface="휴먼둥근헤드라인" panose="02030504000101010101" pitchFamily="18" charset="-127"/>
                 <a:cs typeface="Malgun Gothic Semilight" panose="020B0502040204020203" pitchFamily="50" charset="-127"/>
               </a:rPr>
-              <a:t>10,000 </a:t>
+              <a:t>[*</a:t>
             </a:r>
             <a:r>
               <a:rPr lang="ko-KR" altLang="en-US" sz="2000" dirty="0">
                 <a:solidFill>
-                  <a:srgbClr val="872135"/>
+                  <a:srgbClr val="19633E">
+                    <a:alpha val="50000"/>
+                  </a:srgbClr>
                 </a:solidFill>
                 <a:latin typeface="휴먼둥근헤드라인" panose="02030504000101010101" pitchFamily="18" charset="-127"/>
                 <a:ea typeface="휴먼둥근헤드라인" panose="02030504000101010101" pitchFamily="18" charset="-127"/>
                 <a:cs typeface="Malgun Gothic Semilight" panose="020B0502040204020203" pitchFamily="50" charset="-127"/>
               </a:rPr>
-              <a:t>포인트를 지불해 혼천 선수우선권을 구매해요</a:t>
-            </a:r>
-            <a:r>
-              <a:rPr lang="en-US" altLang="ko-KR" sz="2000" dirty="0">
-                <a:solidFill>
-                  <a:srgbClr val="872135"/>
+              <a:t>찾고자 하는 </a:t>
+            </a:r>
+            <a:r>
+              <a:rPr lang="ko-KR" altLang="en-US" sz="2000" dirty="0" err="1">
+                <a:solidFill>
+                  <a:srgbClr val="19633E">
+                    <a:alpha val="50000"/>
+                  </a:srgbClr>
                 </a:solidFill>
                 <a:latin typeface="휴먼둥근헤드라인" panose="02030504000101010101" pitchFamily="18" charset="-127"/>
                 <a:ea typeface="휴먼둥근헤드라인" panose="02030504000101010101" pitchFamily="18" charset="-127"/>
                 <a:cs typeface="Malgun Gothic Semilight" panose="020B0502040204020203" pitchFamily="50" charset="-127"/>
               </a:rPr>
-              <a:t>!</a:t>
+              <a:t>스탯</a:t>
+            </a:r>
+            <a:r>
+              <a:rPr lang="en-US" altLang="ko-KR" sz="2000" dirty="0">
+                <a:solidFill>
+                  <a:srgbClr val="19633E">
+                    <a:alpha val="50000"/>
+                  </a:srgbClr>
+                </a:solidFill>
+                <a:latin typeface="휴먼둥근헤드라인" panose="02030504000101010101" pitchFamily="18" charset="-127"/>
+                <a:ea typeface="휴먼둥근헤드라인" panose="02030504000101010101" pitchFamily="18" charset="-127"/>
+                <a:cs typeface="Malgun Gothic Semilight" panose="020B0502040204020203" pitchFamily="50" charset="-127"/>
+              </a:rPr>
+              <a:t>] </a:t>
+            </a:r>
+            <a:r>
+              <a:rPr lang="ko-KR" altLang="en-US" sz="2000" dirty="0">
+                <a:solidFill>
+                  <a:srgbClr val="872135"/>
+                </a:solidFill>
+                <a:latin typeface="휴먼둥근헤드라인" panose="02030504000101010101" pitchFamily="18" charset="-127"/>
+                <a:ea typeface="휴먼둥근헤드라인" panose="02030504000101010101" pitchFamily="18" charset="-127"/>
+                <a:cs typeface="Malgun Gothic Semilight" panose="020B0502040204020203" pitchFamily="50" charset="-127"/>
+              </a:rPr>
+              <a:t>이번주 출전선수 명단 </a:t>
+            </a:r>
+            <a:r>
+              <a:rPr lang="en-US" altLang="ko-KR" sz="2000" dirty="0">
+                <a:solidFill>
+                  <a:srgbClr val="872135"/>
+                </a:solidFill>
+                <a:latin typeface="휴먼둥근헤드라인" panose="02030504000101010101" pitchFamily="18" charset="-127"/>
+                <a:ea typeface="휴먼둥근헤드라인" panose="02030504000101010101" pitchFamily="18" charset="-127"/>
+                <a:cs typeface="Malgun Gothic Semilight" panose="020B0502040204020203" pitchFamily="50" charset="-127"/>
+              </a:rPr>
+              <a:t>&amp; </a:t>
+            </a:r>
+            <a:r>
+              <a:rPr lang="ko-KR" altLang="en-US" sz="2000" dirty="0" err="1">
+                <a:solidFill>
+                  <a:srgbClr val="872135"/>
+                </a:solidFill>
+                <a:latin typeface="휴먼둥근헤드라인" panose="02030504000101010101" pitchFamily="18" charset="-127"/>
+                <a:ea typeface="휴먼둥근헤드라인" panose="02030504000101010101" pitchFamily="18" charset="-127"/>
+                <a:cs typeface="Malgun Gothic Semilight" panose="020B0502040204020203" pitchFamily="50" charset="-127"/>
+              </a:rPr>
+              <a:t>스탯을</a:t>
+            </a:r>
+            <a:r>
+              <a:rPr lang="ko-KR" altLang="en-US" sz="2000" dirty="0">
+                <a:solidFill>
+                  <a:srgbClr val="872135"/>
+                </a:solidFill>
+                <a:latin typeface="휴먼둥근헤드라인" panose="02030504000101010101" pitchFamily="18" charset="-127"/>
+                <a:ea typeface="휴먼둥근헤드라인" panose="02030504000101010101" pitchFamily="18" charset="-127"/>
+                <a:cs typeface="Malgun Gothic Semilight" panose="020B0502040204020203" pitchFamily="50" charset="-127"/>
+              </a:rPr>
+              <a:t> 조회해요</a:t>
             </a:r>
             <a:endParaRPr lang="en-US" altLang="ko-KR" sz="2000" dirty="0">
               <a:solidFill>
@@ -24804,7 +23384,7 @@
                 <a:ea typeface="휴먼둥근헤드라인" panose="02030504000101010101" pitchFamily="18" charset="-127"/>
                 <a:cs typeface="Malgun Gothic Semilight" panose="020B0502040204020203" pitchFamily="50" charset="-127"/>
               </a:rPr>
-              <a:t>포인트 </a:t>
+              <a:t>순위 </a:t>
             </a:r>
             <a:r>
               <a:rPr lang="en-US" altLang="ko-KR" sz="2000" dirty="0">
@@ -24830,7 +23410,7 @@
                 <a:ea typeface="휴먼둥근헤드라인" panose="02030504000101010101" pitchFamily="18" charset="-127"/>
                 <a:cs typeface="Malgun Gothic Semilight" panose="020B0502040204020203" pitchFamily="50" charset="-127"/>
               </a:rPr>
-              <a:t>시청자 이름</a:t>
+              <a:t>선수 이름</a:t>
             </a:r>
             <a:r>
               <a:rPr lang="en-US" altLang="ko-KR" sz="2000" dirty="0">
@@ -24854,7 +23434,7 @@
                 <a:ea typeface="휴먼둥근헤드라인" panose="02030504000101010101" pitchFamily="18" charset="-127"/>
                 <a:cs typeface="Malgun Gothic Semilight" panose="020B0502040204020203" pitchFamily="50" charset="-127"/>
               </a:rPr>
-              <a:t>현재 포인트 현황을 조회해요</a:t>
+              <a:t>궁금한 선수의 순위를 조회해요</a:t>
             </a:r>
             <a:endParaRPr lang="en-US" altLang="ko-KR" sz="2000" dirty="0">
               <a:solidFill>
@@ -24897,6 +23477,1076 @@
                 <a:ea typeface="휴먼둥근헤드라인" panose="02030504000101010101" pitchFamily="18" charset="-127"/>
                 <a:cs typeface="Malgun Gothic Semilight" panose="020B0502040204020203" pitchFamily="50" charset="-127"/>
               </a:rPr>
+              <a:t>지난주</a:t>
+            </a:r>
+            <a:r>
+              <a:rPr lang="en-US" altLang="ko-KR" sz="2000" dirty="0">
+                <a:solidFill>
+                  <a:srgbClr val="19633E">
+                    <a:alpha val="50000"/>
+                  </a:srgbClr>
+                </a:solidFill>
+                <a:latin typeface="휴먼둥근헤드라인" panose="02030504000101010101" pitchFamily="18" charset="-127"/>
+                <a:ea typeface="휴먼둥근헤드라인" panose="02030504000101010101" pitchFamily="18" charset="-127"/>
+                <a:cs typeface="Malgun Gothic Semilight" panose="020B0502040204020203" pitchFamily="50" charset="-127"/>
+              </a:rPr>
+              <a:t> </a:t>
+            </a:r>
+            <a:r>
+              <a:rPr lang="ko-KR" altLang="en-US" sz="2000" dirty="0">
+                <a:solidFill>
+                  <a:srgbClr val="872135"/>
+                </a:solidFill>
+                <a:latin typeface="휴먼둥근헤드라인" panose="02030504000101010101" pitchFamily="18" charset="-127"/>
+                <a:ea typeface="휴먼둥근헤드라인" panose="02030504000101010101" pitchFamily="18" charset="-127"/>
+                <a:cs typeface="Malgun Gothic Semilight" panose="020B0502040204020203" pitchFamily="50" charset="-127"/>
+              </a:rPr>
+              <a:t>지난주 대회 결과를 조회해요 </a:t>
+            </a:r>
+            <a:endParaRPr lang="en-US" altLang="ko-KR" sz="2000" dirty="0">
+              <a:solidFill>
+                <a:srgbClr val="19633E">
+                  <a:alpha val="50000"/>
+                </a:srgbClr>
+              </a:solidFill>
+              <a:latin typeface="휴먼둥근헤드라인" panose="02030504000101010101" pitchFamily="18" charset="-127"/>
+              <a:ea typeface="휴먼둥근헤드라인" panose="02030504000101010101" pitchFamily="18" charset="-127"/>
+              <a:cs typeface="Malgun Gothic Semilight" panose="020B0502040204020203" pitchFamily="50" charset="-127"/>
+            </a:endParaRPr>
+          </a:p>
+          <a:p>
+            <a:pPr>
+              <a:lnSpc>
+                <a:spcPct val="150000"/>
+              </a:lnSpc>
+            </a:pPr>
+            <a:r>
+              <a:rPr lang="en-US" altLang="ko-KR" sz="2000" dirty="0">
+                <a:solidFill>
+                  <a:srgbClr val="19633E">
+                    <a:alpha val="50000"/>
+                  </a:srgbClr>
+                </a:solidFill>
+                <a:latin typeface="휴먼둥근헤드라인" panose="02030504000101010101" pitchFamily="18" charset="-127"/>
+                <a:ea typeface="휴먼둥근헤드라인" panose="02030504000101010101" pitchFamily="18" charset="-127"/>
+                <a:cs typeface="Malgun Gothic Semilight" panose="020B0502040204020203" pitchFamily="50" charset="-127"/>
+              </a:rPr>
+              <a:t>!</a:t>
+            </a:r>
+            <a:r>
+              <a:rPr lang="ko-KR" altLang="en-US" sz="2000" dirty="0">
+                <a:solidFill>
+                  <a:srgbClr val="19633E">
+                    <a:alpha val="50000"/>
+                  </a:srgbClr>
+                </a:solidFill>
+                <a:latin typeface="휴먼둥근헤드라인" panose="02030504000101010101" pitchFamily="18" charset="-127"/>
+                <a:ea typeface="휴먼둥근헤드라인" panose="02030504000101010101" pitchFamily="18" charset="-127"/>
+                <a:cs typeface="Malgun Gothic Semilight" panose="020B0502040204020203" pitchFamily="50" charset="-127"/>
+              </a:rPr>
+              <a:t>상금 </a:t>
+            </a:r>
+            <a:r>
+              <a:rPr lang="en-US" altLang="ko-KR" sz="2000" dirty="0">
+                <a:solidFill>
+                  <a:srgbClr val="19633E">
+                    <a:alpha val="50000"/>
+                  </a:srgbClr>
+                </a:solidFill>
+                <a:latin typeface="휴먼둥근헤드라인" panose="02030504000101010101" pitchFamily="18" charset="-127"/>
+                <a:ea typeface="휴먼둥근헤드라인" panose="02030504000101010101" pitchFamily="18" charset="-127"/>
+                <a:cs typeface="Malgun Gothic Semilight" panose="020B0502040204020203" pitchFamily="50" charset="-127"/>
+              </a:rPr>
+              <a:t>[</a:t>
+            </a:r>
+            <a:r>
+              <a:rPr lang="ko-KR" altLang="en-US" sz="2000" dirty="0">
+                <a:solidFill>
+                  <a:srgbClr val="19633E">
+                    <a:alpha val="50000"/>
+                  </a:srgbClr>
+                </a:solidFill>
+                <a:latin typeface="휴먼둥근헤드라인" panose="02030504000101010101" pitchFamily="18" charset="-127"/>
+                <a:ea typeface="휴먼둥근헤드라인" panose="02030504000101010101" pitchFamily="18" charset="-127"/>
+                <a:cs typeface="Malgun Gothic Semilight" panose="020B0502040204020203" pitchFamily="50" charset="-127"/>
+              </a:rPr>
+              <a:t>선수 이름</a:t>
+            </a:r>
+            <a:r>
+              <a:rPr lang="en-US" altLang="ko-KR" sz="2000" dirty="0">
+                <a:solidFill>
+                  <a:srgbClr val="19633E">
+                    <a:alpha val="50000"/>
+                  </a:srgbClr>
+                </a:solidFill>
+                <a:latin typeface="휴먼둥근헤드라인" panose="02030504000101010101" pitchFamily="18" charset="-127"/>
+                <a:ea typeface="휴먼둥근헤드라인" panose="02030504000101010101" pitchFamily="18" charset="-127"/>
+                <a:cs typeface="Malgun Gothic Semilight" panose="020B0502040204020203" pitchFamily="50" charset="-127"/>
+              </a:rPr>
+              <a:t>] </a:t>
+            </a:r>
+            <a:r>
+              <a:rPr lang="ko-KR" altLang="en-US" sz="2000" dirty="0">
+                <a:solidFill>
+                  <a:srgbClr val="872135"/>
+                </a:solidFill>
+                <a:latin typeface="휴먼둥근헤드라인" panose="02030504000101010101" pitchFamily="18" charset="-127"/>
+                <a:ea typeface="휴먼둥근헤드라인" panose="02030504000101010101" pitchFamily="18" charset="-127"/>
+                <a:cs typeface="Malgun Gothic Semilight" panose="020B0502040204020203" pitchFamily="50" charset="-127"/>
+              </a:rPr>
+              <a:t>궁금한 선수의 누적상금을 조회해요</a:t>
+            </a:r>
+            <a:endParaRPr lang="en-US" altLang="ko-KR" sz="2000" dirty="0">
+              <a:solidFill>
+                <a:srgbClr val="19633E">
+                  <a:alpha val="50000"/>
+                </a:srgbClr>
+              </a:solidFill>
+              <a:latin typeface="휴먼둥근헤드라인" panose="02030504000101010101" pitchFamily="18" charset="-127"/>
+              <a:ea typeface="휴먼둥근헤드라인" panose="02030504000101010101" pitchFamily="18" charset="-127"/>
+              <a:cs typeface="Malgun Gothic Semilight" panose="020B0502040204020203" pitchFamily="50" charset="-127"/>
+            </a:endParaRPr>
+          </a:p>
+          <a:p>
+            <a:pPr>
+              <a:lnSpc>
+                <a:spcPct val="150000"/>
+              </a:lnSpc>
+            </a:pPr>
+            <a:r>
+              <a:rPr lang="en-US" altLang="ko-KR" sz="2000" dirty="0">
+                <a:solidFill>
+                  <a:srgbClr val="19633E">
+                    <a:alpha val="50000"/>
+                  </a:srgbClr>
+                </a:solidFill>
+                <a:latin typeface="휴먼둥근헤드라인" panose="02030504000101010101" pitchFamily="18" charset="-127"/>
+                <a:ea typeface="휴먼둥근헤드라인" panose="02030504000101010101" pitchFamily="18" charset="-127"/>
+                <a:cs typeface="Malgun Gothic Semilight" panose="020B0502040204020203" pitchFamily="50" charset="-127"/>
+              </a:rPr>
+              <a:t>!</a:t>
+            </a:r>
+            <a:r>
+              <a:rPr lang="ko-KR" altLang="en-US" sz="2000" dirty="0">
+                <a:solidFill>
+                  <a:srgbClr val="19633E">
+                    <a:alpha val="50000"/>
+                  </a:srgbClr>
+                </a:solidFill>
+                <a:latin typeface="휴먼둥근헤드라인" panose="02030504000101010101" pitchFamily="18" charset="-127"/>
+                <a:ea typeface="휴먼둥근헤드라인" panose="02030504000101010101" pitchFamily="18" charset="-127"/>
+                <a:cs typeface="Malgun Gothic Semilight" panose="020B0502040204020203" pitchFamily="50" charset="-127"/>
+              </a:rPr>
+              <a:t>패보 </a:t>
+            </a:r>
+            <a:r>
+              <a:rPr lang="en-US" altLang="ko-KR" sz="2000" dirty="0">
+                <a:solidFill>
+                  <a:srgbClr val="19633E">
+                    <a:alpha val="50000"/>
+                  </a:srgbClr>
+                </a:solidFill>
+                <a:latin typeface="휴먼둥근헤드라인" panose="02030504000101010101" pitchFamily="18" charset="-127"/>
+                <a:ea typeface="휴먼둥근헤드라인" panose="02030504000101010101" pitchFamily="18" charset="-127"/>
+                <a:cs typeface="Malgun Gothic Semilight" panose="020B0502040204020203" pitchFamily="50" charset="-127"/>
+              </a:rPr>
+              <a:t>[</a:t>
+            </a:r>
+            <a:r>
+              <a:rPr lang="ko-KR" altLang="en-US" sz="2000" dirty="0">
+                <a:solidFill>
+                  <a:srgbClr val="19633E">
+                    <a:alpha val="50000"/>
+                  </a:srgbClr>
+                </a:solidFill>
+                <a:latin typeface="휴먼둥근헤드라인" panose="02030504000101010101" pitchFamily="18" charset="-127"/>
+                <a:ea typeface="휴먼둥근헤드라인" panose="02030504000101010101" pitchFamily="18" charset="-127"/>
+                <a:cs typeface="Malgun Gothic Semilight" panose="020B0502040204020203" pitchFamily="50" charset="-127"/>
+              </a:rPr>
+              <a:t>주차</a:t>
+            </a:r>
+            <a:r>
+              <a:rPr lang="en-US" altLang="ko-KR" sz="2000" dirty="0">
+                <a:solidFill>
+                  <a:srgbClr val="19633E">
+                    <a:alpha val="50000"/>
+                  </a:srgbClr>
+                </a:solidFill>
+                <a:latin typeface="휴먼둥근헤드라인" panose="02030504000101010101" pitchFamily="18" charset="-127"/>
+                <a:ea typeface="휴먼둥근헤드라인" panose="02030504000101010101" pitchFamily="18" charset="-127"/>
+                <a:cs typeface="Malgun Gothic Semilight" panose="020B0502040204020203" pitchFamily="50" charset="-127"/>
+              </a:rPr>
+              <a:t>] [*</a:t>
+            </a:r>
+            <a:r>
+              <a:rPr lang="ko-KR" altLang="en-US" sz="2000" dirty="0">
+                <a:solidFill>
+                  <a:srgbClr val="19633E">
+                    <a:alpha val="50000"/>
+                  </a:srgbClr>
+                </a:solidFill>
+                <a:latin typeface="휴먼둥근헤드라인" panose="02030504000101010101" pitchFamily="18" charset="-127"/>
+                <a:ea typeface="휴먼둥근헤드라인" panose="02030504000101010101" pitchFamily="18" charset="-127"/>
+                <a:cs typeface="Malgun Gothic Semilight" panose="020B0502040204020203" pitchFamily="50" charset="-127"/>
+              </a:rPr>
+              <a:t>관점</a:t>
+            </a:r>
+            <a:r>
+              <a:rPr lang="en-US" altLang="ko-KR" sz="2000" dirty="0">
+                <a:solidFill>
+                  <a:srgbClr val="19633E">
+                    <a:alpha val="50000"/>
+                  </a:srgbClr>
+                </a:solidFill>
+                <a:latin typeface="휴먼둥근헤드라인" panose="02030504000101010101" pitchFamily="18" charset="-127"/>
+                <a:ea typeface="휴먼둥근헤드라인" panose="02030504000101010101" pitchFamily="18" charset="-127"/>
+                <a:cs typeface="Malgun Gothic Semilight" panose="020B0502040204020203" pitchFamily="50" charset="-127"/>
+              </a:rPr>
+              <a:t>] </a:t>
+            </a:r>
+            <a:r>
+              <a:rPr lang="ko-KR" altLang="en-US" sz="2000" dirty="0">
+                <a:solidFill>
+                  <a:srgbClr val="872135"/>
+                </a:solidFill>
+                <a:latin typeface="휴먼둥근헤드라인" panose="02030504000101010101" pitchFamily="18" charset="-127"/>
+                <a:ea typeface="휴먼둥근헤드라인" panose="02030504000101010101" pitchFamily="18" charset="-127"/>
+                <a:cs typeface="Malgun Gothic Semilight" panose="020B0502040204020203" pitchFamily="50" charset="-127"/>
+              </a:rPr>
+              <a:t>궁금한 주차의 패보를 조회해요</a:t>
+            </a:r>
+            <a:endParaRPr lang="en-US" altLang="ko-KR" sz="2000" dirty="0">
+              <a:solidFill>
+                <a:srgbClr val="19633E">
+                  <a:alpha val="50000"/>
+                </a:srgbClr>
+              </a:solidFill>
+              <a:latin typeface="휴먼둥근헤드라인" panose="02030504000101010101" pitchFamily="18" charset="-127"/>
+              <a:ea typeface="휴먼둥근헤드라인" panose="02030504000101010101" pitchFamily="18" charset="-127"/>
+              <a:cs typeface="Malgun Gothic Semilight" panose="020B0502040204020203" pitchFamily="50" charset="-127"/>
+            </a:endParaRPr>
+          </a:p>
+          <a:p>
+            <a:pPr>
+              <a:lnSpc>
+                <a:spcPct val="150000"/>
+              </a:lnSpc>
+            </a:pPr>
+            <a:r>
+              <a:rPr lang="en-US" altLang="ko-KR" sz="2000" dirty="0">
+                <a:solidFill>
+                  <a:srgbClr val="19633E">
+                    <a:alpha val="50000"/>
+                  </a:srgbClr>
+                </a:solidFill>
+                <a:latin typeface="휴먼둥근헤드라인" panose="02030504000101010101" pitchFamily="18" charset="-127"/>
+                <a:ea typeface="휴먼둥근헤드라인" panose="02030504000101010101" pitchFamily="18" charset="-127"/>
+                <a:cs typeface="Malgun Gothic Semilight" panose="020B0502040204020203" pitchFamily="50" charset="-127"/>
+              </a:rPr>
+              <a:t>!</a:t>
+            </a:r>
+            <a:r>
+              <a:rPr lang="ko-KR" altLang="en-US" sz="2000" dirty="0">
+                <a:solidFill>
+                  <a:srgbClr val="19633E">
+                    <a:alpha val="50000"/>
+                  </a:srgbClr>
+                </a:solidFill>
+                <a:latin typeface="휴먼둥근헤드라인" panose="02030504000101010101" pitchFamily="18" charset="-127"/>
+                <a:ea typeface="휴먼둥근헤드라인" panose="02030504000101010101" pitchFamily="18" charset="-127"/>
+                <a:cs typeface="Malgun Gothic Semilight" panose="020B0502040204020203" pitchFamily="50" charset="-127"/>
+              </a:rPr>
+              <a:t>링크 </a:t>
+            </a:r>
+            <a:r>
+              <a:rPr lang="en-US" altLang="ko-KR" sz="2000" dirty="0">
+                <a:solidFill>
+                  <a:srgbClr val="19633E">
+                    <a:alpha val="50000"/>
+                  </a:srgbClr>
+                </a:solidFill>
+                <a:latin typeface="휴먼둥근헤드라인" panose="02030504000101010101" pitchFamily="18" charset="-127"/>
+                <a:ea typeface="휴먼둥근헤드라인" panose="02030504000101010101" pitchFamily="18" charset="-127"/>
+                <a:cs typeface="Malgun Gothic Semilight" panose="020B0502040204020203" pitchFamily="50" charset="-127"/>
+              </a:rPr>
+              <a:t>or !</a:t>
+            </a:r>
+            <a:r>
+              <a:rPr lang="ko-KR" altLang="en-US" sz="2000" dirty="0">
+                <a:solidFill>
+                  <a:srgbClr val="19633E">
+                    <a:alpha val="50000"/>
+                  </a:srgbClr>
+                </a:solidFill>
+                <a:latin typeface="휴먼둥근헤드라인" panose="02030504000101010101" pitchFamily="18" charset="-127"/>
+                <a:ea typeface="휴먼둥근헤드라인" panose="02030504000101010101" pitchFamily="18" charset="-127"/>
+                <a:cs typeface="Malgun Gothic Semilight" panose="020B0502040204020203" pitchFamily="50" charset="-127"/>
+              </a:rPr>
+              <a:t>시트 </a:t>
+            </a:r>
+            <a:r>
+              <a:rPr lang="en-US" altLang="ko-KR" sz="2000" dirty="0">
+                <a:solidFill>
+                  <a:srgbClr val="19633E">
+                    <a:alpha val="50000"/>
+                  </a:srgbClr>
+                </a:solidFill>
+                <a:latin typeface="휴먼둥근헤드라인" panose="02030504000101010101" pitchFamily="18" charset="-127"/>
+                <a:ea typeface="휴먼둥근헤드라인" panose="02030504000101010101" pitchFamily="18" charset="-127"/>
+                <a:cs typeface="Malgun Gothic Semilight" panose="020B0502040204020203" pitchFamily="50" charset="-127"/>
+              </a:rPr>
+              <a:t>[</a:t>
+            </a:r>
+            <a:r>
+              <a:rPr lang="ko-KR" altLang="en-US" sz="2000" dirty="0">
+                <a:solidFill>
+                  <a:srgbClr val="19633E">
+                    <a:alpha val="50000"/>
+                  </a:srgbClr>
+                </a:solidFill>
+                <a:latin typeface="휴먼둥근헤드라인" panose="02030504000101010101" pitchFamily="18" charset="-127"/>
+                <a:ea typeface="휴먼둥근헤드라인" panose="02030504000101010101" pitchFamily="18" charset="-127"/>
+                <a:cs typeface="Malgun Gothic Semilight" panose="020B0502040204020203" pitchFamily="50" charset="-127"/>
+              </a:rPr>
+              <a:t>찾고자 하는 시트</a:t>
+            </a:r>
+            <a:r>
+              <a:rPr lang="en-US" altLang="ko-KR" sz="2000" dirty="0">
+                <a:solidFill>
+                  <a:srgbClr val="19633E">
+                    <a:alpha val="50000"/>
+                  </a:srgbClr>
+                </a:solidFill>
+                <a:latin typeface="휴먼둥근헤드라인" panose="02030504000101010101" pitchFamily="18" charset="-127"/>
+                <a:ea typeface="휴먼둥근헤드라인" panose="02030504000101010101" pitchFamily="18" charset="-127"/>
+                <a:cs typeface="Malgun Gothic Semilight" panose="020B0502040204020203" pitchFamily="50" charset="-127"/>
+              </a:rPr>
+              <a:t>] </a:t>
+            </a:r>
+            <a:r>
+              <a:rPr lang="ko-KR" altLang="en-US" sz="2000" dirty="0">
+                <a:solidFill>
+                  <a:srgbClr val="872135"/>
+                </a:solidFill>
+                <a:latin typeface="휴먼둥근헤드라인" panose="02030504000101010101" pitchFamily="18" charset="-127"/>
+                <a:ea typeface="휴먼둥근헤드라인" panose="02030504000101010101" pitchFamily="18" charset="-127"/>
+                <a:cs typeface="Malgun Gothic Semilight" panose="020B0502040204020203" pitchFamily="50" charset="-127"/>
+              </a:rPr>
+              <a:t>궁금한 시트의 링크를 조회해요</a:t>
+            </a:r>
+            <a:endParaRPr lang="en-US" altLang="ko-KR" sz="2000" dirty="0">
+              <a:solidFill>
+                <a:srgbClr val="19633E">
+                  <a:alpha val="50000"/>
+                </a:srgbClr>
+              </a:solidFill>
+              <a:latin typeface="휴먼둥근헤드라인" panose="02030504000101010101" pitchFamily="18" charset="-127"/>
+              <a:ea typeface="휴먼둥근헤드라인" panose="02030504000101010101" pitchFamily="18" charset="-127"/>
+              <a:cs typeface="Malgun Gothic Semilight" panose="020B0502040204020203" pitchFamily="50" charset="-127"/>
+            </a:endParaRPr>
+          </a:p>
+          <a:p>
+            <a:pPr>
+              <a:lnSpc>
+                <a:spcPct val="150000"/>
+              </a:lnSpc>
+            </a:pPr>
+            <a:r>
+              <a:rPr lang="en-US" altLang="ko-KR" sz="2000" dirty="0">
+                <a:solidFill>
+                  <a:srgbClr val="19633E">
+                    <a:alpha val="50000"/>
+                  </a:srgbClr>
+                </a:solidFill>
+                <a:latin typeface="휴먼둥근헤드라인" panose="02030504000101010101" pitchFamily="18" charset="-127"/>
+                <a:ea typeface="휴먼둥근헤드라인" panose="02030504000101010101" pitchFamily="18" charset="-127"/>
+                <a:cs typeface="Malgun Gothic Semilight" panose="020B0502040204020203" pitchFamily="50" charset="-127"/>
+              </a:rPr>
+              <a:t>!1</a:t>
+            </a:r>
+            <a:r>
+              <a:rPr lang="ko-KR" altLang="en-US" sz="2000" dirty="0">
+                <a:solidFill>
+                  <a:srgbClr val="19633E">
+                    <a:alpha val="50000"/>
+                  </a:srgbClr>
+                </a:solidFill>
+                <a:latin typeface="휴먼둥근헤드라인" panose="02030504000101010101" pitchFamily="18" charset="-127"/>
+                <a:ea typeface="휴먼둥근헤드라인" panose="02030504000101010101" pitchFamily="18" charset="-127"/>
+                <a:cs typeface="Malgun Gothic Semilight" panose="020B0502040204020203" pitchFamily="50" charset="-127"/>
+              </a:rPr>
+              <a:t>회전</a:t>
+            </a:r>
+            <a:r>
+              <a:rPr lang="en-US" altLang="ko-KR" sz="2000" dirty="0">
+                <a:solidFill>
+                  <a:srgbClr val="19633E">
+                    <a:alpha val="50000"/>
+                  </a:srgbClr>
+                </a:solidFill>
+                <a:latin typeface="휴먼둥근헤드라인" panose="02030504000101010101" pitchFamily="18" charset="-127"/>
+                <a:ea typeface="휴먼둥근헤드라인" panose="02030504000101010101" pitchFamily="18" charset="-127"/>
+                <a:cs typeface="Malgun Gothic Semilight" panose="020B0502040204020203" pitchFamily="50" charset="-127"/>
+              </a:rPr>
+              <a:t> </a:t>
+            </a:r>
+            <a:r>
+              <a:rPr lang="en-US" altLang="ko-KR" sz="2000" dirty="0">
+                <a:solidFill>
+                  <a:srgbClr val="872135"/>
+                </a:solidFill>
+                <a:latin typeface="휴먼둥근헤드라인" panose="02030504000101010101" pitchFamily="18" charset="-127"/>
+                <a:ea typeface="휴먼둥근헤드라인" panose="02030504000101010101" pitchFamily="18" charset="-127"/>
+                <a:cs typeface="Malgun Gothic Semilight" panose="020B0502040204020203" pitchFamily="50" charset="-127"/>
+              </a:rPr>
+              <a:t>1</a:t>
+            </a:r>
+            <a:r>
+              <a:rPr lang="ko-KR" altLang="en-US" sz="2000" dirty="0">
+                <a:solidFill>
+                  <a:srgbClr val="872135"/>
+                </a:solidFill>
+                <a:latin typeface="휴먼둥근헤드라인" panose="02030504000101010101" pitchFamily="18" charset="-127"/>
+                <a:ea typeface="휴먼둥근헤드라인" panose="02030504000101010101" pitchFamily="18" charset="-127"/>
+                <a:cs typeface="Malgun Gothic Semilight" panose="020B0502040204020203" pitchFamily="50" charset="-127"/>
+              </a:rPr>
+              <a:t>회전 결과를 조회해요</a:t>
+            </a:r>
+            <a:endParaRPr lang="en-US" altLang="ko-KR" sz="2000" dirty="0">
+              <a:solidFill>
+                <a:schemeClr val="tx1">
+                  <a:alpha val="50000"/>
+                </a:schemeClr>
+              </a:solidFill>
+              <a:latin typeface="휴먼둥근헤드라인" panose="02030504000101010101" pitchFamily="18" charset="-127"/>
+              <a:ea typeface="휴먼둥근헤드라인" panose="02030504000101010101" pitchFamily="18" charset="-127"/>
+              <a:cs typeface="Malgun Gothic Semilight" panose="020B0502040204020203" pitchFamily="50" charset="-127"/>
+            </a:endParaRPr>
+          </a:p>
+        </p:txBody>
+      </p:sp>
+      <p:sp>
+        <p:nvSpPr>
+          <p:cNvPr id="7" name="TextBox 6">
+            <a:extLst>
+              <a:ext uri="{FF2B5EF4-FFF2-40B4-BE49-F238E27FC236}">
+                <a16:creationId xmlns:a16="http://schemas.microsoft.com/office/drawing/2014/main" id="{55B45260-5ED9-5C9B-63E2-9D91407D5341}"/>
+              </a:ext>
+            </a:extLst>
+          </p:cNvPr>
+          <p:cNvSpPr txBox="1"/>
+          <p:nvPr/>
+        </p:nvSpPr>
+        <p:spPr>
+          <a:xfrm>
+            <a:off x="517430" y="484138"/>
+            <a:ext cx="6280887" cy="1569660"/>
+          </a:xfrm>
+          <a:prstGeom prst="rect">
+            <a:avLst/>
+          </a:prstGeom>
+          <a:noFill/>
+        </p:spPr>
+        <p:txBody>
+          <a:bodyPr wrap="none" rtlCol="0">
+            <a:spAutoFit/>
+          </a:bodyPr>
+          <a:lstStyle/>
+          <a:p>
+            <a:r>
+              <a:rPr lang="en-US" altLang="ko-KR" sz="9600" b="1" dirty="0">
+                <a:solidFill>
+                  <a:srgbClr val="19633E">
+                    <a:alpha val="50000"/>
+                  </a:srgbClr>
+                </a:solidFill>
+                <a:latin typeface="HY견고딕" panose="02030600000101010101" pitchFamily="18" charset="-127"/>
+                <a:ea typeface="HY견고딕" panose="02030600000101010101" pitchFamily="18" charset="-127"/>
+                <a:cs typeface="Malgun Gothic Semilight" panose="020B0502040204020203" pitchFamily="50" charset="-127"/>
+              </a:rPr>
+              <a:t>Summary</a:t>
+            </a:r>
+            <a:endParaRPr lang="ko-KR" altLang="en-US" sz="9600" b="1" dirty="0">
+              <a:solidFill>
+                <a:srgbClr val="19633E">
+                  <a:alpha val="50000"/>
+                </a:srgbClr>
+              </a:solidFill>
+              <a:latin typeface="HY견고딕" panose="02030600000101010101" pitchFamily="18" charset="-127"/>
+              <a:ea typeface="HY견고딕" panose="02030600000101010101" pitchFamily="18" charset="-127"/>
+              <a:cs typeface="Malgun Gothic Semilight" panose="020B0502040204020203" pitchFamily="50" charset="-127"/>
+            </a:endParaRPr>
+          </a:p>
+        </p:txBody>
+      </p:sp>
+    </p:spTree>
+    <p:extLst>
+      <p:ext uri="{BB962C8B-B14F-4D97-AF65-F5344CB8AC3E}">
+        <p14:creationId xmlns:p14="http://schemas.microsoft.com/office/powerpoint/2010/main" val="523429888"/>
+      </p:ext>
+    </p:extLst>
+  </p:cSld>
+  <p:clrMapOvr>
+    <a:masterClrMapping/>
+  </p:clrMapOvr>
+</p:sld>
+</file>
+
+<file path=ppt/slides/slide39.xml><?xml version="1.0" encoding="utf-8"?>
+<p:sld xmlns:a="http://schemas.openxmlformats.org/drawingml/2006/main" xmlns:r="http://schemas.openxmlformats.org/officeDocument/2006/relationships" xmlns:p="http://schemas.openxmlformats.org/presentationml/2006/main">
+  <p:cSld>
+    <p:spTree>
+      <p:nvGrpSpPr>
+        <p:cNvPr id="1" name=""/>
+        <p:cNvGrpSpPr/>
+        <p:nvPr/>
+      </p:nvGrpSpPr>
+      <p:grpSpPr>
+        <a:xfrm>
+          <a:off x="0" y="0"/>
+          <a:ext cx="0" cy="0"/>
+          <a:chOff x="0" y="0"/>
+          <a:chExt cx="0" cy="0"/>
+        </a:xfrm>
+      </p:grpSpPr>
+      <p:pic>
+        <p:nvPicPr>
+          <p:cNvPr id="3" name="그림 2" descr="클립아트, 상징, 만화 영화, 일러스트레이션이(가) 표시된 사진&#10;&#10;자동 생성된 설명">
+            <a:extLst>
+              <a:ext uri="{FF2B5EF4-FFF2-40B4-BE49-F238E27FC236}">
+                <a16:creationId xmlns:a16="http://schemas.microsoft.com/office/drawing/2014/main" id="{1A72D100-395A-E0AD-538D-3EC9E53B16FA}"/>
+              </a:ext>
+            </a:extLst>
+          </p:cNvPr>
+          <p:cNvPicPr>
+            <a:picLocks noChangeAspect="1"/>
+          </p:cNvPicPr>
+          <p:nvPr/>
+        </p:nvPicPr>
+        <p:blipFill rotWithShape="1">
+          <a:blip r:embed="rId2">
+            <a:extLst>
+              <a:ext uri="{BEBA8EAE-BF5A-486C-A8C5-ECC9F3942E4B}">
+                <a14:imgProps xmlns:a14="http://schemas.microsoft.com/office/drawing/2010/main">
+                  <a14:imgLayer r:embed="rId3">
+                    <a14:imgEffect>
+                      <a14:backgroundRemoval t="8871" b="94758" l="9091" r="89773">
+                        <a14:foregroundMark x1="45455" y1="9677" x2="48295" y2="13306"/>
+                        <a14:foregroundMark x1="24432" y1="43952" x2="21591" y2="51613"/>
+                        <a14:foregroundMark x1="34091" y1="50806" x2="55114" y2="62500"/>
+                        <a14:foregroundMark x1="71591" y1="37500" x2="60795" y2="42339"/>
+                        <a14:foregroundMark x1="74432" y1="45565" x2="74432" y2="51613"/>
+                        <a14:foregroundMark x1="44886" y1="56048" x2="42614" y2="69758"/>
+                        <a14:foregroundMark x1="23295" y1="66532" x2="37500" y2="77016"/>
+                        <a14:foregroundMark x1="72727" y1="73387" x2="69886" y2="78226"/>
+                        <a14:foregroundMark x1="46591" y1="90323" x2="47159" y2="87500"/>
+                        <a14:foregroundMark x1="63636" y1="93145" x2="61932" y2="94355"/>
+                        <a14:foregroundMark x1="46591" y1="94758" x2="48295" y2="94758"/>
+                      </a14:backgroundRemoval>
+                    </a14:imgEffect>
+                  </a14:imgLayer>
+                </a14:imgProps>
+              </a:ext>
+              <a:ext uri="{28A0092B-C50C-407E-A947-70E740481C1C}">
+                <a14:useLocalDpi xmlns:a14="http://schemas.microsoft.com/office/drawing/2010/main" val="0"/>
+              </a:ext>
+            </a:extLst>
+          </a:blip>
+          <a:srcRect b="34119"/>
+          <a:stretch/>
+        </p:blipFill>
+        <p:spPr>
+          <a:xfrm>
+            <a:off x="10117000" y="4724722"/>
+            <a:ext cx="2293533" cy="2129162"/>
+          </a:xfrm>
+          <a:prstGeom prst="rect">
+            <a:avLst/>
+          </a:prstGeom>
+        </p:spPr>
+      </p:pic>
+      <p:pic>
+        <p:nvPicPr>
+          <p:cNvPr id="4" name="그림 3" descr="클립아트, 만화 영화, 일러스트레이션, 그림이(가) 표시된 사진&#10;&#10;자동 생성된 설명">
+            <a:extLst>
+              <a:ext uri="{FF2B5EF4-FFF2-40B4-BE49-F238E27FC236}">
+                <a16:creationId xmlns:a16="http://schemas.microsoft.com/office/drawing/2014/main" id="{B7DFF34B-22E2-9AF8-06A9-F199A9960908}"/>
+              </a:ext>
+            </a:extLst>
+          </p:cNvPr>
+          <p:cNvPicPr>
+            <a:picLocks noChangeAspect="1"/>
+          </p:cNvPicPr>
+          <p:nvPr/>
+        </p:nvPicPr>
+        <p:blipFill>
+          <a:blip r:embed="rId4">
+            <a:extLst>
+              <a:ext uri="{28A0092B-C50C-407E-A947-70E740481C1C}">
+                <a14:useLocalDpi xmlns:a14="http://schemas.microsoft.com/office/drawing/2010/main" val="0"/>
+              </a:ext>
+            </a:extLst>
+          </a:blip>
+          <a:stretch>
+            <a:fillRect/>
+          </a:stretch>
+        </p:blipFill>
+        <p:spPr>
+          <a:xfrm>
+            <a:off x="0" y="3220288"/>
+            <a:ext cx="2449286" cy="3429000"/>
+          </a:xfrm>
+          <a:prstGeom prst="rect">
+            <a:avLst/>
+          </a:prstGeom>
+        </p:spPr>
+      </p:pic>
+      <p:sp>
+        <p:nvSpPr>
+          <p:cNvPr id="5" name="TextBox 4">
+            <a:extLst>
+              <a:ext uri="{FF2B5EF4-FFF2-40B4-BE49-F238E27FC236}">
+                <a16:creationId xmlns:a16="http://schemas.microsoft.com/office/drawing/2014/main" id="{EA66CA8A-33CB-C084-19AC-4BA72C7E299A}"/>
+              </a:ext>
+            </a:extLst>
+          </p:cNvPr>
+          <p:cNvSpPr txBox="1"/>
+          <p:nvPr/>
+        </p:nvSpPr>
+        <p:spPr>
+          <a:xfrm>
+            <a:off x="2449286" y="1957999"/>
+            <a:ext cx="8915399" cy="3262688"/>
+          </a:xfrm>
+          <a:prstGeom prst="rect">
+            <a:avLst/>
+          </a:prstGeom>
+          <a:noFill/>
+        </p:spPr>
+        <p:txBody>
+          <a:bodyPr wrap="square">
+            <a:spAutoFit/>
+          </a:bodyPr>
+          <a:lstStyle/>
+          <a:p>
+            <a:pPr>
+              <a:lnSpc>
+                <a:spcPct val="150000"/>
+              </a:lnSpc>
+            </a:pPr>
+            <a:r>
+              <a:rPr lang="en-US" altLang="ko-KR" sz="2000" dirty="0">
+                <a:solidFill>
+                  <a:srgbClr val="19633E">
+                    <a:alpha val="50000"/>
+                  </a:srgbClr>
+                </a:solidFill>
+                <a:latin typeface="휴먼둥근헤드라인" panose="02030504000101010101" pitchFamily="18" charset="-127"/>
+                <a:ea typeface="휴먼둥근헤드라인" panose="02030504000101010101" pitchFamily="18" charset="-127"/>
+                <a:cs typeface="Malgun Gothic Semilight" panose="020B0502040204020203" pitchFamily="50" charset="-127"/>
+              </a:rPr>
+              <a:t>!</a:t>
+            </a:r>
+            <a:r>
+              <a:rPr lang="ko-KR" altLang="en-US" sz="2000" dirty="0">
+                <a:solidFill>
+                  <a:srgbClr val="19633E">
+                    <a:alpha val="50000"/>
+                  </a:srgbClr>
+                </a:solidFill>
+                <a:latin typeface="휴먼둥근헤드라인" panose="02030504000101010101" pitchFamily="18" charset="-127"/>
+                <a:ea typeface="휴먼둥근헤드라인" panose="02030504000101010101" pitchFamily="18" charset="-127"/>
+                <a:cs typeface="Malgun Gothic Semilight" panose="020B0502040204020203" pitchFamily="50" charset="-127"/>
+              </a:rPr>
+              <a:t>출첵 </a:t>
+            </a:r>
+            <a:r>
+              <a:rPr lang="ko-KR" altLang="en-US" sz="2000" dirty="0">
+                <a:solidFill>
+                  <a:srgbClr val="872135"/>
+                </a:solidFill>
+                <a:latin typeface="휴먼둥근헤드라인" panose="02030504000101010101" pitchFamily="18" charset="-127"/>
+                <a:ea typeface="휴먼둥근헤드라인" panose="02030504000101010101" pitchFamily="18" charset="-127"/>
+                <a:cs typeface="Malgun Gothic Semilight" panose="020B0502040204020203" pitchFamily="50" charset="-127"/>
+              </a:rPr>
+              <a:t>출석체크하고 포인트를 획득해요</a:t>
+            </a:r>
+            <a:r>
+              <a:rPr lang="en-US" altLang="ko-KR" sz="2000" dirty="0">
+                <a:solidFill>
+                  <a:srgbClr val="872135"/>
+                </a:solidFill>
+                <a:latin typeface="휴먼둥근헤드라인" panose="02030504000101010101" pitchFamily="18" charset="-127"/>
+                <a:ea typeface="휴먼둥근헤드라인" panose="02030504000101010101" pitchFamily="18" charset="-127"/>
+                <a:cs typeface="Malgun Gothic Semilight" panose="020B0502040204020203" pitchFamily="50" charset="-127"/>
+              </a:rPr>
+              <a:t>!</a:t>
+            </a:r>
+            <a:r>
+              <a:rPr lang="en-US" altLang="ko-KR" sz="2000" dirty="0">
+                <a:solidFill>
+                  <a:srgbClr val="19633E">
+                    <a:alpha val="50000"/>
+                  </a:srgbClr>
+                </a:solidFill>
+                <a:latin typeface="휴먼둥근헤드라인" panose="02030504000101010101" pitchFamily="18" charset="-127"/>
+                <a:ea typeface="휴먼둥근헤드라인" panose="02030504000101010101" pitchFamily="18" charset="-127"/>
+                <a:cs typeface="Malgun Gothic Semilight" panose="020B0502040204020203" pitchFamily="50" charset="-127"/>
+              </a:rPr>
+              <a:t> </a:t>
+            </a:r>
+          </a:p>
+          <a:p>
+            <a:pPr>
+              <a:lnSpc>
+                <a:spcPct val="150000"/>
+              </a:lnSpc>
+            </a:pPr>
+            <a:r>
+              <a:rPr lang="en-US" altLang="ko-KR" sz="2000" dirty="0">
+                <a:solidFill>
+                  <a:srgbClr val="19633E">
+                    <a:alpha val="50000"/>
+                  </a:srgbClr>
+                </a:solidFill>
+                <a:latin typeface="휴먼둥근헤드라인" panose="02030504000101010101" pitchFamily="18" charset="-127"/>
+                <a:ea typeface="휴먼둥근헤드라인" panose="02030504000101010101" pitchFamily="18" charset="-127"/>
+                <a:cs typeface="Malgun Gothic Semilight" panose="020B0502040204020203" pitchFamily="50" charset="-127"/>
+              </a:rPr>
+              <a:t>!</a:t>
+            </a:r>
+            <a:r>
+              <a:rPr lang="ko-KR" altLang="en-US" sz="2000" dirty="0">
+                <a:solidFill>
+                  <a:srgbClr val="19633E">
+                    <a:alpha val="50000"/>
+                  </a:srgbClr>
+                </a:solidFill>
+                <a:latin typeface="휴먼둥근헤드라인" panose="02030504000101010101" pitchFamily="18" charset="-127"/>
+                <a:ea typeface="휴먼둥근헤드라인" panose="02030504000101010101" pitchFamily="18" charset="-127"/>
+                <a:cs typeface="Malgun Gothic Semilight" panose="020B0502040204020203" pitchFamily="50" charset="-127"/>
+              </a:rPr>
+              <a:t>응원 </a:t>
+            </a:r>
+            <a:r>
+              <a:rPr lang="en-US" altLang="ko-KR" sz="2000" dirty="0">
+                <a:solidFill>
+                  <a:srgbClr val="19633E">
+                    <a:alpha val="50000"/>
+                  </a:srgbClr>
+                </a:solidFill>
+                <a:latin typeface="휴먼둥근헤드라인" panose="02030504000101010101" pitchFamily="18" charset="-127"/>
+                <a:ea typeface="휴먼둥근헤드라인" panose="02030504000101010101" pitchFamily="18" charset="-127"/>
+                <a:cs typeface="Malgun Gothic Semilight" panose="020B0502040204020203" pitchFamily="50" charset="-127"/>
+              </a:rPr>
+              <a:t>[</a:t>
+            </a:r>
+            <a:r>
+              <a:rPr lang="ko-KR" altLang="en-US" sz="2000" dirty="0" err="1">
+                <a:solidFill>
+                  <a:srgbClr val="19633E">
+                    <a:alpha val="50000"/>
+                  </a:srgbClr>
+                </a:solidFill>
+                <a:latin typeface="휴먼둥근헤드라인" panose="02030504000101010101" pitchFamily="18" charset="-127"/>
+                <a:ea typeface="휴먼둥근헤드라인" panose="02030504000101010101" pitchFamily="18" charset="-127"/>
+                <a:cs typeface="Malgun Gothic Semilight" panose="020B0502040204020203" pitchFamily="50" charset="-127"/>
+              </a:rPr>
+              <a:t>선수명</a:t>
+            </a:r>
+            <a:r>
+              <a:rPr lang="en-US" altLang="ko-KR" sz="2000" dirty="0">
+                <a:solidFill>
+                  <a:srgbClr val="19633E">
+                    <a:alpha val="50000"/>
+                  </a:srgbClr>
+                </a:solidFill>
+                <a:latin typeface="휴먼둥근헤드라인" panose="02030504000101010101" pitchFamily="18" charset="-127"/>
+                <a:ea typeface="휴먼둥근헤드라인" panose="02030504000101010101" pitchFamily="18" charset="-127"/>
+                <a:cs typeface="Malgun Gothic Semilight" panose="020B0502040204020203" pitchFamily="50" charset="-127"/>
+              </a:rPr>
+              <a:t>] [</a:t>
+            </a:r>
+            <a:r>
+              <a:rPr lang="ko-KR" altLang="en-US" sz="2000" dirty="0" err="1">
+                <a:solidFill>
+                  <a:srgbClr val="19633E">
+                    <a:alpha val="50000"/>
+                  </a:srgbClr>
+                </a:solidFill>
+                <a:latin typeface="휴먼둥근헤드라인" panose="02030504000101010101" pitchFamily="18" charset="-127"/>
+                <a:ea typeface="휴먼둥근헤드라인" panose="02030504000101010101" pitchFamily="18" charset="-127"/>
+                <a:cs typeface="Malgun Gothic Semilight" panose="020B0502040204020203" pitchFamily="50" charset="-127"/>
+              </a:rPr>
+              <a:t>베팅액</a:t>
+            </a:r>
+            <a:r>
+              <a:rPr lang="en-US" altLang="ko-KR" sz="2000" dirty="0">
+                <a:solidFill>
+                  <a:srgbClr val="19633E">
+                    <a:alpha val="50000"/>
+                  </a:srgbClr>
+                </a:solidFill>
+                <a:latin typeface="휴먼둥근헤드라인" panose="02030504000101010101" pitchFamily="18" charset="-127"/>
+                <a:ea typeface="휴먼둥근헤드라인" panose="02030504000101010101" pitchFamily="18" charset="-127"/>
+                <a:cs typeface="Malgun Gothic Semilight" panose="020B0502040204020203" pitchFamily="50" charset="-127"/>
+              </a:rPr>
+              <a:t>]</a:t>
+            </a:r>
+            <a:r>
+              <a:rPr lang="ko-KR" altLang="en-US" sz="2000" dirty="0">
+                <a:solidFill>
+                  <a:srgbClr val="872135"/>
+                </a:solidFill>
+                <a:latin typeface="휴먼둥근헤드라인" panose="02030504000101010101" pitchFamily="18" charset="-127"/>
+                <a:ea typeface="휴먼둥근헤드라인" panose="02030504000101010101" pitchFamily="18" charset="-127"/>
+                <a:cs typeface="Malgun Gothic Semilight" panose="020B0502040204020203" pitchFamily="50" charset="-127"/>
+              </a:rPr>
+              <a:t> </a:t>
+            </a:r>
+            <a:r>
+              <a:rPr lang="en-US" altLang="ko-KR" sz="2000" dirty="0">
+                <a:solidFill>
+                  <a:srgbClr val="872135"/>
+                </a:solidFill>
+                <a:latin typeface="휴먼둥근헤드라인" panose="02030504000101010101" pitchFamily="18" charset="-127"/>
+                <a:ea typeface="휴먼둥근헤드라인" panose="02030504000101010101" pitchFamily="18" charset="-127"/>
+                <a:cs typeface="Malgun Gothic Semilight" panose="020B0502040204020203" pitchFamily="50" charset="-127"/>
+              </a:rPr>
+              <a:t>1</a:t>
+            </a:r>
+            <a:r>
+              <a:rPr lang="ko-KR" altLang="en-US" sz="2000" dirty="0">
+                <a:solidFill>
+                  <a:srgbClr val="872135"/>
+                </a:solidFill>
+                <a:latin typeface="휴먼둥근헤드라인" panose="02030504000101010101" pitchFamily="18" charset="-127"/>
+                <a:ea typeface="휴먼둥근헤드라인" panose="02030504000101010101" pitchFamily="18" charset="-127"/>
+                <a:cs typeface="Malgun Gothic Semilight" panose="020B0502040204020203" pitchFamily="50" charset="-127"/>
+              </a:rPr>
+              <a:t>등 선수를 예측하고 포인트를 걸어요</a:t>
+            </a:r>
+            <a:r>
+              <a:rPr lang="en-US" altLang="ko-KR" sz="2000" dirty="0">
+                <a:solidFill>
+                  <a:srgbClr val="872135"/>
+                </a:solidFill>
+                <a:latin typeface="휴먼둥근헤드라인" panose="02030504000101010101" pitchFamily="18" charset="-127"/>
+                <a:ea typeface="휴먼둥근헤드라인" panose="02030504000101010101" pitchFamily="18" charset="-127"/>
+                <a:cs typeface="Malgun Gothic Semilight" panose="020B0502040204020203" pitchFamily="50" charset="-127"/>
+              </a:rPr>
+              <a:t>!</a:t>
+            </a:r>
+            <a:endParaRPr lang="en-US" altLang="ko-KR" sz="2000" dirty="0">
+              <a:solidFill>
+                <a:srgbClr val="19633E">
+                  <a:alpha val="50000"/>
+                </a:srgbClr>
+              </a:solidFill>
+              <a:latin typeface="휴먼둥근헤드라인" panose="02030504000101010101" pitchFamily="18" charset="-127"/>
+              <a:ea typeface="휴먼둥근헤드라인" panose="02030504000101010101" pitchFamily="18" charset="-127"/>
+              <a:cs typeface="Malgun Gothic Semilight" panose="020B0502040204020203" pitchFamily="50" charset="-127"/>
+            </a:endParaRPr>
+          </a:p>
+          <a:p>
+            <a:pPr>
+              <a:lnSpc>
+                <a:spcPct val="150000"/>
+              </a:lnSpc>
+            </a:pPr>
+            <a:r>
+              <a:rPr lang="en-US" altLang="ko-KR" sz="2000" dirty="0">
+                <a:solidFill>
+                  <a:srgbClr val="19633E">
+                    <a:alpha val="50000"/>
+                  </a:srgbClr>
+                </a:solidFill>
+                <a:latin typeface="휴먼둥근헤드라인" panose="02030504000101010101" pitchFamily="18" charset="-127"/>
+                <a:ea typeface="휴먼둥근헤드라인" panose="02030504000101010101" pitchFamily="18" charset="-127"/>
+                <a:cs typeface="Malgun Gothic Semilight" panose="020B0502040204020203" pitchFamily="50" charset="-127"/>
+              </a:rPr>
+              <a:t>!</a:t>
+            </a:r>
+            <a:r>
+              <a:rPr lang="ko-KR" altLang="en-US" sz="2000" dirty="0">
+                <a:solidFill>
+                  <a:srgbClr val="19633E">
+                    <a:alpha val="50000"/>
+                  </a:srgbClr>
+                </a:solidFill>
+                <a:latin typeface="휴먼둥근헤드라인" panose="02030504000101010101" pitchFamily="18" charset="-127"/>
+                <a:ea typeface="휴먼둥근헤드라인" panose="02030504000101010101" pitchFamily="18" charset="-127"/>
+                <a:cs typeface="Malgun Gothic Semilight" panose="020B0502040204020203" pitchFamily="50" charset="-127"/>
+              </a:rPr>
+              <a:t>구매 </a:t>
+            </a:r>
+            <a:r>
+              <a:rPr lang="en-US" altLang="ko-KR" sz="2000" dirty="0">
+                <a:solidFill>
+                  <a:srgbClr val="872135"/>
+                </a:solidFill>
+                <a:latin typeface="휴먼둥근헤드라인" panose="02030504000101010101" pitchFamily="18" charset="-127"/>
+                <a:ea typeface="휴먼둥근헤드라인" panose="02030504000101010101" pitchFamily="18" charset="-127"/>
+                <a:cs typeface="Malgun Gothic Semilight" panose="020B0502040204020203" pitchFamily="50" charset="-127"/>
+              </a:rPr>
+              <a:t>10,000 </a:t>
+            </a:r>
+            <a:r>
+              <a:rPr lang="ko-KR" altLang="en-US" sz="2000" dirty="0">
+                <a:solidFill>
+                  <a:srgbClr val="872135"/>
+                </a:solidFill>
+                <a:latin typeface="휴먼둥근헤드라인" panose="02030504000101010101" pitchFamily="18" charset="-127"/>
+                <a:ea typeface="휴먼둥근헤드라인" panose="02030504000101010101" pitchFamily="18" charset="-127"/>
+                <a:cs typeface="Malgun Gothic Semilight" panose="020B0502040204020203" pitchFamily="50" charset="-127"/>
+              </a:rPr>
+              <a:t>포인트를 지불해 혼천 선수우선권을 구매해요</a:t>
+            </a:r>
+            <a:r>
+              <a:rPr lang="en-US" altLang="ko-KR" sz="2000" dirty="0">
+                <a:solidFill>
+                  <a:srgbClr val="872135"/>
+                </a:solidFill>
+                <a:latin typeface="휴먼둥근헤드라인" panose="02030504000101010101" pitchFamily="18" charset="-127"/>
+                <a:ea typeface="휴먼둥근헤드라인" panose="02030504000101010101" pitchFamily="18" charset="-127"/>
+                <a:cs typeface="Malgun Gothic Semilight" panose="020B0502040204020203" pitchFamily="50" charset="-127"/>
+              </a:rPr>
+              <a:t>!</a:t>
+            </a:r>
+            <a:endParaRPr lang="en-US" altLang="ko-KR" sz="2000" dirty="0">
+              <a:solidFill>
+                <a:srgbClr val="19633E">
+                  <a:alpha val="50000"/>
+                </a:srgbClr>
+              </a:solidFill>
+              <a:latin typeface="휴먼둥근헤드라인" panose="02030504000101010101" pitchFamily="18" charset="-127"/>
+              <a:ea typeface="휴먼둥근헤드라인" panose="02030504000101010101" pitchFamily="18" charset="-127"/>
+              <a:cs typeface="Malgun Gothic Semilight" panose="020B0502040204020203" pitchFamily="50" charset="-127"/>
+            </a:endParaRPr>
+          </a:p>
+          <a:p>
+            <a:pPr>
+              <a:lnSpc>
+                <a:spcPct val="150000"/>
+              </a:lnSpc>
+            </a:pPr>
+            <a:r>
+              <a:rPr lang="en-US" altLang="ko-KR" sz="2000" dirty="0">
+                <a:solidFill>
+                  <a:srgbClr val="19633E">
+                    <a:alpha val="50000"/>
+                  </a:srgbClr>
+                </a:solidFill>
+                <a:latin typeface="휴먼둥근헤드라인" panose="02030504000101010101" pitchFamily="18" charset="-127"/>
+                <a:ea typeface="휴먼둥근헤드라인" panose="02030504000101010101" pitchFamily="18" charset="-127"/>
+                <a:cs typeface="Malgun Gothic Semilight" panose="020B0502040204020203" pitchFamily="50" charset="-127"/>
+              </a:rPr>
+              <a:t>!</a:t>
+            </a:r>
+            <a:r>
+              <a:rPr lang="ko-KR" altLang="en-US" sz="2000" dirty="0">
+                <a:solidFill>
+                  <a:srgbClr val="19633E">
+                    <a:alpha val="50000"/>
+                  </a:srgbClr>
+                </a:solidFill>
+                <a:latin typeface="휴먼둥근헤드라인" panose="02030504000101010101" pitchFamily="18" charset="-127"/>
+                <a:ea typeface="휴먼둥근헤드라인" panose="02030504000101010101" pitchFamily="18" charset="-127"/>
+                <a:cs typeface="Malgun Gothic Semilight" panose="020B0502040204020203" pitchFamily="50" charset="-127"/>
+              </a:rPr>
+              <a:t>포인트 </a:t>
+            </a:r>
+            <a:r>
+              <a:rPr lang="en-US" altLang="ko-KR" sz="2000" dirty="0">
+                <a:solidFill>
+                  <a:srgbClr val="19633E">
+                    <a:alpha val="50000"/>
+                  </a:srgbClr>
+                </a:solidFill>
+                <a:latin typeface="휴먼둥근헤드라인" panose="02030504000101010101" pitchFamily="18" charset="-127"/>
+                <a:ea typeface="휴먼둥근헤드라인" panose="02030504000101010101" pitchFamily="18" charset="-127"/>
+                <a:cs typeface="Malgun Gothic Semilight" panose="020B0502040204020203" pitchFamily="50" charset="-127"/>
+              </a:rPr>
+              <a:t>[*</a:t>
+            </a:r>
+            <a:r>
+              <a:rPr lang="ko-KR" altLang="en-US" sz="2000" dirty="0">
+                <a:solidFill>
+                  <a:srgbClr val="19633E">
+                    <a:alpha val="50000"/>
+                  </a:srgbClr>
+                </a:solidFill>
+                <a:latin typeface="휴먼둥근헤드라인" panose="02030504000101010101" pitchFamily="18" charset="-127"/>
+                <a:ea typeface="휴먼둥근헤드라인" panose="02030504000101010101" pitchFamily="18" charset="-127"/>
+                <a:cs typeface="Malgun Gothic Semilight" panose="020B0502040204020203" pitchFamily="50" charset="-127"/>
+              </a:rPr>
+              <a:t>시청자 이름</a:t>
+            </a:r>
+            <a:r>
+              <a:rPr lang="en-US" altLang="ko-KR" sz="2000" dirty="0">
+                <a:solidFill>
+                  <a:srgbClr val="19633E">
+                    <a:alpha val="50000"/>
+                  </a:srgbClr>
+                </a:solidFill>
+                <a:latin typeface="휴먼둥근헤드라인" panose="02030504000101010101" pitchFamily="18" charset="-127"/>
+                <a:ea typeface="휴먼둥근헤드라인" panose="02030504000101010101" pitchFamily="18" charset="-127"/>
+                <a:cs typeface="Malgun Gothic Semilight" panose="020B0502040204020203" pitchFamily="50" charset="-127"/>
+              </a:rPr>
+              <a:t>] </a:t>
+            </a:r>
+            <a:r>
+              <a:rPr lang="ko-KR" altLang="en-US" sz="2000" dirty="0">
+                <a:solidFill>
+                  <a:srgbClr val="872135"/>
+                </a:solidFill>
+                <a:latin typeface="휴먼둥근헤드라인" panose="02030504000101010101" pitchFamily="18" charset="-127"/>
+                <a:ea typeface="휴먼둥근헤드라인" panose="02030504000101010101" pitchFamily="18" charset="-127"/>
+                <a:cs typeface="Malgun Gothic Semilight" panose="020B0502040204020203" pitchFamily="50" charset="-127"/>
+              </a:rPr>
+              <a:t>현재 포인트 현황을 조회해요</a:t>
+            </a:r>
+            <a:endParaRPr lang="en-US" altLang="ko-KR" sz="2000" dirty="0">
+              <a:solidFill>
+                <a:srgbClr val="19633E">
+                  <a:alpha val="50000"/>
+                </a:srgbClr>
+              </a:solidFill>
+              <a:latin typeface="휴먼둥근헤드라인" panose="02030504000101010101" pitchFamily="18" charset="-127"/>
+              <a:ea typeface="휴먼둥근헤드라인" panose="02030504000101010101" pitchFamily="18" charset="-127"/>
+              <a:cs typeface="Malgun Gothic Semilight" panose="020B0502040204020203" pitchFamily="50" charset="-127"/>
+            </a:endParaRPr>
+          </a:p>
+          <a:p>
+            <a:pPr>
+              <a:lnSpc>
+                <a:spcPct val="150000"/>
+              </a:lnSpc>
+            </a:pPr>
+            <a:r>
+              <a:rPr lang="en-US" altLang="ko-KR" sz="2000" dirty="0">
+                <a:solidFill>
+                  <a:srgbClr val="19633E">
+                    <a:alpha val="50000"/>
+                  </a:srgbClr>
+                </a:solidFill>
+                <a:latin typeface="휴먼둥근헤드라인" panose="02030504000101010101" pitchFamily="18" charset="-127"/>
+                <a:ea typeface="휴먼둥근헤드라인" panose="02030504000101010101" pitchFamily="18" charset="-127"/>
+                <a:cs typeface="Malgun Gothic Semilight" panose="020B0502040204020203" pitchFamily="50" charset="-127"/>
+              </a:rPr>
+              <a:t>!</a:t>
+            </a:r>
+            <a:r>
+              <a:rPr lang="ko-KR" altLang="en-US" sz="2000" dirty="0">
+                <a:solidFill>
+                  <a:srgbClr val="19633E">
+                    <a:alpha val="50000"/>
+                  </a:srgbClr>
+                </a:solidFill>
+                <a:latin typeface="휴먼둥근헤드라인" panose="02030504000101010101" pitchFamily="18" charset="-127"/>
+                <a:ea typeface="휴먼둥근헤드라인" panose="02030504000101010101" pitchFamily="18" charset="-127"/>
+                <a:cs typeface="Malgun Gothic Semilight" panose="020B0502040204020203" pitchFamily="50" charset="-127"/>
+              </a:rPr>
               <a:t>등락 </a:t>
             </a:r>
             <a:r>
@@ -24978,7 +24628,7 @@
               <a:t>!</a:t>
             </a:r>
             <a:r>
-              <a:rPr lang="ko-KR" altLang="en-US" sz="2000" dirty="0" err="1">
+              <a:rPr lang="ko-KR" altLang="en-US" sz="2000" dirty="0">
                 <a:solidFill>
                   <a:srgbClr val="19633E">
                     <a:alpha val="50000"/>
@@ -24988,10 +24638,10 @@
                 <a:ea typeface="휴먼둥근헤드라인" panose="02030504000101010101" pitchFamily="18" charset="-127"/>
                 <a:cs typeface="Malgun Gothic Semilight" panose="020B0502040204020203" pitchFamily="50" charset="-127"/>
               </a:rPr>
-              <a:t>베팅정보</a:t>
-            </a:r>
-            <a:r>
-              <a:rPr lang="ko-KR" altLang="en-US" sz="2000" dirty="0">
+              <a:t>응원정보 </a:t>
+            </a:r>
+            <a:r>
+              <a:rPr lang="en-US" altLang="ko-KR" sz="2000" dirty="0">
                 <a:solidFill>
                   <a:srgbClr val="19633E">
                     <a:alpha val="50000"/>
@@ -25001,10 +24651,10 @@
                 <a:ea typeface="휴먼둥근헤드라인" panose="02030504000101010101" pitchFamily="18" charset="-127"/>
                 <a:cs typeface="Malgun Gothic Semilight" panose="020B0502040204020203" pitchFamily="50" charset="-127"/>
               </a:rPr>
-              <a:t> </a:t>
-            </a:r>
-            <a:r>
-              <a:rPr lang="en-US" altLang="ko-KR" sz="2000" dirty="0">
+              <a:t>[*</a:t>
+            </a:r>
+            <a:r>
+              <a:rPr lang="ko-KR" altLang="en-US" sz="2000" dirty="0">
                 <a:solidFill>
                   <a:srgbClr val="19633E">
                     <a:alpha val="50000"/>
@@ -25014,10 +24664,10 @@
                 <a:ea typeface="휴먼둥근헤드라인" panose="02030504000101010101" pitchFamily="18" charset="-127"/>
                 <a:cs typeface="Malgun Gothic Semilight" panose="020B0502040204020203" pitchFamily="50" charset="-127"/>
               </a:rPr>
-              <a:t>[*</a:t>
-            </a:r>
-            <a:r>
-              <a:rPr lang="ko-KR" altLang="en-US" sz="2000" dirty="0">
+              <a:t>시청자 이름</a:t>
+            </a:r>
+            <a:r>
+              <a:rPr lang="en-US" altLang="ko-KR" sz="2000" dirty="0">
                 <a:solidFill>
                   <a:srgbClr val="19633E">
                     <a:alpha val="50000"/>
@@ -25027,31 +24677,92 @@
                 <a:ea typeface="휴먼둥근헤드라인" panose="02030504000101010101" pitchFamily="18" charset="-127"/>
                 <a:cs typeface="Malgun Gothic Semilight" panose="020B0502040204020203" pitchFamily="50" charset="-127"/>
               </a:rPr>
-              <a:t>시청자 이름</a:t>
-            </a:r>
-            <a:r>
-              <a:rPr lang="en-US" altLang="ko-KR" sz="2000" dirty="0">
-                <a:solidFill>
-                  <a:srgbClr val="19633E">
-                    <a:alpha val="50000"/>
-                  </a:srgbClr>
+              <a:t>] </a:t>
+            </a:r>
+            <a:r>
+              <a:rPr lang="ko-KR" altLang="en-US" sz="2000" dirty="0">
+                <a:solidFill>
+                  <a:srgbClr val="872135"/>
                 </a:solidFill>
                 <a:latin typeface="휴먼둥근헤드라인" panose="02030504000101010101" pitchFamily="18" charset="-127"/>
                 <a:ea typeface="휴먼둥근헤드라인" panose="02030504000101010101" pitchFamily="18" charset="-127"/>
                 <a:cs typeface="Malgun Gothic Semilight" panose="020B0502040204020203" pitchFamily="50" charset="-127"/>
               </a:rPr>
-              <a:t>] </a:t>
-            </a:r>
-            <a:r>
-              <a:rPr lang="ko-KR" altLang="en-US" sz="2000" dirty="0">
-                <a:solidFill>
-                  <a:srgbClr val="872135"/>
+              <a:t>현재 베팅 정보를 조회해요</a:t>
+            </a:r>
+            <a:endParaRPr lang="en-US" altLang="ko-KR" sz="2000" dirty="0">
+              <a:solidFill>
+                <a:srgbClr val="872135"/>
+              </a:solidFill>
+              <a:latin typeface="휴먼둥근헤드라인" panose="02030504000101010101" pitchFamily="18" charset="-127"/>
+              <a:ea typeface="휴먼둥근헤드라인" panose="02030504000101010101" pitchFamily="18" charset="-127"/>
+              <a:cs typeface="Malgun Gothic Semilight" panose="020B0502040204020203" pitchFamily="50" charset="-127"/>
+            </a:endParaRPr>
+          </a:p>
+          <a:p>
+            <a:pPr>
+              <a:lnSpc>
+                <a:spcPct val="150000"/>
+              </a:lnSpc>
+            </a:pPr>
+            <a:r>
+              <a:rPr lang="en-US" altLang="ko-KR" sz="2000" dirty="0">
+                <a:solidFill>
+                  <a:srgbClr val="19633E">
+                    <a:alpha val="50000"/>
+                  </a:srgbClr>
                 </a:solidFill>
                 <a:latin typeface="휴먼둥근헤드라인" panose="02030504000101010101" pitchFamily="18" charset="-127"/>
                 <a:ea typeface="휴먼둥근헤드라인" panose="02030504000101010101" pitchFamily="18" charset="-127"/>
                 <a:cs typeface="Malgun Gothic Semilight" panose="020B0502040204020203" pitchFamily="50" charset="-127"/>
               </a:rPr>
-              <a:t>현재 베팅 정보를 조회해요</a:t>
+              <a:t>!</a:t>
+            </a:r>
+            <a:r>
+              <a:rPr lang="ko-KR" altLang="en-US" sz="2000" dirty="0">
+                <a:solidFill>
+                  <a:srgbClr val="19633E">
+                    <a:alpha val="50000"/>
+                  </a:srgbClr>
+                </a:solidFill>
+                <a:latin typeface="휴먼둥근헤드라인" panose="02030504000101010101" pitchFamily="18" charset="-127"/>
+                <a:ea typeface="휴먼둥근헤드라인" panose="02030504000101010101" pitchFamily="18" charset="-127"/>
+                <a:cs typeface="Malgun Gothic Semilight" panose="020B0502040204020203" pitchFamily="50" charset="-127"/>
+              </a:rPr>
+              <a:t>응원현황 </a:t>
+            </a:r>
+            <a:r>
+              <a:rPr lang="ko-KR" altLang="en-US" sz="2000" dirty="0">
+                <a:solidFill>
+                  <a:srgbClr val="872135"/>
+                </a:solidFill>
+                <a:latin typeface="휴먼둥근헤드라인" panose="02030504000101010101" pitchFamily="18" charset="-127"/>
+                <a:ea typeface="휴먼둥근헤드라인" panose="02030504000101010101" pitchFamily="18" charset="-127"/>
+                <a:cs typeface="Malgun Gothic Semilight" panose="020B0502040204020203" pitchFamily="50" charset="-127"/>
+              </a:rPr>
+              <a:t>현재 각 </a:t>
+            </a:r>
+            <a:r>
+              <a:rPr lang="ko-KR" altLang="en-US" sz="2000" dirty="0" err="1">
+                <a:solidFill>
+                  <a:srgbClr val="872135"/>
+                </a:solidFill>
+                <a:latin typeface="휴먼둥근헤드라인" panose="02030504000101010101" pitchFamily="18" charset="-127"/>
+                <a:ea typeface="휴먼둥근헤드라인" panose="02030504000101010101" pitchFamily="18" charset="-127"/>
+                <a:cs typeface="Malgun Gothic Semilight" panose="020B0502040204020203" pitchFamily="50" charset="-127"/>
+              </a:rPr>
+              <a:t>선수별</a:t>
+            </a:r>
+            <a:r>
+              <a:rPr lang="ko-KR" altLang="en-US" sz="2000" dirty="0">
+                <a:solidFill>
+                  <a:srgbClr val="872135"/>
+                </a:solidFill>
+                <a:latin typeface="휴먼둥근헤드라인" panose="02030504000101010101" pitchFamily="18" charset="-127"/>
+                <a:ea typeface="휴먼둥근헤드라인" panose="02030504000101010101" pitchFamily="18" charset="-127"/>
+                <a:cs typeface="Malgun Gothic Semilight" panose="020B0502040204020203" pitchFamily="50" charset="-127"/>
+              </a:rPr>
+              <a:t> 응원 포인트 배당비율을 알려드려요</a:t>
             </a:r>
             <a:endParaRPr lang="en-US" altLang="ko-KR" sz="2000" dirty="0">
               <a:solidFill>
@@ -25133,7 +24844,381 @@
 </p:sld>
 </file>
 
-<file path=ppt/slides/slide38.xml><?xml version="1.0" encoding="utf-8"?>
+<file path=ppt/slides/slide4.xml><?xml version="1.0" encoding="utf-8"?>
+<p:sld xmlns:a="http://schemas.openxmlformats.org/drawingml/2006/main" xmlns:r="http://schemas.openxmlformats.org/officeDocument/2006/relationships" xmlns:p="http://schemas.openxmlformats.org/presentationml/2006/main">
+  <p:cSld>
+    <p:spTree>
+      <p:nvGrpSpPr>
+        <p:cNvPr id="1" name=""/>
+        <p:cNvGrpSpPr/>
+        <p:nvPr/>
+      </p:nvGrpSpPr>
+      <p:grpSpPr>
+        <a:xfrm>
+          <a:off x="0" y="0"/>
+          <a:ext cx="0" cy="0"/>
+          <a:chOff x="0" y="0"/>
+          <a:chExt cx="0" cy="0"/>
+        </a:xfrm>
+      </p:grpSpPr>
+      <p:sp>
+        <p:nvSpPr>
+          <p:cNvPr id="2" name="TextBox 1">
+            <a:extLst>
+              <a:ext uri="{FF2B5EF4-FFF2-40B4-BE49-F238E27FC236}">
+                <a16:creationId xmlns:a16="http://schemas.microsoft.com/office/drawing/2014/main" id="{823EB0DF-9FD8-9564-CAC7-42E386E52D71}"/>
+              </a:ext>
+            </a:extLst>
+          </p:cNvPr>
+          <p:cNvSpPr txBox="1"/>
+          <p:nvPr/>
+        </p:nvSpPr>
+        <p:spPr>
+          <a:xfrm>
+            <a:off x="517430" y="484138"/>
+            <a:ext cx="4314001" cy="1569660"/>
+          </a:xfrm>
+          <a:prstGeom prst="rect">
+            <a:avLst/>
+          </a:prstGeom>
+          <a:noFill/>
+        </p:spPr>
+        <p:txBody>
+          <a:bodyPr wrap="none" rtlCol="0">
+            <a:spAutoFit/>
+          </a:bodyPr>
+          <a:lstStyle/>
+          <a:p>
+            <a:r>
+              <a:rPr lang="en-US" altLang="ko-KR" sz="9600" b="1" dirty="0">
+                <a:solidFill>
+                  <a:srgbClr val="19633E">
+                    <a:alpha val="50000"/>
+                  </a:srgbClr>
+                </a:solidFill>
+                <a:latin typeface="HY견고딕" panose="02030600000101010101" pitchFamily="18" charset="-127"/>
+                <a:ea typeface="HY견고딕" panose="02030600000101010101" pitchFamily="18" charset="-127"/>
+                <a:cs typeface="Malgun Gothic Semilight" panose="020B0502040204020203" pitchFamily="50" charset="-127"/>
+              </a:rPr>
+              <a:t>!</a:t>
+            </a:r>
+            <a:r>
+              <a:rPr lang="ko-KR" altLang="en-US" sz="9600" b="1" dirty="0">
+                <a:solidFill>
+                  <a:srgbClr val="19633E">
+                    <a:alpha val="50000"/>
+                  </a:srgbClr>
+                </a:solidFill>
+                <a:latin typeface="HY견고딕" panose="02030600000101010101" pitchFamily="18" charset="-127"/>
+                <a:ea typeface="HY견고딕" panose="02030600000101010101" pitchFamily="18" charset="-127"/>
+                <a:cs typeface="Malgun Gothic Semilight" panose="020B0502040204020203" pitchFamily="50" charset="-127"/>
+              </a:rPr>
+              <a:t>명령어</a:t>
+            </a:r>
+          </a:p>
+        </p:txBody>
+      </p:sp>
+      <p:sp>
+        <p:nvSpPr>
+          <p:cNvPr id="7" name="TextBox 6">
+            <a:extLst>
+              <a:ext uri="{FF2B5EF4-FFF2-40B4-BE49-F238E27FC236}">
+                <a16:creationId xmlns:a16="http://schemas.microsoft.com/office/drawing/2014/main" id="{F9C23BC9-0B9E-0A9A-7ABE-EC239DB51B3F}"/>
+              </a:ext>
+            </a:extLst>
+          </p:cNvPr>
+          <p:cNvSpPr txBox="1"/>
+          <p:nvPr/>
+        </p:nvSpPr>
+        <p:spPr>
+          <a:xfrm>
+            <a:off x="634999" y="2053798"/>
+            <a:ext cx="1307011" cy="461665"/>
+          </a:xfrm>
+          <a:prstGeom prst="rect">
+            <a:avLst/>
+          </a:prstGeom>
+          <a:noFill/>
+        </p:spPr>
+        <p:txBody>
+          <a:bodyPr wrap="square">
+            <a:spAutoFit/>
+          </a:bodyPr>
+          <a:lstStyle/>
+          <a:p>
+            <a:r>
+              <a:rPr lang="en-US" altLang="ko-KR" sz="2400" b="1">
+                <a:solidFill>
+                  <a:srgbClr val="19633E">
+                    <a:alpha val="50000"/>
+                  </a:srgbClr>
+                </a:solidFill>
+                <a:latin typeface="휴먼둥근헤드라인" panose="02030504000101010101" pitchFamily="18" charset="-127"/>
+                <a:ea typeface="휴먼둥근헤드라인" panose="02030504000101010101" pitchFamily="18" charset="-127"/>
+                <a:cs typeface="Malgun Gothic Semilight" panose="020B0502040204020203" pitchFamily="50" charset="-127"/>
+              </a:rPr>
+              <a:t>!</a:t>
+            </a:r>
+            <a:r>
+              <a:rPr lang="ko-KR" altLang="en-US" sz="2400" b="1" dirty="0">
+                <a:solidFill>
+                  <a:srgbClr val="19633E">
+                    <a:alpha val="50000"/>
+                  </a:srgbClr>
+                </a:solidFill>
+                <a:latin typeface="휴먼둥근헤드라인" panose="02030504000101010101" pitchFamily="18" charset="-127"/>
+                <a:ea typeface="휴먼둥근헤드라인" panose="02030504000101010101" pitchFamily="18" charset="-127"/>
+                <a:cs typeface="Malgun Gothic Semilight" panose="020B0502040204020203" pitchFamily="50" charset="-127"/>
+              </a:rPr>
+              <a:t>명령어</a:t>
+            </a:r>
+            <a:endParaRPr lang="en-US" altLang="ko-KR" sz="2400" b="1" dirty="0">
+              <a:solidFill>
+                <a:srgbClr val="19633E">
+                  <a:alpha val="50000"/>
+                </a:srgbClr>
+              </a:solidFill>
+              <a:latin typeface="휴먼둥근헤드라인" panose="02030504000101010101" pitchFamily="18" charset="-127"/>
+              <a:ea typeface="휴먼둥근헤드라인" panose="02030504000101010101" pitchFamily="18" charset="-127"/>
+              <a:cs typeface="Malgun Gothic Semilight" panose="020B0502040204020203" pitchFamily="50" charset="-127"/>
+            </a:endParaRPr>
+          </a:p>
+        </p:txBody>
+      </p:sp>
+      <p:pic>
+        <p:nvPicPr>
+          <p:cNvPr id="3" name="그림 2" descr="클립아트, 상징, 만화 영화, 일러스트레이션이(가) 표시된 사진&#10;&#10;자동 생성된 설명">
+            <a:extLst>
+              <a:ext uri="{FF2B5EF4-FFF2-40B4-BE49-F238E27FC236}">
+                <a16:creationId xmlns:a16="http://schemas.microsoft.com/office/drawing/2014/main" id="{1A72D100-395A-E0AD-538D-3EC9E53B16FA}"/>
+              </a:ext>
+            </a:extLst>
+          </p:cNvPr>
+          <p:cNvPicPr>
+            <a:picLocks noChangeAspect="1"/>
+          </p:cNvPicPr>
+          <p:nvPr/>
+        </p:nvPicPr>
+        <p:blipFill rotWithShape="1">
+          <a:blip r:embed="rId2">
+            <a:extLst>
+              <a:ext uri="{BEBA8EAE-BF5A-486C-A8C5-ECC9F3942E4B}">
+                <a14:imgProps xmlns:a14="http://schemas.microsoft.com/office/drawing/2010/main">
+                  <a14:imgLayer r:embed="rId3">
+                    <a14:imgEffect>
+                      <a14:backgroundRemoval t="8871" b="94758" l="9091" r="89773">
+                        <a14:foregroundMark x1="45455" y1="9677" x2="48295" y2="13306"/>
+                        <a14:foregroundMark x1="24432" y1="43952" x2="21591" y2="51613"/>
+                        <a14:foregroundMark x1="34091" y1="50806" x2="55114" y2="62500"/>
+                        <a14:foregroundMark x1="71591" y1="37500" x2="60795" y2="42339"/>
+                        <a14:foregroundMark x1="74432" y1="45565" x2="74432" y2="51613"/>
+                        <a14:foregroundMark x1="44886" y1="56048" x2="42614" y2="69758"/>
+                        <a14:foregroundMark x1="23295" y1="66532" x2="37500" y2="77016"/>
+                        <a14:foregroundMark x1="72727" y1="73387" x2="69886" y2="78226"/>
+                        <a14:foregroundMark x1="46591" y1="90323" x2="47159" y2="87500"/>
+                        <a14:foregroundMark x1="63636" y1="93145" x2="61932" y2="94355"/>
+                        <a14:foregroundMark x1="46591" y1="94758" x2="48295" y2="94758"/>
+                      </a14:backgroundRemoval>
+                    </a14:imgEffect>
+                  </a14:imgLayer>
+                </a14:imgProps>
+              </a:ext>
+              <a:ext uri="{28A0092B-C50C-407E-A947-70E740481C1C}">
+                <a14:useLocalDpi xmlns:a14="http://schemas.microsoft.com/office/drawing/2010/main" val="0"/>
+              </a:ext>
+            </a:extLst>
+          </a:blip>
+          <a:srcRect b="34119"/>
+          <a:stretch/>
+        </p:blipFill>
+        <p:spPr>
+          <a:xfrm>
+            <a:off x="10117000" y="4724722"/>
+            <a:ext cx="2293533" cy="2129162"/>
+          </a:xfrm>
+          <a:prstGeom prst="rect">
+            <a:avLst/>
+          </a:prstGeom>
+        </p:spPr>
+      </p:pic>
+      <p:pic>
+        <p:nvPicPr>
+          <p:cNvPr id="4" name="그림 3" descr="클립아트, 만화 영화, 일러스트레이션, 그림이(가) 표시된 사진&#10;&#10;자동 생성된 설명">
+            <a:extLst>
+              <a:ext uri="{FF2B5EF4-FFF2-40B4-BE49-F238E27FC236}">
+                <a16:creationId xmlns:a16="http://schemas.microsoft.com/office/drawing/2014/main" id="{B7DFF34B-22E2-9AF8-06A9-F199A9960908}"/>
+              </a:ext>
+            </a:extLst>
+          </p:cNvPr>
+          <p:cNvPicPr>
+            <a:picLocks noChangeAspect="1"/>
+          </p:cNvPicPr>
+          <p:nvPr/>
+        </p:nvPicPr>
+        <p:blipFill>
+          <a:blip r:embed="rId4">
+            <a:extLst>
+              <a:ext uri="{28A0092B-C50C-407E-A947-70E740481C1C}">
+                <a14:useLocalDpi xmlns:a14="http://schemas.microsoft.com/office/drawing/2010/main" val="0"/>
+              </a:ext>
+            </a:extLst>
+          </a:blip>
+          <a:stretch>
+            <a:fillRect/>
+          </a:stretch>
+        </p:blipFill>
+        <p:spPr>
+          <a:xfrm>
+            <a:off x="0" y="3220288"/>
+            <a:ext cx="2449286" cy="3429000"/>
+          </a:xfrm>
+          <a:prstGeom prst="rect">
+            <a:avLst/>
+          </a:prstGeom>
+        </p:spPr>
+      </p:pic>
+      <p:cxnSp>
+        <p:nvCxnSpPr>
+          <p:cNvPr id="8" name="직선 연결선 7">
+            <a:extLst>
+              <a:ext uri="{FF2B5EF4-FFF2-40B4-BE49-F238E27FC236}">
+                <a16:creationId xmlns:a16="http://schemas.microsoft.com/office/drawing/2014/main" id="{BE10C0DD-D2E8-84F3-FC10-642535281AAA}"/>
+              </a:ext>
+            </a:extLst>
+          </p:cNvPr>
+          <p:cNvCxnSpPr>
+            <a:cxnSpLocks/>
+          </p:cNvCxnSpPr>
+          <p:nvPr/>
+        </p:nvCxnSpPr>
+        <p:spPr>
+          <a:xfrm>
+            <a:off x="723900" y="2528163"/>
+            <a:ext cx="1052649" cy="0"/>
+          </a:xfrm>
+          <a:prstGeom prst="line">
+            <a:avLst/>
+          </a:prstGeom>
+          <a:ln w="57150">
+            <a:solidFill>
+              <a:srgbClr val="1D5F3C">
+                <a:alpha val="50000"/>
+              </a:srgbClr>
+            </a:solidFill>
+          </a:ln>
+        </p:spPr>
+        <p:style>
+          <a:lnRef idx="1">
+            <a:schemeClr val="accent1"/>
+          </a:lnRef>
+          <a:fillRef idx="0">
+            <a:schemeClr val="accent1"/>
+          </a:fillRef>
+          <a:effectRef idx="0">
+            <a:schemeClr val="accent1"/>
+          </a:effectRef>
+          <a:fontRef idx="minor">
+            <a:schemeClr val="tx1"/>
+          </a:fontRef>
+        </p:style>
+      </p:cxnSp>
+      <p:sp>
+        <p:nvSpPr>
+          <p:cNvPr id="17" name="말풍선: 모서리가 둥근 사각형 16">
+            <a:extLst>
+              <a:ext uri="{FF2B5EF4-FFF2-40B4-BE49-F238E27FC236}">
+                <a16:creationId xmlns:a16="http://schemas.microsoft.com/office/drawing/2014/main" id="{E2BA31C4-5E7F-1DB2-333A-0A6BF44D0171}"/>
+              </a:ext>
+            </a:extLst>
+          </p:cNvPr>
+          <p:cNvSpPr/>
+          <p:nvPr/>
+        </p:nvSpPr>
+        <p:spPr>
+          <a:xfrm>
+            <a:off x="5756366" y="2812869"/>
+            <a:ext cx="4360634" cy="3139422"/>
+          </a:xfrm>
+          <a:prstGeom prst="wedgeRoundRectCallout">
+            <a:avLst>
+              <a:gd name="adj1" fmla="val 59942"/>
+              <a:gd name="adj2" fmla="val 40310"/>
+              <a:gd name="adj3" fmla="val 16667"/>
+            </a:avLst>
+          </a:prstGeom>
+          <a:solidFill>
+            <a:srgbClr val="141517"/>
+          </a:solidFill>
+        </p:spPr>
+        <p:style>
+          <a:lnRef idx="2">
+            <a:schemeClr val="accent1">
+              <a:shade val="15000"/>
+            </a:schemeClr>
+          </a:lnRef>
+          <a:fillRef idx="1">
+            <a:schemeClr val="accent1"/>
+          </a:fillRef>
+          <a:effectRef idx="0">
+            <a:schemeClr val="accent1"/>
+          </a:effectRef>
+          <a:fontRef idx="minor">
+            <a:schemeClr val="lt1"/>
+          </a:fontRef>
+        </p:style>
+        <p:txBody>
+          <a:bodyPr rtlCol="0" anchor="ctr"/>
+          <a:lstStyle/>
+          <a:p>
+            <a:pPr algn="ctr"/>
+            <a:endParaRPr lang="ko-KR" altLang="en-US"/>
+          </a:p>
+        </p:txBody>
+      </p:sp>
+      <p:pic>
+        <p:nvPicPr>
+          <p:cNvPr id="6" name="그림 5">
+            <a:extLst>
+              <a:ext uri="{FF2B5EF4-FFF2-40B4-BE49-F238E27FC236}">
+                <a16:creationId xmlns:a16="http://schemas.microsoft.com/office/drawing/2014/main" id="{35413B85-E3FE-96D3-80C8-21FB01D9468F}"/>
+              </a:ext>
+            </a:extLst>
+          </p:cNvPr>
+          <p:cNvPicPr>
+            <a:picLocks noChangeAspect="1"/>
+          </p:cNvPicPr>
+          <p:nvPr/>
+        </p:nvPicPr>
+        <p:blipFill>
+          <a:blip r:embed="rId5"/>
+          <a:stretch>
+            <a:fillRect/>
+          </a:stretch>
+        </p:blipFill>
+        <p:spPr>
+          <a:xfrm>
+            <a:off x="6202891" y="3468052"/>
+            <a:ext cx="3467584" cy="1829055"/>
+          </a:xfrm>
+          <a:prstGeom prst="rect">
+            <a:avLst/>
+          </a:prstGeom>
+        </p:spPr>
+      </p:pic>
+    </p:spTree>
+    <p:extLst>
+      <p:ext uri="{BB962C8B-B14F-4D97-AF65-F5344CB8AC3E}">
+        <p14:creationId xmlns:p14="http://schemas.microsoft.com/office/powerpoint/2010/main" val="3445014071"/>
+      </p:ext>
+    </p:extLst>
+  </p:cSld>
+  <p:clrMapOvr>
+    <a:masterClrMapping/>
+  </p:clrMapOvr>
+</p:sld>
+</file>
+
+<file path=ppt/slides/slide40.xml><?xml version="1.0" encoding="utf-8"?>
 <p:sld xmlns:a="http://schemas.openxmlformats.org/drawingml/2006/main" xmlns:r="http://schemas.openxmlformats.org/officeDocument/2006/relationships" xmlns:p="http://schemas.openxmlformats.org/presentationml/2006/main">
   <p:cSld>
     <p:spTree>
@@ -25579,380 +25664,6 @@
     <p:extLst>
       <p:ext uri="{BB962C8B-B14F-4D97-AF65-F5344CB8AC3E}">
         <p14:creationId xmlns:p14="http://schemas.microsoft.com/office/powerpoint/2010/main" val="2673417847"/>
-      </p:ext>
-    </p:extLst>
-  </p:cSld>
-  <p:clrMapOvr>
-    <a:masterClrMapping/>
-  </p:clrMapOvr>
-</p:sld>
-</file>
-
-<file path=ppt/slides/slide4.xml><?xml version="1.0" encoding="utf-8"?>
-<p:sld xmlns:a="http://schemas.openxmlformats.org/drawingml/2006/main" xmlns:r="http://schemas.openxmlformats.org/officeDocument/2006/relationships" xmlns:p="http://schemas.openxmlformats.org/presentationml/2006/main">
-  <p:cSld>
-    <p:spTree>
-      <p:nvGrpSpPr>
-        <p:cNvPr id="1" name=""/>
-        <p:cNvGrpSpPr/>
-        <p:nvPr/>
-      </p:nvGrpSpPr>
-      <p:grpSpPr>
-        <a:xfrm>
-          <a:off x="0" y="0"/>
-          <a:ext cx="0" cy="0"/>
-          <a:chOff x="0" y="0"/>
-          <a:chExt cx="0" cy="0"/>
-        </a:xfrm>
-      </p:grpSpPr>
-      <p:sp>
-        <p:nvSpPr>
-          <p:cNvPr id="2" name="TextBox 1">
-            <a:extLst>
-              <a:ext uri="{FF2B5EF4-FFF2-40B4-BE49-F238E27FC236}">
-                <a16:creationId xmlns:a16="http://schemas.microsoft.com/office/drawing/2014/main" id="{823EB0DF-9FD8-9564-CAC7-42E386E52D71}"/>
-              </a:ext>
-            </a:extLst>
-          </p:cNvPr>
-          <p:cNvSpPr txBox="1"/>
-          <p:nvPr/>
-        </p:nvSpPr>
-        <p:spPr>
-          <a:xfrm>
-            <a:off x="517430" y="484138"/>
-            <a:ext cx="4314001" cy="1569660"/>
-          </a:xfrm>
-          <a:prstGeom prst="rect">
-            <a:avLst/>
-          </a:prstGeom>
-          <a:noFill/>
-        </p:spPr>
-        <p:txBody>
-          <a:bodyPr wrap="none" rtlCol="0">
-            <a:spAutoFit/>
-          </a:bodyPr>
-          <a:lstStyle/>
-          <a:p>
-            <a:r>
-              <a:rPr lang="en-US" altLang="ko-KR" sz="9600" b="1" dirty="0">
-                <a:solidFill>
-                  <a:srgbClr val="19633E">
-                    <a:alpha val="50000"/>
-                  </a:srgbClr>
-                </a:solidFill>
-                <a:latin typeface="HY견고딕" panose="02030600000101010101" pitchFamily="18" charset="-127"/>
-                <a:ea typeface="HY견고딕" panose="02030600000101010101" pitchFamily="18" charset="-127"/>
-                <a:cs typeface="Malgun Gothic Semilight" panose="020B0502040204020203" pitchFamily="50" charset="-127"/>
-              </a:rPr>
-              <a:t>!</a:t>
-            </a:r>
-            <a:r>
-              <a:rPr lang="ko-KR" altLang="en-US" sz="9600" b="1" dirty="0">
-                <a:solidFill>
-                  <a:srgbClr val="19633E">
-                    <a:alpha val="50000"/>
-                  </a:srgbClr>
-                </a:solidFill>
-                <a:latin typeface="HY견고딕" panose="02030600000101010101" pitchFamily="18" charset="-127"/>
-                <a:ea typeface="HY견고딕" panose="02030600000101010101" pitchFamily="18" charset="-127"/>
-                <a:cs typeface="Malgun Gothic Semilight" panose="020B0502040204020203" pitchFamily="50" charset="-127"/>
-              </a:rPr>
-              <a:t>명령어</a:t>
-            </a:r>
-          </a:p>
-        </p:txBody>
-      </p:sp>
-      <p:sp>
-        <p:nvSpPr>
-          <p:cNvPr id="7" name="TextBox 6">
-            <a:extLst>
-              <a:ext uri="{FF2B5EF4-FFF2-40B4-BE49-F238E27FC236}">
-                <a16:creationId xmlns:a16="http://schemas.microsoft.com/office/drawing/2014/main" id="{F9C23BC9-0B9E-0A9A-7ABE-EC239DB51B3F}"/>
-              </a:ext>
-            </a:extLst>
-          </p:cNvPr>
-          <p:cNvSpPr txBox="1"/>
-          <p:nvPr/>
-        </p:nvSpPr>
-        <p:spPr>
-          <a:xfrm>
-            <a:off x="634999" y="2053798"/>
-            <a:ext cx="1307011" cy="461665"/>
-          </a:xfrm>
-          <a:prstGeom prst="rect">
-            <a:avLst/>
-          </a:prstGeom>
-          <a:noFill/>
-        </p:spPr>
-        <p:txBody>
-          <a:bodyPr wrap="square">
-            <a:spAutoFit/>
-          </a:bodyPr>
-          <a:lstStyle/>
-          <a:p>
-            <a:r>
-              <a:rPr lang="en-US" altLang="ko-KR" sz="2400" b="1">
-                <a:solidFill>
-                  <a:srgbClr val="19633E">
-                    <a:alpha val="50000"/>
-                  </a:srgbClr>
-                </a:solidFill>
-                <a:latin typeface="휴먼둥근헤드라인" panose="02030504000101010101" pitchFamily="18" charset="-127"/>
-                <a:ea typeface="휴먼둥근헤드라인" panose="02030504000101010101" pitchFamily="18" charset="-127"/>
-                <a:cs typeface="Malgun Gothic Semilight" panose="020B0502040204020203" pitchFamily="50" charset="-127"/>
-              </a:rPr>
-              <a:t>!</a:t>
-            </a:r>
-            <a:r>
-              <a:rPr lang="ko-KR" altLang="en-US" sz="2400" b="1" dirty="0">
-                <a:solidFill>
-                  <a:srgbClr val="19633E">
-                    <a:alpha val="50000"/>
-                  </a:srgbClr>
-                </a:solidFill>
-                <a:latin typeface="휴먼둥근헤드라인" panose="02030504000101010101" pitchFamily="18" charset="-127"/>
-                <a:ea typeface="휴먼둥근헤드라인" panose="02030504000101010101" pitchFamily="18" charset="-127"/>
-                <a:cs typeface="Malgun Gothic Semilight" panose="020B0502040204020203" pitchFamily="50" charset="-127"/>
-              </a:rPr>
-              <a:t>명령어</a:t>
-            </a:r>
-            <a:endParaRPr lang="en-US" altLang="ko-KR" sz="2400" b="1" dirty="0">
-              <a:solidFill>
-                <a:srgbClr val="19633E">
-                  <a:alpha val="50000"/>
-                </a:srgbClr>
-              </a:solidFill>
-              <a:latin typeface="휴먼둥근헤드라인" panose="02030504000101010101" pitchFamily="18" charset="-127"/>
-              <a:ea typeface="휴먼둥근헤드라인" panose="02030504000101010101" pitchFamily="18" charset="-127"/>
-              <a:cs typeface="Malgun Gothic Semilight" panose="020B0502040204020203" pitchFamily="50" charset="-127"/>
-            </a:endParaRPr>
-          </a:p>
-        </p:txBody>
-      </p:sp>
-      <p:pic>
-        <p:nvPicPr>
-          <p:cNvPr id="3" name="그림 2" descr="클립아트, 상징, 만화 영화, 일러스트레이션이(가) 표시된 사진&#10;&#10;자동 생성된 설명">
-            <a:extLst>
-              <a:ext uri="{FF2B5EF4-FFF2-40B4-BE49-F238E27FC236}">
-                <a16:creationId xmlns:a16="http://schemas.microsoft.com/office/drawing/2014/main" id="{1A72D100-395A-E0AD-538D-3EC9E53B16FA}"/>
-              </a:ext>
-            </a:extLst>
-          </p:cNvPr>
-          <p:cNvPicPr>
-            <a:picLocks noChangeAspect="1"/>
-          </p:cNvPicPr>
-          <p:nvPr/>
-        </p:nvPicPr>
-        <p:blipFill rotWithShape="1">
-          <a:blip r:embed="rId2">
-            <a:extLst>
-              <a:ext uri="{BEBA8EAE-BF5A-486C-A8C5-ECC9F3942E4B}">
-                <a14:imgProps xmlns:a14="http://schemas.microsoft.com/office/drawing/2010/main">
-                  <a14:imgLayer r:embed="rId3">
-                    <a14:imgEffect>
-                      <a14:backgroundRemoval t="8871" b="94758" l="9091" r="89773">
-                        <a14:foregroundMark x1="45455" y1="9677" x2="48295" y2="13306"/>
-                        <a14:foregroundMark x1="24432" y1="43952" x2="21591" y2="51613"/>
-                        <a14:foregroundMark x1="34091" y1="50806" x2="55114" y2="62500"/>
-                        <a14:foregroundMark x1="71591" y1="37500" x2="60795" y2="42339"/>
-                        <a14:foregroundMark x1="74432" y1="45565" x2="74432" y2="51613"/>
-                        <a14:foregroundMark x1="44886" y1="56048" x2="42614" y2="69758"/>
-                        <a14:foregroundMark x1="23295" y1="66532" x2="37500" y2="77016"/>
-                        <a14:foregroundMark x1="72727" y1="73387" x2="69886" y2="78226"/>
-                        <a14:foregroundMark x1="46591" y1="90323" x2="47159" y2="87500"/>
-                        <a14:foregroundMark x1="63636" y1="93145" x2="61932" y2="94355"/>
-                        <a14:foregroundMark x1="46591" y1="94758" x2="48295" y2="94758"/>
-                      </a14:backgroundRemoval>
-                    </a14:imgEffect>
-                  </a14:imgLayer>
-                </a14:imgProps>
-              </a:ext>
-              <a:ext uri="{28A0092B-C50C-407E-A947-70E740481C1C}">
-                <a14:useLocalDpi xmlns:a14="http://schemas.microsoft.com/office/drawing/2010/main" val="0"/>
-              </a:ext>
-            </a:extLst>
-          </a:blip>
-          <a:srcRect b="34119"/>
-          <a:stretch/>
-        </p:blipFill>
-        <p:spPr>
-          <a:xfrm>
-            <a:off x="10117000" y="4724722"/>
-            <a:ext cx="2293533" cy="2129162"/>
-          </a:xfrm>
-          <a:prstGeom prst="rect">
-            <a:avLst/>
-          </a:prstGeom>
-        </p:spPr>
-      </p:pic>
-      <p:pic>
-        <p:nvPicPr>
-          <p:cNvPr id="4" name="그림 3" descr="클립아트, 만화 영화, 일러스트레이션, 그림이(가) 표시된 사진&#10;&#10;자동 생성된 설명">
-            <a:extLst>
-              <a:ext uri="{FF2B5EF4-FFF2-40B4-BE49-F238E27FC236}">
-                <a16:creationId xmlns:a16="http://schemas.microsoft.com/office/drawing/2014/main" id="{B7DFF34B-22E2-9AF8-06A9-F199A9960908}"/>
-              </a:ext>
-            </a:extLst>
-          </p:cNvPr>
-          <p:cNvPicPr>
-            <a:picLocks noChangeAspect="1"/>
-          </p:cNvPicPr>
-          <p:nvPr/>
-        </p:nvPicPr>
-        <p:blipFill>
-          <a:blip r:embed="rId4">
-            <a:extLst>
-              <a:ext uri="{28A0092B-C50C-407E-A947-70E740481C1C}">
-                <a14:useLocalDpi xmlns:a14="http://schemas.microsoft.com/office/drawing/2010/main" val="0"/>
-              </a:ext>
-            </a:extLst>
-          </a:blip>
-          <a:stretch>
-            <a:fillRect/>
-          </a:stretch>
-        </p:blipFill>
-        <p:spPr>
-          <a:xfrm>
-            <a:off x="0" y="3220288"/>
-            <a:ext cx="2449286" cy="3429000"/>
-          </a:xfrm>
-          <a:prstGeom prst="rect">
-            <a:avLst/>
-          </a:prstGeom>
-        </p:spPr>
-      </p:pic>
-      <p:cxnSp>
-        <p:nvCxnSpPr>
-          <p:cNvPr id="8" name="직선 연결선 7">
-            <a:extLst>
-              <a:ext uri="{FF2B5EF4-FFF2-40B4-BE49-F238E27FC236}">
-                <a16:creationId xmlns:a16="http://schemas.microsoft.com/office/drawing/2014/main" id="{BE10C0DD-D2E8-84F3-FC10-642535281AAA}"/>
-              </a:ext>
-            </a:extLst>
-          </p:cNvPr>
-          <p:cNvCxnSpPr>
-            <a:cxnSpLocks/>
-          </p:cNvCxnSpPr>
-          <p:nvPr/>
-        </p:nvCxnSpPr>
-        <p:spPr>
-          <a:xfrm>
-            <a:off x="723900" y="2528163"/>
-            <a:ext cx="1052649" cy="0"/>
-          </a:xfrm>
-          <a:prstGeom prst="line">
-            <a:avLst/>
-          </a:prstGeom>
-          <a:ln w="57150">
-            <a:solidFill>
-              <a:srgbClr val="1D5F3C">
-                <a:alpha val="50000"/>
-              </a:srgbClr>
-            </a:solidFill>
-          </a:ln>
-        </p:spPr>
-        <p:style>
-          <a:lnRef idx="1">
-            <a:schemeClr val="accent1"/>
-          </a:lnRef>
-          <a:fillRef idx="0">
-            <a:schemeClr val="accent1"/>
-          </a:fillRef>
-          <a:effectRef idx="0">
-            <a:schemeClr val="accent1"/>
-          </a:effectRef>
-          <a:fontRef idx="minor">
-            <a:schemeClr val="tx1"/>
-          </a:fontRef>
-        </p:style>
-      </p:cxnSp>
-      <p:sp>
-        <p:nvSpPr>
-          <p:cNvPr id="17" name="말풍선: 모서리가 둥근 사각형 16">
-            <a:extLst>
-              <a:ext uri="{FF2B5EF4-FFF2-40B4-BE49-F238E27FC236}">
-                <a16:creationId xmlns:a16="http://schemas.microsoft.com/office/drawing/2014/main" id="{E2BA31C4-5E7F-1DB2-333A-0A6BF44D0171}"/>
-              </a:ext>
-            </a:extLst>
-          </p:cNvPr>
-          <p:cNvSpPr/>
-          <p:nvPr/>
-        </p:nvSpPr>
-        <p:spPr>
-          <a:xfrm>
-            <a:off x="5756366" y="2812869"/>
-            <a:ext cx="4360634" cy="3139422"/>
-          </a:xfrm>
-          <a:prstGeom prst="wedgeRoundRectCallout">
-            <a:avLst>
-              <a:gd name="adj1" fmla="val 59942"/>
-              <a:gd name="adj2" fmla="val 40310"/>
-              <a:gd name="adj3" fmla="val 16667"/>
-            </a:avLst>
-          </a:prstGeom>
-          <a:solidFill>
-            <a:srgbClr val="141517"/>
-          </a:solidFill>
-        </p:spPr>
-        <p:style>
-          <a:lnRef idx="2">
-            <a:schemeClr val="accent1">
-              <a:shade val="15000"/>
-            </a:schemeClr>
-          </a:lnRef>
-          <a:fillRef idx="1">
-            <a:schemeClr val="accent1"/>
-          </a:fillRef>
-          <a:effectRef idx="0">
-            <a:schemeClr val="accent1"/>
-          </a:effectRef>
-          <a:fontRef idx="minor">
-            <a:schemeClr val="lt1"/>
-          </a:fontRef>
-        </p:style>
-        <p:txBody>
-          <a:bodyPr rtlCol="0" anchor="ctr"/>
-          <a:lstStyle/>
-          <a:p>
-            <a:pPr algn="ctr"/>
-            <a:endParaRPr lang="ko-KR" altLang="en-US"/>
-          </a:p>
-        </p:txBody>
-      </p:sp>
-      <p:pic>
-        <p:nvPicPr>
-          <p:cNvPr id="10" name="그림 9">
-            <a:extLst>
-              <a:ext uri="{FF2B5EF4-FFF2-40B4-BE49-F238E27FC236}">
-                <a16:creationId xmlns:a16="http://schemas.microsoft.com/office/drawing/2014/main" id="{21D07747-AE07-3C1C-A751-4BD31AA9D574}"/>
-              </a:ext>
-            </a:extLst>
-          </p:cNvPr>
-          <p:cNvPicPr>
-            <a:picLocks noChangeAspect="1"/>
-          </p:cNvPicPr>
-          <p:nvPr/>
-        </p:nvPicPr>
-        <p:blipFill>
-          <a:blip r:embed="rId5"/>
-          <a:stretch>
-            <a:fillRect/>
-          </a:stretch>
-        </p:blipFill>
-        <p:spPr>
-          <a:xfrm>
-            <a:off x="5821838" y="3601421"/>
-            <a:ext cx="4229690" cy="1562318"/>
-          </a:xfrm>
-          <a:prstGeom prst="rect">
-            <a:avLst/>
-          </a:prstGeom>
-        </p:spPr>
-      </p:pic>
-    </p:spTree>
-    <p:extLst>
-      <p:ext uri="{BB962C8B-B14F-4D97-AF65-F5344CB8AC3E}">
-        <p14:creationId xmlns:p14="http://schemas.microsoft.com/office/powerpoint/2010/main" val="3445014071"/>
       </p:ext>
     </p:extLst>
   </p:cSld>

--- a/일싹이 소개.pptx
+++ b/일싹이 소개.pptx
@@ -311,7 +311,7 @@
           <a:p>
             <a:fld id="{81B8F32D-D8B6-4B9E-9CBF-DCAC30B7B93D}" type="datetimeFigureOut">
               <a:rPr lang="en-US" smtClean="0"/>
-              <a:t>5/1/2024</a:t>
+              <a:t>5/2/2024</a:t>
             </a:fld>
             <a:endParaRPr lang="en-US"/>
           </a:p>
@@ -627,7 +627,7 @@
           <a:p>
             <a:fld id="{81B8F32D-D8B6-4B9E-9CBF-DCAC30B7B93D}" type="datetimeFigureOut">
               <a:rPr lang="en-US" smtClean="0"/>
-              <a:t>5/1/2024</a:t>
+              <a:t>5/2/2024</a:t>
             </a:fld>
             <a:endParaRPr lang="en-US"/>
           </a:p>
@@ -932,7 +932,7 @@
           <a:p>
             <a:fld id="{81B8F32D-D8B6-4B9E-9CBF-DCAC30B7B93D}" type="datetimeFigureOut">
               <a:rPr lang="en-US" smtClean="0"/>
-              <a:t>5/1/2024</a:t>
+              <a:t>5/2/2024</a:t>
             </a:fld>
             <a:endParaRPr lang="en-US"/>
           </a:p>
@@ -1139,7 +1139,7 @@
           <a:p>
             <a:fld id="{81B8F32D-D8B6-4B9E-9CBF-DCAC30B7B93D}" type="datetimeFigureOut">
               <a:rPr lang="en-US" smtClean="0"/>
-              <a:t>5/1/2024</a:t>
+              <a:t>5/2/2024</a:t>
             </a:fld>
             <a:endParaRPr lang="en-US"/>
           </a:p>
@@ -1487,7 +1487,7 @@
           <a:p>
             <a:fld id="{81B8F32D-D8B6-4B9E-9CBF-DCAC30B7B93D}" type="datetimeFigureOut">
               <a:rPr lang="en-US" smtClean="0"/>
-              <a:t>5/1/2024</a:t>
+              <a:t>5/2/2024</a:t>
             </a:fld>
             <a:endParaRPr lang="en-US"/>
           </a:p>
@@ -1958,7 +1958,7 @@
           <a:p>
             <a:fld id="{81B8F32D-D8B6-4B9E-9CBF-DCAC30B7B93D}" type="datetimeFigureOut">
               <a:rPr lang="en-US" smtClean="0"/>
-              <a:t>5/1/2024</a:t>
+              <a:t>5/2/2024</a:t>
             </a:fld>
             <a:endParaRPr lang="en-US"/>
           </a:p>
@@ -2493,7 +2493,7 @@
           <a:p>
             <a:fld id="{81B8F32D-D8B6-4B9E-9CBF-DCAC30B7B93D}" type="datetimeFigureOut">
               <a:rPr lang="en-US" smtClean="0"/>
-              <a:t>5/1/2024</a:t>
+              <a:t>5/2/2024</a:t>
             </a:fld>
             <a:endParaRPr lang="en-US"/>
           </a:p>
@@ -2710,7 +2710,7 @@
           <a:p>
             <a:fld id="{81B8F32D-D8B6-4B9E-9CBF-DCAC30B7B93D}" type="datetimeFigureOut">
               <a:rPr lang="en-US" smtClean="0"/>
-              <a:t>5/1/2024</a:t>
+              <a:t>5/2/2024</a:t>
             </a:fld>
             <a:endParaRPr lang="en-US"/>
           </a:p>
@@ -2915,7 +2915,7 @@
           <a:p>
             <a:fld id="{81B8F32D-D8B6-4B9E-9CBF-DCAC30B7B93D}" type="datetimeFigureOut">
               <a:rPr lang="en-US" smtClean="0"/>
-              <a:t>5/1/2024</a:t>
+              <a:t>5/2/2024</a:t>
             </a:fld>
             <a:endParaRPr lang="en-US"/>
           </a:p>
@@ -3245,7 +3245,7 @@
           <a:p>
             <a:fld id="{81B8F32D-D8B6-4B9E-9CBF-DCAC30B7B93D}" type="datetimeFigureOut">
               <a:rPr lang="en-US" smtClean="0"/>
-              <a:t>5/1/2024</a:t>
+              <a:t>5/2/2024</a:t>
             </a:fld>
             <a:endParaRPr lang="en-US"/>
           </a:p>
@@ -3555,7 +3555,7 @@
           <a:p>
             <a:fld id="{81B8F32D-D8B6-4B9E-9CBF-DCAC30B7B93D}" type="datetimeFigureOut">
               <a:rPr lang="en-US" smtClean="0"/>
-              <a:t>5/1/2024</a:t>
+              <a:t>5/2/2024</a:t>
             </a:fld>
             <a:endParaRPr lang="en-US"/>
           </a:p>
@@ -3792,7 +3792,7 @@
             <a:fld id="{81B8F32D-D8B6-4B9E-9CBF-DCAC30B7B93D}" type="datetimeFigureOut">
               <a:rPr lang="en-US" smtClean="0"/>
               <a:pPr/>
-              <a:t>5/1/2024</a:t>
+              <a:t>5/2/2024</a:t>
             </a:fld>
             <a:endParaRPr lang="en-US" dirty="0"/>
           </a:p>
@@ -16275,7 +16275,7 @@
                 <a:ea typeface="맑은 고딕" panose="020B0503020000020004" pitchFamily="50" charset="-127"/>
                 <a:cs typeface="Malgun Gothic Semilight" panose="020B0502040204020203" pitchFamily="50" charset="-127"/>
               </a:rPr>
-              <a:t>혼천리그 베팅에 사용할 수 있는 </a:t>
+              <a:t>혼천리그 응원에 사용할 수 있는 </a:t>
             </a:r>
             <a:r>
               <a:rPr lang="en-US" altLang="ko-KR" dirty="0">
@@ -17266,7 +17266,7 @@
                 <a:ea typeface="HY견고딕" panose="02030600000101010101" pitchFamily="18" charset="-127"/>
                 <a:cs typeface="Malgun Gothic Semilight" panose="020B0502040204020203" pitchFamily="50" charset="-127"/>
               </a:rPr>
-              <a:t>베팅액</a:t>
+              <a:t>응원액</a:t>
             </a:r>
             <a:r>
               <a:rPr lang="en-US" altLang="ko-KR" dirty="0">
@@ -17515,7 +17515,7 @@
                 <a:ea typeface="맑은 고딕" panose="020B0503020000020004" pitchFamily="50" charset="-127"/>
                 <a:cs typeface="Malgun Gothic Semilight" panose="020B0502040204020203" pitchFamily="50" charset="-127"/>
               </a:rPr>
-              <a:t>등 선수를 예측하고 포인트를 베팅</a:t>
+              <a:t>등 선수를 예측하고 포인트를 응원</a:t>
             </a:r>
             <a:r>
               <a:rPr lang="ko-KR" altLang="en-US" dirty="0">
@@ -17613,7 +17613,31 @@
                 <a:ea typeface="맑은 고딕" panose="020B0503020000020004" pitchFamily="50" charset="-127"/>
                 <a:cs typeface="Malgun Gothic Semilight" panose="020B0502040204020203" pitchFamily="50" charset="-127"/>
               </a:rPr>
-              <a:t>자신이 베팅한 금액에 맞는 배당금</a:t>
+              <a:t>자신이 응원한 금액에 비례해 </a:t>
+            </a:r>
+            <a:r>
+              <a:rPr lang="ko-KR" altLang="en-US" dirty="0" err="1">
+                <a:solidFill>
+                  <a:srgbClr val="19633E"/>
+                </a:solidFill>
+                <a:latin typeface="맑은 고딕" panose="020B0503020000020004" pitchFamily="50" charset="-127"/>
+                <a:ea typeface="맑은 고딕" panose="020B0503020000020004" pitchFamily="50" charset="-127"/>
+                <a:cs typeface="Malgun Gothic Semilight" panose="020B0502040204020203" pitchFamily="50" charset="-127"/>
+              </a:rPr>
+              <a:t>포인트</a:t>
+            </a:r>
+            <a:r>
+              <a:rPr lang="ko-KR" altLang="en-US" dirty="0" err="1">
+                <a:solidFill>
+                  <a:srgbClr val="19633E">
+                    <a:alpha val="50000"/>
+                  </a:srgbClr>
+                </a:solidFill>
+                <a:latin typeface="맑은 고딕" panose="020B0503020000020004" pitchFamily="50" charset="-127"/>
+                <a:ea typeface="맑은 고딕" panose="020B0503020000020004" pitchFamily="50" charset="-127"/>
+                <a:cs typeface="Malgun Gothic Semilight" panose="020B0502040204020203" pitchFamily="50" charset="-127"/>
+              </a:rPr>
+              <a:t>을</a:t>
             </a:r>
             <a:r>
               <a:rPr lang="ko-KR" altLang="en-US" dirty="0">
@@ -17626,7 +17650,7 @@
                 <a:ea typeface="맑은 고딕" panose="020B0503020000020004" pitchFamily="50" charset="-127"/>
                 <a:cs typeface="Malgun Gothic Semilight" panose="020B0502040204020203" pitchFamily="50" charset="-127"/>
               </a:rPr>
-              <a:t>을 지급해드려요</a:t>
+              <a:t> 지급해드려요</a:t>
             </a:r>
             <a:endParaRPr lang="en-US" altLang="ko-KR" dirty="0">
               <a:solidFill>
@@ -18212,7 +18236,7 @@
                 <a:ea typeface="HY견고딕" panose="02030600000101010101" pitchFamily="18" charset="-127"/>
                 <a:cs typeface="Malgun Gothic Semilight" panose="020B0502040204020203" pitchFamily="50" charset="-127"/>
               </a:rPr>
-              <a:t>베팅액</a:t>
+              <a:t>응원액</a:t>
             </a:r>
             <a:r>
               <a:rPr lang="en-US" altLang="ko-KR" dirty="0">
@@ -18940,7 +18964,7 @@
                 <a:ea typeface="맑은 고딕" panose="020B0503020000020004" pitchFamily="50" charset="-127"/>
                 <a:cs typeface="Malgun Gothic Semilight" panose="020B0502040204020203" pitchFamily="50" charset="-127"/>
               </a:rPr>
-              <a:t>혼천선수 출전우대권</a:t>
+              <a:t>슈퍼참여권</a:t>
             </a:r>
             <a:r>
               <a:rPr lang="ko-KR" altLang="en-US" dirty="0">
@@ -19001,7 +19025,7 @@
                 <a:ea typeface="맑은 고딕" panose="020B0503020000020004" pitchFamily="50" charset="-127"/>
                 <a:cs typeface="Malgun Gothic Semilight" panose="020B0502040204020203" pitchFamily="50" charset="-127"/>
               </a:rPr>
-              <a:t> 혼천선수 출전우대권이 적용될 선수를 같이 기입해주세요</a:t>
+              <a:t> 슈퍼참여권이 적용될 선수를 같이 기입해주세요</a:t>
             </a:r>
             <a:endParaRPr lang="en-US" altLang="ko-KR" dirty="0">
               <a:solidFill>
@@ -21060,6 +21084,17 @@
               <a:t>, </a:t>
             </a:r>
             <a:r>
+              <a:rPr lang="ko-KR" altLang="en-US" dirty="0" err="1">
+                <a:solidFill>
+                  <a:srgbClr val="19633E"/>
+                </a:solidFill>
+                <a:latin typeface="맑은 고딕" panose="020B0503020000020004" pitchFamily="50" charset="-127"/>
+                <a:ea typeface="맑은 고딕" panose="020B0503020000020004" pitchFamily="50" charset="-127"/>
+                <a:cs typeface="Malgun Gothic Semilight" panose="020B0502040204020203" pitchFamily="50" charset="-127"/>
+              </a:rPr>
+              <a:t>슈참권</a:t>
+            </a:r>
+            <a:r>
               <a:rPr lang="ko-KR" altLang="en-US" dirty="0">
                 <a:solidFill>
                   <a:srgbClr val="19633E"/>
@@ -21068,7 +21103,7 @@
                 <a:ea typeface="맑은 고딕" panose="020B0503020000020004" pitchFamily="50" charset="-127"/>
                 <a:cs typeface="Malgun Gothic Semilight" panose="020B0502040204020203" pitchFamily="50" charset="-127"/>
               </a:rPr>
-              <a:t>우대권 구매</a:t>
+              <a:t> 구매</a:t>
             </a:r>
             <a:r>
               <a:rPr lang="ko-KR" altLang="en-US" dirty="0">
@@ -22606,7 +22641,7 @@
                 <a:ea typeface="맑은 고딕" panose="020B0503020000020004" pitchFamily="50" charset="-127"/>
                 <a:cs typeface="Malgun Gothic Semilight" panose="020B0502040204020203" pitchFamily="50" charset="-127"/>
               </a:rPr>
-              <a:t>참가선수 별 응원 포인트 배당률</a:t>
+              <a:t>참가선수 별 응원 포인트 예상 획득비율</a:t>
             </a:r>
             <a:r>
               <a:rPr lang="ko-KR" altLang="en-US" dirty="0">
@@ -24278,7 +24313,7 @@
                 <a:ea typeface="휴먼둥근헤드라인" panose="02030504000101010101" pitchFamily="18" charset="-127"/>
                 <a:cs typeface="Malgun Gothic Semilight" panose="020B0502040204020203" pitchFamily="50" charset="-127"/>
               </a:rPr>
-              <a:t>베팅액</a:t>
+              <a:t>응원액</a:t>
             </a:r>
             <a:r>
               <a:rPr lang="en-US" altLang="ko-KR" sz="2000" dirty="0">
@@ -24400,7 +24435,7 @@
                 <a:ea typeface="휴먼둥근헤드라인" panose="02030504000101010101" pitchFamily="18" charset="-127"/>
                 <a:cs typeface="Malgun Gothic Semilight" panose="020B0502040204020203" pitchFamily="50" charset="-127"/>
               </a:rPr>
-              <a:t>포인트를 지불해 혼천 선수우선권을 구매해요</a:t>
+              <a:t>포인트를 지불해 슈퍼참여권을 구매해요</a:t>
             </a:r>
             <a:r>
               <a:rPr lang="en-US" altLang="ko-KR" sz="2000" dirty="0">
@@ -24688,7 +24723,7 @@
                 <a:ea typeface="휴먼둥근헤드라인" panose="02030504000101010101" pitchFamily="18" charset="-127"/>
                 <a:cs typeface="Malgun Gothic Semilight" panose="020B0502040204020203" pitchFamily="50" charset="-127"/>
               </a:rPr>
-              <a:t>현재 베팅 정보를 조회해요</a:t>
+              <a:t>현재 응원 정보를 조회해요</a:t>
             </a:r>
             <a:endParaRPr lang="en-US" altLang="ko-KR" sz="2000" dirty="0">
               <a:solidFill>
@@ -24762,7 +24797,7 @@
                 <a:ea typeface="휴먼둥근헤드라인" panose="02030504000101010101" pitchFamily="18" charset="-127"/>
                 <a:cs typeface="Malgun Gothic Semilight" panose="020B0502040204020203" pitchFamily="50" charset="-127"/>
               </a:rPr>
-              <a:t> 응원 포인트 배당비율을 알려드려요</a:t>
+              <a:t> 응원 포인트 예상 획득 비율을 알려드려요</a:t>
             </a:r>
             <a:endParaRPr lang="en-US" altLang="ko-KR" sz="2000" dirty="0">
               <a:solidFill>

--- a/일싹이 소개.pptx
+++ b/일싹이 소개.pptx
@@ -311,7 +311,7 @@
           <a:p>
             <a:fld id="{81B8F32D-D8B6-4B9E-9CBF-DCAC30B7B93D}" type="datetimeFigureOut">
               <a:rPr lang="en-US" smtClean="0"/>
-              <a:t>5/2/2024</a:t>
+              <a:t>5/3/2024</a:t>
             </a:fld>
             <a:endParaRPr lang="en-US"/>
           </a:p>
@@ -627,7 +627,7 @@
           <a:p>
             <a:fld id="{81B8F32D-D8B6-4B9E-9CBF-DCAC30B7B93D}" type="datetimeFigureOut">
               <a:rPr lang="en-US" smtClean="0"/>
-              <a:t>5/2/2024</a:t>
+              <a:t>5/3/2024</a:t>
             </a:fld>
             <a:endParaRPr lang="en-US"/>
           </a:p>
@@ -932,7 +932,7 @@
           <a:p>
             <a:fld id="{81B8F32D-D8B6-4B9E-9CBF-DCAC30B7B93D}" type="datetimeFigureOut">
               <a:rPr lang="en-US" smtClean="0"/>
-              <a:t>5/2/2024</a:t>
+              <a:t>5/3/2024</a:t>
             </a:fld>
             <a:endParaRPr lang="en-US"/>
           </a:p>
@@ -1139,7 +1139,7 @@
           <a:p>
             <a:fld id="{81B8F32D-D8B6-4B9E-9CBF-DCAC30B7B93D}" type="datetimeFigureOut">
               <a:rPr lang="en-US" smtClean="0"/>
-              <a:t>5/2/2024</a:t>
+              <a:t>5/3/2024</a:t>
             </a:fld>
             <a:endParaRPr lang="en-US"/>
           </a:p>
@@ -1487,7 +1487,7 @@
           <a:p>
             <a:fld id="{81B8F32D-D8B6-4B9E-9CBF-DCAC30B7B93D}" type="datetimeFigureOut">
               <a:rPr lang="en-US" smtClean="0"/>
-              <a:t>5/2/2024</a:t>
+              <a:t>5/3/2024</a:t>
             </a:fld>
             <a:endParaRPr lang="en-US"/>
           </a:p>
@@ -1958,7 +1958,7 @@
           <a:p>
             <a:fld id="{81B8F32D-D8B6-4B9E-9CBF-DCAC30B7B93D}" type="datetimeFigureOut">
               <a:rPr lang="en-US" smtClean="0"/>
-              <a:t>5/2/2024</a:t>
+              <a:t>5/3/2024</a:t>
             </a:fld>
             <a:endParaRPr lang="en-US"/>
           </a:p>
@@ -2493,7 +2493,7 @@
           <a:p>
             <a:fld id="{81B8F32D-D8B6-4B9E-9CBF-DCAC30B7B93D}" type="datetimeFigureOut">
               <a:rPr lang="en-US" smtClean="0"/>
-              <a:t>5/2/2024</a:t>
+              <a:t>5/3/2024</a:t>
             </a:fld>
             <a:endParaRPr lang="en-US"/>
           </a:p>
@@ -2710,7 +2710,7 @@
           <a:p>
             <a:fld id="{81B8F32D-D8B6-4B9E-9CBF-DCAC30B7B93D}" type="datetimeFigureOut">
               <a:rPr lang="en-US" smtClean="0"/>
-              <a:t>5/2/2024</a:t>
+              <a:t>5/3/2024</a:t>
             </a:fld>
             <a:endParaRPr lang="en-US"/>
           </a:p>
@@ -2915,7 +2915,7 @@
           <a:p>
             <a:fld id="{81B8F32D-D8B6-4B9E-9CBF-DCAC30B7B93D}" type="datetimeFigureOut">
               <a:rPr lang="en-US" smtClean="0"/>
-              <a:t>5/2/2024</a:t>
+              <a:t>5/3/2024</a:t>
             </a:fld>
             <a:endParaRPr lang="en-US"/>
           </a:p>
@@ -3245,7 +3245,7 @@
           <a:p>
             <a:fld id="{81B8F32D-D8B6-4B9E-9CBF-DCAC30B7B93D}" type="datetimeFigureOut">
               <a:rPr lang="en-US" smtClean="0"/>
-              <a:t>5/2/2024</a:t>
+              <a:t>5/3/2024</a:t>
             </a:fld>
             <a:endParaRPr lang="en-US"/>
           </a:p>
@@ -3555,7 +3555,7 @@
           <a:p>
             <a:fld id="{81B8F32D-D8B6-4B9E-9CBF-DCAC30B7B93D}" type="datetimeFigureOut">
               <a:rPr lang="en-US" smtClean="0"/>
-              <a:t>5/2/2024</a:t>
+              <a:t>5/3/2024</a:t>
             </a:fld>
             <a:endParaRPr lang="en-US"/>
           </a:p>
@@ -3792,7 +3792,7 @@
             <a:fld id="{81B8F32D-D8B6-4B9E-9CBF-DCAC30B7B93D}" type="datetimeFigureOut">
               <a:rPr lang="en-US" smtClean="0"/>
               <a:pPr/>
-              <a:t>5/2/2024</a:t>
+              <a:t>5/3/2024</a:t>
             </a:fld>
             <a:endParaRPr lang="en-US" dirty="0"/>
           </a:p>
@@ -24196,6 +24196,58 @@
               <a:t>출첵 </a:t>
             </a:r>
             <a:r>
+              <a:rPr lang="en-US" altLang="ko-KR" sz="2000" dirty="0">
+                <a:solidFill>
+                  <a:srgbClr val="19633E">
+                    <a:alpha val="50000"/>
+                  </a:srgbClr>
+                </a:solidFill>
+                <a:latin typeface="휴먼둥근헤드라인" panose="02030504000101010101" pitchFamily="18" charset="-127"/>
+                <a:ea typeface="휴먼둥근헤드라인" panose="02030504000101010101" pitchFamily="18" charset="-127"/>
+                <a:cs typeface="Malgun Gothic Semilight" panose="020B0502040204020203" pitchFamily="50" charset="-127"/>
+              </a:rPr>
+              <a:t>or</a:t>
+            </a:r>
+            <a:r>
+              <a:rPr lang="ko-KR" altLang="en-US" sz="2000" dirty="0">
+                <a:solidFill>
+                  <a:srgbClr val="19633E">
+                    <a:alpha val="50000"/>
+                  </a:srgbClr>
+                </a:solidFill>
+                <a:latin typeface="휴먼둥근헤드라인" panose="02030504000101010101" pitchFamily="18" charset="-127"/>
+                <a:ea typeface="휴먼둥근헤드라인" panose="02030504000101010101" pitchFamily="18" charset="-127"/>
+                <a:cs typeface="Malgun Gothic Semilight" panose="020B0502040204020203" pitchFamily="50" charset="-127"/>
+              </a:rPr>
+              <a:t> </a:t>
+            </a:r>
+            <a:r>
+              <a:rPr lang="en-US" altLang="ko-KR" sz="2000" dirty="0">
+                <a:solidFill>
+                  <a:srgbClr val="19633E">
+                    <a:alpha val="50000"/>
+                  </a:srgbClr>
+                </a:solidFill>
+                <a:latin typeface="휴먼둥근헤드라인" panose="02030504000101010101" pitchFamily="18" charset="-127"/>
+                <a:ea typeface="휴먼둥근헤드라인" panose="02030504000101010101" pitchFamily="18" charset="-127"/>
+                <a:cs typeface="Malgun Gothic Semilight" panose="020B0502040204020203" pitchFamily="50" charset="-127"/>
+              </a:rPr>
+              <a:t>!</a:t>
+            </a:r>
+            <a:r>
+              <a:rPr lang="ko-KR" altLang="en-US" sz="2000" dirty="0">
+                <a:solidFill>
+                  <a:srgbClr val="19633E">
+                    <a:alpha val="50000"/>
+                  </a:srgbClr>
+                </a:solidFill>
+                <a:latin typeface="휴먼둥근헤드라인" panose="02030504000101010101" pitchFamily="18" charset="-127"/>
+                <a:ea typeface="휴먼둥근헤드라인" panose="02030504000101010101" pitchFamily="18" charset="-127"/>
+                <a:cs typeface="Malgun Gothic Semilight" panose="020B0502040204020203" pitchFamily="50" charset="-127"/>
+              </a:rPr>
+              <a:t>출석 </a:t>
+            </a:r>
+            <a:r>
               <a:rPr lang="ko-KR" altLang="en-US" sz="2000" dirty="0">
                 <a:solidFill>
                   <a:srgbClr val="872135"/>
@@ -24277,7 +24329,7 @@
               <a:t>[</a:t>
             </a:r>
             <a:r>
-              <a:rPr lang="ko-KR" altLang="en-US" sz="2000" dirty="0" err="1">
+              <a:rPr lang="ko-KR" altLang="en-US" sz="2000" dirty="0">
                 <a:solidFill>
                   <a:srgbClr val="19633E">
                     <a:alpha val="50000"/>
@@ -24287,7 +24339,7 @@
                 <a:ea typeface="휴먼둥근헤드라인" panose="02030504000101010101" pitchFamily="18" charset="-127"/>
                 <a:cs typeface="Malgun Gothic Semilight" panose="020B0502040204020203" pitchFamily="50" charset="-127"/>
               </a:rPr>
-              <a:t>선수명</a:t>
+              <a:t>선수번호</a:t>
             </a:r>
             <a:r>
               <a:rPr lang="en-US" altLang="ko-KR" sz="2000" dirty="0">
@@ -24418,6 +24470,58 @@
             <a:r>
               <a:rPr lang="en-US" altLang="ko-KR" sz="2000" dirty="0">
                 <a:solidFill>
+                  <a:srgbClr val="19633E">
+                    <a:alpha val="50000"/>
+                  </a:srgbClr>
+                </a:solidFill>
+                <a:latin typeface="휴먼둥근헤드라인" panose="02030504000101010101" pitchFamily="18" charset="-127"/>
+                <a:ea typeface="휴먼둥근헤드라인" panose="02030504000101010101" pitchFamily="18" charset="-127"/>
+                <a:cs typeface="Malgun Gothic Semilight" panose="020B0502040204020203" pitchFamily="50" charset="-127"/>
+              </a:rPr>
+              <a:t>[</a:t>
+            </a:r>
+            <a:r>
+              <a:rPr lang="ko-KR" altLang="en-US" sz="2000" dirty="0">
+                <a:solidFill>
+                  <a:srgbClr val="19633E">
+                    <a:alpha val="50000"/>
+                  </a:srgbClr>
+                </a:solidFill>
+                <a:latin typeface="휴먼둥근헤드라인" panose="02030504000101010101" pitchFamily="18" charset="-127"/>
+                <a:ea typeface="휴먼둥근헤드라인" panose="02030504000101010101" pitchFamily="18" charset="-127"/>
+                <a:cs typeface="Malgun Gothic Semilight" panose="020B0502040204020203" pitchFamily="50" charset="-127"/>
+              </a:rPr>
+              <a:t>선수이름</a:t>
+            </a:r>
+            <a:r>
+              <a:rPr lang="en-US" altLang="ko-KR" sz="2000" dirty="0">
+                <a:solidFill>
+                  <a:srgbClr val="19633E">
+                    <a:alpha val="50000"/>
+                  </a:srgbClr>
+                </a:solidFill>
+                <a:latin typeface="휴먼둥근헤드라인" panose="02030504000101010101" pitchFamily="18" charset="-127"/>
+                <a:ea typeface="휴먼둥근헤드라인" panose="02030504000101010101" pitchFamily="18" charset="-127"/>
+                <a:cs typeface="Malgun Gothic Semilight" panose="020B0502040204020203" pitchFamily="50" charset="-127"/>
+              </a:rPr>
+              <a:t>]</a:t>
+            </a:r>
+            <a:r>
+              <a:rPr lang="ko-KR" altLang="en-US" sz="2000" dirty="0">
+                <a:solidFill>
+                  <a:srgbClr val="19633E">
+                    <a:alpha val="50000"/>
+                  </a:srgbClr>
+                </a:solidFill>
+                <a:latin typeface="휴먼둥근헤드라인" panose="02030504000101010101" pitchFamily="18" charset="-127"/>
+                <a:ea typeface="휴먼둥근헤드라인" panose="02030504000101010101" pitchFamily="18" charset="-127"/>
+                <a:cs typeface="Malgun Gothic Semilight" panose="020B0502040204020203" pitchFamily="50" charset="-127"/>
+              </a:rPr>
+              <a:t> </a:t>
+            </a:r>
+            <a:r>
+              <a:rPr lang="en-US" altLang="ko-KR" sz="2000" dirty="0">
+                <a:solidFill>
                   <a:srgbClr val="872135"/>
                 </a:solidFill>
                 <a:latin typeface="휴먼둥근헤드라인" panose="02030504000101010101" pitchFamily="18" charset="-127"/>
@@ -24492,45 +24596,6 @@
               <a:t>포인트 </a:t>
             </a:r>
             <a:r>
-              <a:rPr lang="en-US" altLang="ko-KR" sz="2000" dirty="0">
-                <a:solidFill>
-                  <a:srgbClr val="19633E">
-                    <a:alpha val="50000"/>
-                  </a:srgbClr>
-                </a:solidFill>
-                <a:latin typeface="휴먼둥근헤드라인" panose="02030504000101010101" pitchFamily="18" charset="-127"/>
-                <a:ea typeface="휴먼둥근헤드라인" panose="02030504000101010101" pitchFamily="18" charset="-127"/>
-                <a:cs typeface="Malgun Gothic Semilight" panose="020B0502040204020203" pitchFamily="50" charset="-127"/>
-              </a:rPr>
-              <a:t>[*</a:t>
-            </a:r>
-            <a:r>
-              <a:rPr lang="ko-KR" altLang="en-US" sz="2000" dirty="0">
-                <a:solidFill>
-                  <a:srgbClr val="19633E">
-                    <a:alpha val="50000"/>
-                  </a:srgbClr>
-                </a:solidFill>
-                <a:latin typeface="휴먼둥근헤드라인" panose="02030504000101010101" pitchFamily="18" charset="-127"/>
-                <a:ea typeface="휴먼둥근헤드라인" panose="02030504000101010101" pitchFamily="18" charset="-127"/>
-                <a:cs typeface="Malgun Gothic Semilight" panose="020B0502040204020203" pitchFamily="50" charset="-127"/>
-              </a:rPr>
-              <a:t>시청자 이름</a:t>
-            </a:r>
-            <a:r>
-              <a:rPr lang="en-US" altLang="ko-KR" sz="2000" dirty="0">
-                <a:solidFill>
-                  <a:srgbClr val="19633E">
-                    <a:alpha val="50000"/>
-                  </a:srgbClr>
-                </a:solidFill>
-                <a:latin typeface="휴먼둥근헤드라인" panose="02030504000101010101" pitchFamily="18" charset="-127"/>
-                <a:ea typeface="휴먼둥근헤드라인" panose="02030504000101010101" pitchFamily="18" charset="-127"/>
-                <a:cs typeface="Malgun Gothic Semilight" panose="020B0502040204020203" pitchFamily="50" charset="-127"/>
-              </a:rPr>
-              <a:t>] </a:t>
-            </a:r>
-            <a:r>
               <a:rPr lang="ko-KR" altLang="en-US" sz="2000" dirty="0">
                 <a:solidFill>
                   <a:srgbClr val="872135"/>
@@ -24585,45 +24650,6 @@
               <a:t>등락 </a:t>
             </a:r>
             <a:r>
-              <a:rPr lang="en-US" altLang="ko-KR" sz="2000" dirty="0">
-                <a:solidFill>
-                  <a:srgbClr val="19633E">
-                    <a:alpha val="50000"/>
-                  </a:srgbClr>
-                </a:solidFill>
-                <a:latin typeface="휴먼둥근헤드라인" panose="02030504000101010101" pitchFamily="18" charset="-127"/>
-                <a:ea typeface="휴먼둥근헤드라인" panose="02030504000101010101" pitchFamily="18" charset="-127"/>
-                <a:cs typeface="Malgun Gothic Semilight" panose="020B0502040204020203" pitchFamily="50" charset="-127"/>
-              </a:rPr>
-              <a:t>[*</a:t>
-            </a:r>
-            <a:r>
-              <a:rPr lang="ko-KR" altLang="en-US" sz="2000" dirty="0">
-                <a:solidFill>
-                  <a:srgbClr val="19633E">
-                    <a:alpha val="50000"/>
-                  </a:srgbClr>
-                </a:solidFill>
-                <a:latin typeface="휴먼둥근헤드라인" panose="02030504000101010101" pitchFamily="18" charset="-127"/>
-                <a:ea typeface="휴먼둥근헤드라인" panose="02030504000101010101" pitchFamily="18" charset="-127"/>
-                <a:cs typeface="Malgun Gothic Semilight" panose="020B0502040204020203" pitchFamily="50" charset="-127"/>
-              </a:rPr>
-              <a:t>시청자 이름</a:t>
-            </a:r>
-            <a:r>
-              <a:rPr lang="en-US" altLang="ko-KR" sz="2000" dirty="0">
-                <a:solidFill>
-                  <a:srgbClr val="19633E">
-                    <a:alpha val="50000"/>
-                  </a:srgbClr>
-                </a:solidFill>
-                <a:latin typeface="휴먼둥근헤드라인" panose="02030504000101010101" pitchFamily="18" charset="-127"/>
-                <a:ea typeface="휴먼둥근헤드라인" panose="02030504000101010101" pitchFamily="18" charset="-127"/>
-                <a:cs typeface="Malgun Gothic Semilight" panose="020B0502040204020203" pitchFamily="50" charset="-127"/>
-              </a:rPr>
-              <a:t>] </a:t>
-            </a:r>
-            <a:r>
               <a:rPr lang="ko-KR" altLang="en-US" sz="2000" dirty="0">
                 <a:solidFill>
                   <a:srgbClr val="872135"/>
@@ -24674,45 +24700,6 @@
                 <a:cs typeface="Malgun Gothic Semilight" panose="020B0502040204020203" pitchFamily="50" charset="-127"/>
               </a:rPr>
               <a:t>응원정보 </a:t>
-            </a:r>
-            <a:r>
-              <a:rPr lang="en-US" altLang="ko-KR" sz="2000" dirty="0">
-                <a:solidFill>
-                  <a:srgbClr val="19633E">
-                    <a:alpha val="50000"/>
-                  </a:srgbClr>
-                </a:solidFill>
-                <a:latin typeface="휴먼둥근헤드라인" panose="02030504000101010101" pitchFamily="18" charset="-127"/>
-                <a:ea typeface="휴먼둥근헤드라인" panose="02030504000101010101" pitchFamily="18" charset="-127"/>
-                <a:cs typeface="Malgun Gothic Semilight" panose="020B0502040204020203" pitchFamily="50" charset="-127"/>
-              </a:rPr>
-              <a:t>[*</a:t>
-            </a:r>
-            <a:r>
-              <a:rPr lang="ko-KR" altLang="en-US" sz="2000" dirty="0">
-                <a:solidFill>
-                  <a:srgbClr val="19633E">
-                    <a:alpha val="50000"/>
-                  </a:srgbClr>
-                </a:solidFill>
-                <a:latin typeface="휴먼둥근헤드라인" panose="02030504000101010101" pitchFamily="18" charset="-127"/>
-                <a:ea typeface="휴먼둥근헤드라인" panose="02030504000101010101" pitchFamily="18" charset="-127"/>
-                <a:cs typeface="Malgun Gothic Semilight" panose="020B0502040204020203" pitchFamily="50" charset="-127"/>
-              </a:rPr>
-              <a:t>시청자 이름</a:t>
-            </a:r>
-            <a:r>
-              <a:rPr lang="en-US" altLang="ko-KR" sz="2000" dirty="0">
-                <a:solidFill>
-                  <a:srgbClr val="19633E">
-                    <a:alpha val="50000"/>
-                  </a:srgbClr>
-                </a:solidFill>
-                <a:latin typeface="휴먼둥근헤드라인" panose="02030504000101010101" pitchFamily="18" charset="-127"/>
-                <a:ea typeface="휴먼둥근헤드라인" panose="02030504000101010101" pitchFamily="18" charset="-127"/>
-                <a:cs typeface="Malgun Gothic Semilight" panose="020B0502040204020203" pitchFamily="50" charset="-127"/>
-              </a:rPr>
-              <a:t>] </a:t>
             </a:r>
             <a:r>
               <a:rPr lang="ko-KR" altLang="en-US" sz="2000" dirty="0">
